--- a/inheritance-in-javascript/Inheritance.pptx
+++ b/inheritance-in-javascript/Inheritance.pptx
@@ -46,7 +46,7 @@
     <p:sldId id="340" r:id="rId37"/>
     <p:sldId id="341" r:id="rId38"/>
     <p:sldId id="401" r:id="rId39"/>
-    <p:sldId id="354" r:id="rId40"/>
+    <p:sldId id="402" r:id="rId40"/>
     <p:sldId id="355" r:id="rId41"/>
     <p:sldId id="343" r:id="rId42"/>
     <p:sldId id="356" r:id="rId43"/>
@@ -12953,362 +12953,296 @@
         <p:spPr bwMode="auto">
           <a:xfrm>
             <a:off x="914400" y="1031663"/>
-            <a:ext cx="6249888" cy="5170646"/>
+            <a:ext cx="6249888" cy="4462760"/>
           </a:xfrm>
           <a:prstGeom prst="rect">
             <a:avLst/>
           </a:prstGeom>
-          <a:noFill/>
-          <a:ln>
-            <a:noFill/>
-          </a:ln>
-          <a:effectLst/>
-          <a:extLst>
-            <a:ext uri="{909E8E84-426E-40DD-AFC4-6F175D3DCCD1}">
-              <a14:hiddenFill xmlns:a14="http://schemas.microsoft.com/office/drawing/2010/main">
-                <a:solidFill>
-                  <a:schemeClr val="accent1"/>
-                </a:solidFill>
-              </a14:hiddenFill>
-            </a:ext>
-            <a:ext uri="{91240B29-F687-4F45-9708-019B960494DF}">
-              <a14:hiddenLine xmlns:a14="http://schemas.microsoft.com/office/drawing/2010/main" w="9525">
-                <a:solidFill>
-                  <a:schemeClr val="tx1"/>
-                </a:solidFill>
-                <a:miter lim="800000"/>
-                <a:headEnd/>
-                <a:tailEnd/>
-              </a14:hiddenLine>
-            </a:ext>
-            <a:ext uri="{AF507438-7753-43E0-B8FC-AC1667EBCBE1}">
-              <a14:hiddenEffects xmlns:a14="http://schemas.microsoft.com/office/drawing/2010/main">
-                <a:effectLst>
-                  <a:outerShdw dist="35921" dir="2700000" algn="ctr" rotWithShape="0">
-                    <a:schemeClr val="bg2"/>
-                  </a:outerShdw>
-                </a:effectLst>
-              </a14:hiddenEffects>
-            </a:ext>
-          </a:extLst>
+          <a:extLst/>
         </p:spPr>
+        <p:style>
+          <a:lnRef idx="1">
+            <a:schemeClr val="dk1"/>
+          </a:lnRef>
+          <a:fillRef idx="1001">
+            <a:schemeClr val="lt2"/>
+          </a:fillRef>
+          <a:effectRef idx="1">
+            <a:schemeClr val="dk1"/>
+          </a:effectRef>
+          <a:fontRef idx="minor">
+            <a:schemeClr val="dk1"/>
+          </a:fontRef>
+        </p:style>
         <p:txBody>
-          <a:bodyPr vert="horz" wrap="square" lIns="0" tIns="0" rIns="0" bIns="0" numCol="1" anchor="ctr" anchorCtr="0" compatLnSpc="1">
-            <a:prstTxWarp prst="textNoShape">
-              <a:avLst/>
-            </a:prstTxWarp>
+          <a:bodyPr wrap="square">
             <a:spAutoFit/>
           </a:bodyPr>
           <a:lstStyle/>
           <a:p>
-            <a:pPr marL="0" lvl="0" indent="0" eaLnBrk="0" fontAlgn="base" hangingPunct="0">
-              <a:spcBef>
-                <a:spcPct val="0"/>
-              </a:spcBef>
-              <a:spcAft>
-                <a:spcPct val="0"/>
-              </a:spcAft>
+            <a:pPr marL="0" indent="0">
               <a:buNone/>
             </a:pPr>
             <a:r>
-              <a:rPr lang="en-US" altLang="en-US" sz="2400" b="1" dirty="0" err="1">
-                <a:latin typeface="Ubuntu Mono"/>
+              <a:rPr lang="en-US" altLang="en-US" sz="2000" b="1" dirty="0" err="1">
+                <a:solidFill>
+                  <a:schemeClr val="dk1"/>
+                </a:solidFill>
               </a:rPr>
               <a:t>var</a:t>
             </a:r>
             <a:r>
-              <a:rPr lang="en-US" altLang="en-US" sz="2400" b="1" dirty="0">
-                <a:latin typeface="Ubuntu Mono"/>
+              <a:rPr lang="en-US" altLang="en-US" sz="2000" b="1" dirty="0">
+                <a:solidFill>
+                  <a:schemeClr val="dk1"/>
+                </a:solidFill>
               </a:rPr>
               <a:t> proto = { foo: 'a' }; </a:t>
             </a:r>
           </a:p>
           <a:p>
-            <a:pPr marL="0" lvl="0" indent="0" eaLnBrk="0" fontAlgn="base" hangingPunct="0">
-              <a:spcBef>
-                <a:spcPct val="0"/>
-              </a:spcBef>
-              <a:spcAft>
-                <a:spcPct val="0"/>
-              </a:spcAft>
+            <a:pPr marL="0" indent="0">
               <a:buNone/>
             </a:pPr>
             <a:r>
-              <a:rPr lang="en-US" altLang="en-US" sz="2400" b="1" dirty="0" err="1">
-                <a:latin typeface="Ubuntu Mono"/>
+              <a:rPr lang="en-US" altLang="en-US" sz="2000" b="1" dirty="0" err="1">
+                <a:solidFill>
+                  <a:schemeClr val="dk1"/>
+                </a:solidFill>
               </a:rPr>
               <a:t>var</a:t>
             </a:r>
             <a:r>
-              <a:rPr lang="en-US" altLang="en-US" sz="2400" b="1" dirty="0">
-                <a:latin typeface="Ubuntu Mono"/>
+              <a:rPr lang="en-US" altLang="en-US" sz="2000" b="1" dirty="0">
+                <a:solidFill>
+                  <a:schemeClr val="dk1"/>
+                </a:solidFill>
               </a:rPr>
               <a:t> </a:t>
             </a:r>
             <a:r>
-              <a:rPr lang="en-US" altLang="en-US" sz="2400" b="1" dirty="0" err="1">
-                <a:latin typeface="Ubuntu Mono"/>
+              <a:rPr lang="en-US" altLang="en-US" sz="2000" b="1" dirty="0" err="1">
+                <a:solidFill>
+                  <a:schemeClr val="dk1"/>
+                </a:solidFill>
               </a:rPr>
               <a:t>obj</a:t>
             </a:r>
             <a:r>
-              <a:rPr lang="en-US" altLang="en-US" sz="2400" b="1" dirty="0">
-                <a:latin typeface="Ubuntu Mono"/>
+              <a:rPr lang="en-US" altLang="en-US" sz="2000" b="1" dirty="0">
+                <a:solidFill>
+                  <a:schemeClr val="dk1"/>
+                </a:solidFill>
               </a:rPr>
               <a:t> = </a:t>
             </a:r>
             <a:r>
-              <a:rPr lang="en-US" altLang="en-US" sz="2400" b="1" dirty="0" err="1">
-                <a:latin typeface="Ubuntu Mono"/>
+              <a:rPr lang="en-US" altLang="en-US" sz="2000" b="1" dirty="0" err="1">
+                <a:solidFill>
+                  <a:schemeClr val="dk1"/>
+                </a:solidFill>
               </a:rPr>
               <a:t>Object.create</a:t>
             </a:r>
             <a:r>
-              <a:rPr lang="en-US" altLang="en-US" sz="2400" b="1" dirty="0">
-                <a:latin typeface="Ubuntu Mono"/>
+              <a:rPr lang="en-US" altLang="en-US" sz="2000" b="1" dirty="0">
+                <a:solidFill>
+                  <a:schemeClr val="dk1"/>
+                </a:solidFill>
               </a:rPr>
               <a:t>(proto);</a:t>
             </a:r>
           </a:p>
           <a:p>
-            <a:pPr marL="0" lvl="0" indent="0" eaLnBrk="0" fontAlgn="base" hangingPunct="0">
-              <a:spcBef>
-                <a:spcPct val="0"/>
-              </a:spcBef>
-              <a:spcAft>
-                <a:spcPct val="0"/>
-              </a:spcAft>
+            <a:pPr marL="0"/>
+            <a:endParaRPr lang="en-US" altLang="en-US" sz="2000" b="1" dirty="0">
+              <a:solidFill>
+                <a:schemeClr val="dk1"/>
+              </a:solidFill>
+            </a:endParaRPr>
+          </a:p>
+          <a:p>
+            <a:pPr marL="0" indent="0">
               <a:buNone/>
             </a:pPr>
-            <a:endParaRPr lang="en-US" altLang="en-US" sz="2400" b="1" dirty="0">
-              <a:latin typeface="Ubuntu Mono"/>
+            <a:r>
+              <a:rPr lang="en-US" altLang="en-US" sz="2000" b="1" dirty="0" err="1" smtClean="0">
+                <a:solidFill>
+                  <a:schemeClr val="dk1"/>
+                </a:solidFill>
+              </a:rPr>
+              <a:t>obj.hasOwnProperty</a:t>
+            </a:r>
+            <a:r>
+              <a:rPr lang="en-US" altLang="en-US" sz="2000" b="1" dirty="0">
+                <a:solidFill>
+                  <a:schemeClr val="dk1"/>
+                </a:solidFill>
+              </a:rPr>
+              <a:t>('foo')  // false</a:t>
+            </a:r>
+          </a:p>
+          <a:p>
+            <a:pPr marL="0"/>
+            <a:endParaRPr lang="en-US" altLang="en-US" sz="2000" b="1" dirty="0">
+              <a:solidFill>
+                <a:schemeClr val="dk1"/>
+              </a:solidFill>
             </a:endParaRPr>
           </a:p>
           <a:p>
-            <a:pPr marL="0" lvl="0" indent="0" eaLnBrk="0" fontAlgn="base" hangingPunct="0">
-              <a:spcBef>
-                <a:spcPct val="0"/>
-              </a:spcBef>
-              <a:spcAft>
-                <a:spcPct val="0"/>
-              </a:spcAft>
+            <a:pPr marL="0" indent="0">
               <a:buNone/>
             </a:pPr>
-            <a:endParaRPr lang="en-US" altLang="en-US" sz="2400" b="1" dirty="0">
-              <a:latin typeface="Ubuntu Mono"/>
+            <a:r>
+              <a:rPr lang="en-US" altLang="en-US" sz="2000" b="1" dirty="0" err="1">
+                <a:solidFill>
+                  <a:schemeClr val="dk1"/>
+                </a:solidFill>
+              </a:rPr>
+              <a:t>obj.foo</a:t>
+            </a:r>
+            <a:r>
+              <a:rPr lang="en-US" altLang="en-US" sz="2000" b="1" dirty="0">
+                <a:solidFill>
+                  <a:schemeClr val="dk1"/>
+                </a:solidFill>
+              </a:rPr>
+              <a:t> = 'b</a:t>
+            </a:r>
+            <a:r>
+              <a:rPr lang="en-US" altLang="en-US" sz="2000" b="1" dirty="0" smtClean="0">
+                <a:solidFill>
+                  <a:schemeClr val="dk1"/>
+                </a:solidFill>
+              </a:rPr>
+              <a:t>';</a:t>
+            </a:r>
+            <a:endParaRPr lang="en-US" altLang="en-US" sz="2000" b="1" dirty="0">
+              <a:solidFill>
+                <a:schemeClr val="dk1"/>
+              </a:solidFill>
             </a:endParaRPr>
           </a:p>
           <a:p>
-            <a:pPr marL="0" lvl="0" indent="0" eaLnBrk="0" fontAlgn="base" hangingPunct="0">
-              <a:spcBef>
-                <a:spcPct val="0"/>
-              </a:spcBef>
-              <a:spcAft>
-                <a:spcPct val="0"/>
-              </a:spcAft>
+            <a:pPr marL="0" indent="0">
               <a:buNone/>
             </a:pPr>
             <a:r>
-              <a:rPr lang="en-US" altLang="en-US" sz="2400" b="1" dirty="0" err="1">
-                <a:latin typeface="Ubuntu Mono"/>
+              <a:rPr lang="en-US" altLang="en-US" sz="2000" b="1" dirty="0" err="1">
+                <a:solidFill>
+                  <a:schemeClr val="dk1"/>
+                </a:solidFill>
               </a:rPr>
               <a:t>obj.hasOwnProperty</a:t>
             </a:r>
             <a:r>
-              <a:rPr lang="en-US" altLang="en-US" sz="2400" b="1" dirty="0">
-                <a:latin typeface="Ubuntu Mono"/>
-              </a:rPr>
-              <a:t>('foo')  // false</a:t>
-            </a:r>
-          </a:p>
-          <a:p>
-            <a:pPr marL="0" lvl="0" indent="0" eaLnBrk="0" fontAlgn="base" hangingPunct="0">
-              <a:spcBef>
-                <a:spcPct val="0"/>
-              </a:spcBef>
-              <a:spcAft>
-                <a:spcPct val="0"/>
-              </a:spcAft>
+              <a:rPr lang="en-US" altLang="en-US" sz="2000" b="1" dirty="0">
+                <a:solidFill>
+                  <a:schemeClr val="dk1"/>
+                </a:solidFill>
+              </a:rPr>
+              <a:t>('foo')  // true</a:t>
+            </a:r>
+          </a:p>
+          <a:p>
+            <a:pPr marL="0"/>
+            <a:endParaRPr lang="en-US" altLang="en-US" sz="2000" b="1" dirty="0">
+              <a:solidFill>
+                <a:schemeClr val="dk1"/>
+              </a:solidFill>
+            </a:endParaRPr>
+          </a:p>
+          <a:p>
+            <a:pPr marL="0" indent="0">
               <a:buNone/>
             </a:pPr>
-            <a:endParaRPr lang="en-US" altLang="en-US" sz="2400" b="1" dirty="0">
-              <a:latin typeface="Ubuntu Mono"/>
-            </a:endParaRPr>
-          </a:p>
-          <a:p>
-            <a:pPr marL="0" lvl="0" indent="0" eaLnBrk="0" fontAlgn="base" hangingPunct="0">
-              <a:spcBef>
-                <a:spcPct val="0"/>
-              </a:spcBef>
-              <a:spcAft>
-                <a:spcPct val="0"/>
-              </a:spcAft>
+            <a:r>
+              <a:rPr lang="en-US" altLang="en-US" sz="2000" b="1" dirty="0">
+                <a:solidFill>
+                  <a:schemeClr val="dk1"/>
+                </a:solidFill>
+              </a:rPr>
+              <a:t>delete </a:t>
+            </a:r>
+            <a:r>
+              <a:rPr lang="en-US" altLang="en-US" sz="2000" b="1" dirty="0" err="1">
+                <a:solidFill>
+                  <a:schemeClr val="dk1"/>
+                </a:solidFill>
+              </a:rPr>
+              <a:t>obj.foo</a:t>
+            </a:r>
+            <a:r>
+              <a:rPr lang="en-US" altLang="en-US" sz="2000" b="1" dirty="0">
+                <a:solidFill>
+                  <a:schemeClr val="dk1"/>
+                </a:solidFill>
+              </a:rPr>
+              <a:t>;</a:t>
+            </a:r>
+          </a:p>
+          <a:p>
+            <a:pPr marL="0" indent="0">
               <a:buNone/>
             </a:pPr>
             <a:r>
-              <a:rPr lang="en-US" altLang="en-US" sz="2400" b="1" dirty="0" err="1">
-                <a:latin typeface="Ubuntu Mono"/>
+              <a:rPr lang="en-US" altLang="en-US" sz="2000" b="1" dirty="0">
+                <a:solidFill>
+                  <a:schemeClr val="dk1"/>
+                </a:solidFill>
+              </a:rPr>
+              <a:t>delete </a:t>
+            </a:r>
+            <a:r>
+              <a:rPr lang="en-US" altLang="en-US" sz="2000" b="1" dirty="0" err="1">
+                <a:solidFill>
+                  <a:schemeClr val="dk1"/>
+                </a:solidFill>
               </a:rPr>
               <a:t>obj.foo</a:t>
             </a:r>
             <a:r>
-              <a:rPr lang="en-US" altLang="en-US" sz="2400" b="1" dirty="0">
-                <a:latin typeface="Ubuntu Mono"/>
-              </a:rPr>
-              <a:t> = 'b';</a:t>
-            </a:r>
-          </a:p>
-          <a:p>
-            <a:pPr marL="0" lvl="0" indent="0" eaLnBrk="0" fontAlgn="base" hangingPunct="0">
-              <a:spcBef>
-                <a:spcPct val="0"/>
-              </a:spcBef>
-              <a:spcAft>
-                <a:spcPct val="0"/>
-              </a:spcAft>
+              <a:rPr lang="en-US" altLang="en-US" sz="2000" b="1" dirty="0">
+                <a:solidFill>
+                  <a:schemeClr val="dk1"/>
+                </a:solidFill>
+              </a:rPr>
+              <a:t>;</a:t>
+            </a:r>
+          </a:p>
+          <a:p>
+            <a:pPr marL="0"/>
+            <a:endParaRPr lang="en-US" altLang="en-US" sz="2000" b="1" dirty="0">
+              <a:solidFill>
+                <a:schemeClr val="dk1"/>
+              </a:solidFill>
+            </a:endParaRPr>
+          </a:p>
+          <a:p>
+            <a:pPr marL="0" indent="0">
               <a:buNone/>
             </a:pPr>
-            <a:endParaRPr lang="en-US" altLang="en-US" sz="2400" b="1" dirty="0">
-              <a:latin typeface="Ubuntu Mono"/>
-            </a:endParaRPr>
-          </a:p>
-          <a:p>
-            <a:pPr marL="0" lvl="0" indent="0" eaLnBrk="0" fontAlgn="base" hangingPunct="0">
-              <a:spcBef>
-                <a:spcPct val="0"/>
-              </a:spcBef>
-              <a:spcAft>
-                <a:spcPct val="0"/>
-              </a:spcAft>
-              <a:buNone/>
-            </a:pPr>
-            <a:r>
-              <a:rPr lang="en-US" altLang="en-US" sz="2400" b="1" dirty="0" err="1">
-                <a:latin typeface="Ubuntu Mono"/>
+            <a:r>
+              <a:rPr lang="en-US" altLang="en-US" sz="2000" b="1" dirty="0" err="1">
+                <a:solidFill>
+                  <a:schemeClr val="dk1"/>
+                </a:solidFill>
               </a:rPr>
               <a:t>obj.hasOwnProperty</a:t>
             </a:r>
             <a:r>
-              <a:rPr lang="en-US" altLang="en-US" sz="2400" b="1" dirty="0">
-                <a:latin typeface="Ubuntu Mono"/>
-              </a:rPr>
-              <a:t>('foo')  // true</a:t>
-            </a:r>
-          </a:p>
-          <a:p>
-            <a:pPr marL="0" lvl="0" indent="0" eaLnBrk="0" fontAlgn="base" hangingPunct="0">
-              <a:spcBef>
-                <a:spcPct val="0"/>
-              </a:spcBef>
-              <a:spcAft>
-                <a:spcPct val="0"/>
-              </a:spcAft>
-              <a:buNone/>
-            </a:pPr>
-            <a:endParaRPr lang="en-US" altLang="en-US" sz="2400" b="1" dirty="0">
-              <a:latin typeface="Ubuntu Mono"/>
-            </a:endParaRPr>
-          </a:p>
-          <a:p>
-            <a:pPr marL="0" lvl="0" indent="0" eaLnBrk="0" fontAlgn="base" hangingPunct="0">
-              <a:spcBef>
-                <a:spcPct val="0"/>
-              </a:spcBef>
-              <a:spcAft>
-                <a:spcPct val="0"/>
-              </a:spcAft>
-              <a:buNone/>
-            </a:pPr>
-            <a:r>
-              <a:rPr lang="en-US" altLang="en-US" sz="2400" b="1" dirty="0">
-                <a:latin typeface="Ubuntu Mono"/>
-              </a:rPr>
-              <a:t>delete </a:t>
-            </a:r>
-            <a:r>
-              <a:rPr lang="en-US" altLang="en-US" sz="2400" b="1" dirty="0" err="1">
-                <a:latin typeface="Ubuntu Mono"/>
-              </a:rPr>
-              <a:t>obj.foo</a:t>
-            </a:r>
-            <a:r>
-              <a:rPr lang="en-US" altLang="en-US" sz="2400" b="1" dirty="0">
-                <a:latin typeface="Ubuntu Mono"/>
-              </a:rPr>
-              <a:t>;</a:t>
-            </a:r>
-          </a:p>
-          <a:p>
-            <a:pPr marL="0" lvl="0" indent="0" eaLnBrk="0" fontAlgn="base" hangingPunct="0">
-              <a:spcBef>
-                <a:spcPct val="0"/>
-              </a:spcBef>
-              <a:spcAft>
-                <a:spcPct val="0"/>
-              </a:spcAft>
-              <a:buNone/>
-            </a:pPr>
-            <a:r>
-              <a:rPr lang="en-US" altLang="en-US" sz="2400" b="1" dirty="0">
-                <a:latin typeface="Ubuntu Mono"/>
-              </a:rPr>
-              <a:t>delete </a:t>
-            </a:r>
-            <a:r>
-              <a:rPr lang="en-US" altLang="en-US" sz="2400" b="1" dirty="0" err="1">
-                <a:latin typeface="Ubuntu Mono"/>
-              </a:rPr>
-              <a:t>obj.foo</a:t>
-            </a:r>
-            <a:r>
-              <a:rPr lang="en-US" altLang="en-US" sz="2400" b="1" dirty="0">
-                <a:latin typeface="Ubuntu Mono"/>
-              </a:rPr>
-              <a:t>;</a:t>
-            </a:r>
-          </a:p>
-          <a:p>
-            <a:pPr marL="0" lvl="0" indent="0" eaLnBrk="0" fontAlgn="base" hangingPunct="0">
-              <a:spcBef>
-                <a:spcPct val="0"/>
-              </a:spcBef>
-              <a:spcAft>
-                <a:spcPct val="0"/>
-              </a:spcAft>
-              <a:buNone/>
-            </a:pPr>
-            <a:endParaRPr lang="en-US" altLang="en-US" sz="2400" b="1" dirty="0">
-              <a:latin typeface="Ubuntu Mono"/>
-            </a:endParaRPr>
-          </a:p>
-          <a:p>
-            <a:pPr marL="0" lvl="0" indent="0" eaLnBrk="0" fontAlgn="base" hangingPunct="0">
-              <a:spcBef>
-                <a:spcPct val="0"/>
-              </a:spcBef>
-              <a:spcAft>
-                <a:spcPct val="0"/>
-              </a:spcAft>
-              <a:buNone/>
-            </a:pPr>
-            <a:r>
-              <a:rPr lang="en-US" altLang="en-US" sz="2400" b="1" dirty="0" err="1">
-                <a:latin typeface="Ubuntu Mono"/>
-              </a:rPr>
-              <a:t>obj.hasOwnProperty</a:t>
-            </a:r>
-            <a:r>
-              <a:rPr lang="en-US" altLang="en-US" sz="2400" b="1" dirty="0">
-                <a:latin typeface="Ubuntu Mono"/>
+              <a:rPr lang="en-US" altLang="en-US" sz="2000" b="1" dirty="0">
+                <a:solidFill>
+                  <a:schemeClr val="dk1"/>
+                </a:solidFill>
               </a:rPr>
               <a:t>('foo')  // ???</a:t>
             </a:r>
-            <a:endParaRPr kumimoji="0" lang="en-US" altLang="en-US" sz="2400" b="0" i="0" u="none" strike="noStrike" cap="none" normalizeH="0" baseline="0" dirty="0" smtClean="0">
-              <a:ln>
-                <a:noFill/>
-              </a:ln>
-              <a:effectLst/>
-              <a:latin typeface="Arial" panose="020B0604020202020204" pitchFamily="34" charset="0"/>
+            <a:endParaRPr lang="en-US" altLang="en-US" sz="2000" b="1" dirty="0">
+              <a:solidFill>
+                <a:schemeClr val="dk1"/>
+              </a:solidFill>
             </a:endParaRPr>
           </a:p>
         </p:txBody>
@@ -13323,6 +13257,13 @@
   <p:clrMapOvr>
     <a:masterClrMapping/>
   </p:clrMapOvr>
+  <p:timing>
+    <p:tnLst>
+      <p:par>
+        <p:cTn id="1" dur="indefinite" restart="never" nodeType="tmRoot"/>
+      </p:par>
+    </p:tnLst>
+  </p:timing>
 </p:sld>
 </file>
 
@@ -13376,98 +13317,211 @@
             <p:ph idx="1"/>
           </p:nvPr>
         </p:nvSpPr>
-        <p:spPr/>
+        <p:spPr>
+          <a:xfrm>
+            <a:off x="457200" y="1600200"/>
+            <a:ext cx="8229600" cy="2246769"/>
+          </a:xfrm>
+        </p:spPr>
+        <p:style>
+          <a:lnRef idx="1">
+            <a:schemeClr val="dk1"/>
+          </a:lnRef>
+          <a:fillRef idx="1001">
+            <a:schemeClr val="lt2"/>
+          </a:fillRef>
+          <a:effectRef idx="1">
+            <a:schemeClr val="dk1"/>
+          </a:effectRef>
+          <a:fontRef idx="minor">
+            <a:schemeClr val="dk1"/>
+          </a:fontRef>
+        </p:style>
         <p:txBody>
-          <a:bodyPr/>
+          <a:bodyPr vert="horz" wrap="square" lIns="91440" tIns="45720" rIns="91440" bIns="45720" rtlCol="0">
+            <a:spAutoFit/>
+          </a:bodyPr>
           <a:lstStyle/>
           <a:p>
             <a:pPr marL="0" indent="0">
               <a:buNone/>
             </a:pPr>
             <a:r>
-              <a:rPr lang="en-US" dirty="0" err="1"/>
+              <a:rPr lang="en-US" sz="2000" b="1" dirty="0" err="1">
+                <a:solidFill>
+                  <a:schemeClr val="dk1"/>
+                </a:solidFill>
+              </a:rPr>
               <a:t>var</a:t>
             </a:r>
             <a:r>
-              <a:rPr lang="en-US" dirty="0"/>
+              <a:rPr lang="en-US" sz="2000" b="1" dirty="0">
+                <a:solidFill>
+                  <a:schemeClr val="dk1"/>
+                </a:solidFill>
+              </a:rPr>
               <a:t> </a:t>
             </a:r>
             <a:r>
-              <a:rPr lang="en-US" dirty="0" err="1"/>
+              <a:rPr lang="en-US" sz="2000" b="1" dirty="0" err="1">
+                <a:solidFill>
+                  <a:schemeClr val="dk1"/>
+                </a:solidFill>
+              </a:rPr>
               <a:t>obj</a:t>
             </a:r>
             <a:r>
-              <a:rPr lang="en-US" dirty="0"/>
+              <a:rPr lang="en-US" sz="2000" b="1" dirty="0">
+                <a:solidFill>
+                  <a:schemeClr val="dk1"/>
+                </a:solidFill>
+              </a:rPr>
               <a:t> = { </a:t>
             </a:r>
             <a:r>
-              <a:rPr lang="en-US" dirty="0" smtClean="0"/>
+              <a:rPr lang="en-US" sz="2000" b="1" dirty="0">
+                <a:solidFill>
+                  <a:schemeClr val="dk1"/>
+                </a:solidFill>
+              </a:rPr>
               <a:t/>
             </a:r>
             <a:br>
-              <a:rPr lang="en-US" dirty="0" smtClean="0"/>
+              <a:rPr lang="en-US" sz="2000" b="1" dirty="0">
+                <a:solidFill>
+                  <a:schemeClr val="dk1"/>
+                </a:solidFill>
+              </a:rPr>
             </a:br>
             <a:r>
-              <a:rPr lang="en-US" dirty="0" smtClean="0"/>
+              <a:rPr lang="en-US" sz="2000" b="1" dirty="0">
+                <a:solidFill>
+                  <a:schemeClr val="dk1"/>
+                </a:solidFill>
+              </a:rPr>
               <a:t>	get </a:t>
             </a:r>
             <a:r>
-              <a:rPr lang="en-US" dirty="0"/>
+              <a:rPr lang="en-US" sz="2000" b="1" dirty="0">
+                <a:solidFill>
+                  <a:schemeClr val="dk1"/>
+                </a:solidFill>
+              </a:rPr>
               <a:t>foo() { </a:t>
             </a:r>
             <a:r>
-              <a:rPr lang="en-US" dirty="0" smtClean="0"/>
+              <a:rPr lang="en-US" sz="2000" b="1" dirty="0">
+                <a:solidFill>
+                  <a:schemeClr val="dk1"/>
+                </a:solidFill>
+              </a:rPr>
               <a:t/>
             </a:r>
             <a:br>
-              <a:rPr lang="en-US" dirty="0" smtClean="0"/>
+              <a:rPr lang="en-US" sz="2000" b="1" dirty="0">
+                <a:solidFill>
+                  <a:schemeClr val="dk1"/>
+                </a:solidFill>
+              </a:rPr>
             </a:br>
             <a:r>
-              <a:rPr lang="en-US" dirty="0" smtClean="0"/>
+              <a:rPr lang="en-US" sz="2000" b="1" dirty="0">
+                <a:solidFill>
+                  <a:schemeClr val="dk1"/>
+                </a:solidFill>
+              </a:rPr>
               <a:t>		console.log</a:t>
             </a:r>
             <a:r>
-              <a:rPr lang="en-US" dirty="0"/>
+              <a:rPr lang="en-US" sz="2000" b="1" dirty="0">
+                <a:solidFill>
+                  <a:schemeClr val="dk1"/>
+                </a:solidFill>
+              </a:rPr>
               <a:t>('function call'); </a:t>
             </a:r>
             <a:r>
-              <a:rPr lang="en-US" dirty="0" smtClean="0"/>
+              <a:rPr lang="en-US" sz="2000" b="1" dirty="0">
+                <a:solidFill>
+                  <a:schemeClr val="dk1"/>
+                </a:solidFill>
+              </a:rPr>
               <a:t/>
             </a:r>
             <a:br>
-              <a:rPr lang="en-US" dirty="0" smtClean="0"/>
+              <a:rPr lang="en-US" sz="2000" b="1" dirty="0">
+                <a:solidFill>
+                  <a:schemeClr val="dk1"/>
+                </a:solidFill>
+              </a:rPr>
             </a:br>
             <a:r>
-              <a:rPr lang="en-US" dirty="0" smtClean="0"/>
+              <a:rPr lang="en-US" sz="2000" b="1" dirty="0">
+                <a:solidFill>
+                  <a:schemeClr val="dk1"/>
+                </a:solidFill>
+              </a:rPr>
               <a:t>	} </a:t>
             </a:r>
             <a:br>
-              <a:rPr lang="en-US" dirty="0" smtClean="0"/>
+              <a:rPr lang="en-US" sz="2000" b="1" dirty="0">
+                <a:solidFill>
+                  <a:schemeClr val="dk1"/>
+                </a:solidFill>
+              </a:rPr>
             </a:br>
             <a:r>
-              <a:rPr lang="en-US" dirty="0" smtClean="0"/>
+              <a:rPr lang="en-US" sz="2000" b="1" dirty="0">
+                <a:solidFill>
+                  <a:schemeClr val="dk1"/>
+                </a:solidFill>
+              </a:rPr>
               <a:t>};</a:t>
             </a:r>
             <a:br>
-              <a:rPr lang="en-US" dirty="0" smtClean="0"/>
+              <a:rPr lang="en-US" sz="2000" b="1" dirty="0">
+                <a:solidFill>
+                  <a:schemeClr val="dk1"/>
+                </a:solidFill>
+              </a:rPr>
             </a:br>
             <a:r>
-              <a:rPr lang="en-US" dirty="0" smtClean="0"/>
+              <a:rPr lang="en-US" sz="2000" b="1" dirty="0">
+                <a:solidFill>
+                  <a:schemeClr val="dk1"/>
+                </a:solidFill>
+              </a:rPr>
               <a:t/>
             </a:r>
             <a:br>
-              <a:rPr lang="en-US" dirty="0" smtClean="0"/>
+              <a:rPr lang="en-US" sz="2000" b="1" dirty="0">
+                <a:solidFill>
+                  <a:schemeClr val="dk1"/>
+                </a:solidFill>
+              </a:rPr>
             </a:br>
             <a:r>
-              <a:rPr lang="en-US" dirty="0" err="1" smtClean="0"/>
+              <a:rPr lang="en-US" sz="2000" b="1" dirty="0" err="1">
+                <a:solidFill>
+                  <a:schemeClr val="dk1"/>
+                </a:solidFill>
+              </a:rPr>
               <a:t>obj.foo</a:t>
             </a:r>
             <a:r>
-              <a:rPr lang="en-US" dirty="0" smtClean="0"/>
+              <a:rPr lang="en-US" sz="2000" b="1" dirty="0">
+                <a:solidFill>
+                  <a:schemeClr val="dk1"/>
+                </a:solidFill>
+              </a:rPr>
               <a:t>; // call a function </a:t>
             </a:r>
             <a:r>
-              <a:rPr lang="en-US" dirty="0"/>
+              <a:rPr lang="en-US" sz="2000" b="1" dirty="0">
+                <a:solidFill>
+                  <a:schemeClr val="dk1"/>
+                </a:solidFill>
+              </a:rPr>
               <a:t>without parenthesis</a:t>
             </a:r>
           </a:p>
@@ -13483,6 +13537,13 @@
   <p:clrMapOvr>
     <a:masterClrMapping/>
   </p:clrMapOvr>
+  <p:timing>
+    <p:tnLst>
+      <p:par>
+        <p:cTn id="1" dur="indefinite" restart="never" nodeType="tmRoot"/>
+      </p:par>
+    </p:tnLst>
+  </p:timing>
 </p:sld>
 </file>
 
@@ -14777,24 +14838,10 @@
           <a:lstStyle/>
           <a:p>
             <a:r>
-              <a:rPr lang="en-US" b="1" dirty="0" err="1" smtClean="0">
-                <a:solidFill>
-                  <a:schemeClr val="tx1">
-                    <a:lumMod val="65000"/>
-                    <a:lumOff val="35000"/>
-                  </a:schemeClr>
-                </a:solidFill>
-              </a:rPr>
-              <a:t>instanceof</a:t>
-            </a:r>
-            <a:endParaRPr lang="en-US" b="1" dirty="0">
-              <a:solidFill>
-                <a:schemeClr val="tx1">
-                  <a:lumMod val="65000"/>
-                  <a:lumOff val="35000"/>
-                </a:schemeClr>
-              </a:solidFill>
-            </a:endParaRPr>
+              <a:rPr lang="en-US" b="1" dirty="0" smtClean="0"/>
+              <a:t>WAT</a:t>
+            </a:r>
+            <a:endParaRPr lang="en-US" b="1" dirty="0"/>
           </a:p>
         </p:txBody>
       </p:sp>
@@ -16293,8 +16340,8 @@
         </p:nvSpPr>
         <p:spPr>
           <a:xfrm>
-            <a:off x="2771697" y="1157642"/>
-            <a:ext cx="3709554" cy="300082"/>
+            <a:off x="2627784" y="1148107"/>
+            <a:ext cx="3709554" cy="369332"/>
           </a:xfrm>
           <a:prstGeom prst="rect">
             <a:avLst/>
@@ -16308,7 +16355,7 @@
           <a:lstStyle/>
           <a:p>
             <a:r>
-              <a:rPr lang="en-US" sz="1350" dirty="0"/>
+              <a:rPr lang="en-US" dirty="0"/>
               <a:t>What is the difference between this:</a:t>
             </a:r>
           </a:p>
@@ -16324,8 +16371,8 @@
         </p:nvSpPr>
         <p:spPr bwMode="auto">
           <a:xfrm>
-            <a:off x="2079413" y="1715246"/>
-            <a:ext cx="6934442" cy="1731243"/>
+            <a:off x="2005521" y="1736081"/>
+            <a:ext cx="5950855" cy="1731243"/>
           </a:xfrm>
           <a:prstGeom prst="rect">
             <a:avLst/>
@@ -16766,7 +16813,7 @@
         <p:spPr>
           <a:xfrm>
             <a:off x="2795155" y="3700941"/>
-            <a:ext cx="3709554" cy="300082"/>
+            <a:ext cx="3709554" cy="369332"/>
           </a:xfrm>
           <a:prstGeom prst="rect">
             <a:avLst/>
@@ -16780,7 +16827,7 @@
           <a:lstStyle/>
           <a:p>
             <a:r>
-              <a:rPr lang="en-US" sz="1350" dirty="0"/>
+              <a:rPr lang="en-US" dirty="0"/>
               <a:t>And this one:</a:t>
             </a:r>
           </a:p>
@@ -16797,7 +16844,7 @@
         <p:spPr bwMode="auto">
           <a:xfrm>
             <a:off x="2053005" y="4343190"/>
-            <a:ext cx="6839475" cy="1731243"/>
+            <a:ext cx="5975379" cy="1731243"/>
           </a:xfrm>
           <a:prstGeom prst="rect">
             <a:avLst/>
@@ -17276,8 +17323,8 @@
         </p:nvSpPr>
         <p:spPr>
           <a:xfrm>
-            <a:off x="2627784" y="995362"/>
-            <a:ext cx="3709554" cy="300082"/>
+            <a:off x="2610724" y="990807"/>
+            <a:ext cx="3709554" cy="369332"/>
           </a:xfrm>
           <a:prstGeom prst="rect">
             <a:avLst/>
@@ -17291,7 +17338,7 @@
           <a:lstStyle/>
           <a:p>
             <a:r>
-              <a:rPr lang="en-US" sz="1350" dirty="0"/>
+              <a:rPr lang="en-US" dirty="0"/>
               <a:t>What is the difference between this:</a:t>
             </a:r>
           </a:p>
@@ -17729,7 +17776,7 @@
         <p:spPr>
           <a:xfrm>
             <a:off x="2622642" y="3576092"/>
-            <a:ext cx="3709554" cy="300082"/>
+            <a:ext cx="3709554" cy="369332"/>
           </a:xfrm>
           <a:prstGeom prst="rect">
             <a:avLst/>
@@ -17743,7 +17790,7 @@
           <a:lstStyle/>
           <a:p>
             <a:r>
-              <a:rPr lang="en-US" sz="1350" dirty="0"/>
+              <a:rPr lang="en-US" dirty="0"/>
               <a:t>And this one:</a:t>
             </a:r>
           </a:p>
@@ -18280,7 +18327,7 @@
         <p:spPr>
           <a:xfrm>
             <a:off x="2795154" y="3135019"/>
-            <a:ext cx="3616037" cy="300082"/>
+            <a:ext cx="3616037" cy="369332"/>
           </a:xfrm>
           <a:prstGeom prst="rect">
             <a:avLst/>
@@ -18294,7 +18341,7 @@
           <a:lstStyle/>
           <a:p>
             <a:r>
-              <a:rPr lang="en-US" sz="1350" dirty="0"/>
+              <a:rPr lang="en-US" dirty="0"/>
               <a:t>What is the difference between this:</a:t>
             </a:r>
           </a:p>
@@ -18308,8 +18355,8 @@
         </p:nvSpPr>
         <p:spPr>
           <a:xfrm>
-            <a:off x="2795154" y="4332859"/>
-            <a:ext cx="3616037" cy="300082"/>
+            <a:off x="2795154" y="4303975"/>
+            <a:ext cx="3616037" cy="369332"/>
           </a:xfrm>
           <a:prstGeom prst="rect">
             <a:avLst/>
@@ -18323,7 +18370,7 @@
           <a:lstStyle/>
           <a:p>
             <a:r>
-              <a:rPr lang="en-US" sz="1350" dirty="0"/>
+              <a:rPr lang="en-US" dirty="0"/>
               <a:t>And this one:</a:t>
             </a:r>
           </a:p>
@@ -18782,7 +18829,7 @@
         </p:nvSpPr>
         <p:spPr bwMode="auto">
           <a:xfrm>
-            <a:off x="2217002" y="3456940"/>
+            <a:off x="2206399" y="3557913"/>
             <a:ext cx="3616037" cy="346249"/>
           </a:xfrm>
           <a:prstGeom prst="rect">
@@ -19106,7 +19153,7 @@
         <p:spPr>
           <a:xfrm>
             <a:off x="2824195" y="3891914"/>
-            <a:ext cx="3616037" cy="300082"/>
+            <a:ext cx="3616037" cy="369332"/>
           </a:xfrm>
           <a:prstGeom prst="rect">
             <a:avLst/>
@@ -19120,7 +19167,7 @@
           <a:lstStyle/>
           <a:p>
             <a:r>
-              <a:rPr lang="en-US" sz="1350" dirty="0"/>
+              <a:rPr lang="en-US" dirty="0"/>
               <a:t>What is the difference between this:</a:t>
             </a:r>
           </a:p>
@@ -19135,7 +19182,7 @@
         <p:spPr>
           <a:xfrm>
             <a:off x="2797787" y="4983100"/>
-            <a:ext cx="3616037" cy="300082"/>
+            <a:ext cx="3616037" cy="369332"/>
           </a:xfrm>
           <a:prstGeom prst="rect">
             <a:avLst/>
@@ -19149,7 +19196,7 @@
           <a:lstStyle/>
           <a:p>
             <a:r>
-              <a:rPr lang="en-US" sz="1350" dirty="0"/>
+              <a:rPr lang="en-US" dirty="0"/>
               <a:t>And this one:</a:t>
             </a:r>
           </a:p>
@@ -19165,7 +19212,7 @@
         </p:nvSpPr>
         <p:spPr bwMode="auto">
           <a:xfrm>
-            <a:off x="1475656" y="4428490"/>
+            <a:off x="1297411" y="4430342"/>
             <a:ext cx="3616037" cy="346249"/>
           </a:xfrm>
           <a:prstGeom prst="rect">
@@ -20719,11 +20766,7 @@
             </a:r>
             <a:r>
               <a:rPr lang="en-US" sz="2000" b="1" dirty="0" smtClean="0"/>
-              <a:t> = new Phone</a:t>
-            </a:r>
-            <a:r>
-              <a:rPr lang="en-US" sz="2000" b="1" dirty="0" smtClean="0"/>
-              <a:t>(</a:t>
+              <a:t> = new Phone(</a:t>
             </a:r>
             <a:r>
               <a:rPr lang="en-US" sz="2000" b="1" dirty="0" smtClean="0">
@@ -20747,13 +20790,6 @@
               </a:rPr>
               <a:t>//wrong</a:t>
             </a:r>
-            <a:endParaRPr lang="en-US" sz="2000" b="1" dirty="0" smtClean="0">
-              <a:solidFill>
-                <a:schemeClr val="bg1">
-                  <a:lumMod val="50000"/>
-                </a:schemeClr>
-              </a:solidFill>
-            </a:endParaRPr>
           </a:p>
         </p:txBody>
       </p:sp>
@@ -20915,17 +20951,7 @@
                   </a:schemeClr>
                 </a:solidFill>
               </a:rPr>
-              <a:t>//</a:t>
-            </a:r>
-            <a:r>
-              <a:rPr lang="en-US" sz="2000" b="1" dirty="0" smtClean="0">
-                <a:solidFill>
-                  <a:schemeClr val="bg1">
-                    <a:lumMod val="50000"/>
-                  </a:schemeClr>
-                </a:solidFill>
-              </a:rPr>
-              <a:t>old school</a:t>
+              <a:t>//old school</a:t>
             </a:r>
             <a:endParaRPr lang="en-US" sz="2000" b="1" dirty="0">
               <a:solidFill>
@@ -21176,11 +21202,7 @@
           <a:p>
             <a:r>
               <a:rPr lang="en-US" sz="2000" b="1" dirty="0" smtClean="0"/>
-              <a:t>function </a:t>
-            </a:r>
-            <a:r>
-              <a:rPr lang="en-US" sz="2000" b="1" dirty="0" smtClean="0"/>
-              <a:t>extend(</a:t>
+              <a:t>function extend(</a:t>
             </a:r>
             <a:r>
               <a:rPr lang="en-US" sz="2000" b="1" dirty="0" err="1" smtClean="0"/>
@@ -21188,11 +21210,7 @@
             </a:r>
             <a:r>
               <a:rPr lang="en-US" sz="2000" b="1" dirty="0" smtClean="0"/>
-              <a:t>, Phone) </a:t>
-            </a:r>
-            <a:r>
-              <a:rPr lang="en-US" sz="2000" b="1" dirty="0" smtClean="0"/>
-              <a:t>{</a:t>
+              <a:t>, Phone) {</a:t>
             </a:r>
           </a:p>
           <a:p>
@@ -21214,17 +21232,8 @@
             </a:r>
             <a:r>
               <a:rPr lang="en-US" sz="2000" b="1" dirty="0" smtClean="0"/>
-              <a:t> </a:t>
-            </a:r>
-            <a:r>
-              <a:rPr lang="en-US" sz="2000" b="1" dirty="0" smtClean="0"/>
-              <a:t>= function() { </a:t>
-            </a:r>
-            <a:r>
-              <a:rPr lang="en-US" sz="2000" b="1" dirty="0" smtClean="0"/>
-              <a:t>};</a:t>
-            </a:r>
-            <a:endParaRPr lang="en-US" sz="2000" b="1" dirty="0" smtClean="0"/>
+              <a:t> = function() { };</a:t>
+            </a:r>
           </a:p>
           <a:p>
             <a:r>
@@ -21237,25 +21246,16 @@
             </a:r>
             <a:r>
               <a:rPr lang="en-US" sz="2000" b="1" dirty="0" smtClean="0"/>
-              <a:t> </a:t>
-            </a:r>
-            <a:r>
-              <a:rPr lang="en-US" sz="2000" b="1" dirty="0" smtClean="0"/>
-              <a:t>= </a:t>
+              <a:t> = </a:t>
             </a:r>
             <a:r>
               <a:rPr lang="en-US" sz="2000" b="1" dirty="0" err="1" smtClean="0"/>
-              <a:t>Phone</a:t>
-            </a:r>
-            <a:r>
-              <a:rPr lang="en-US" sz="2000" b="1" dirty="0" err="1" smtClean="0"/>
-              <a:t>.prototype</a:t>
+              <a:t>Phone.prototype</a:t>
             </a:r>
             <a:r>
               <a:rPr lang="en-US" sz="2000" b="1" dirty="0" smtClean="0"/>
               <a:t>;</a:t>
             </a:r>
-            <a:endParaRPr lang="en-US" sz="2000" b="1" dirty="0" smtClean="0"/>
           </a:p>
           <a:p>
             <a:r>
@@ -21264,19 +21264,11 @@
             </a:r>
             <a:r>
               <a:rPr lang="en-US" sz="2000" b="1" dirty="0" err="1" smtClean="0"/>
-              <a:t>MobilePhone</a:t>
-            </a:r>
-            <a:r>
-              <a:rPr lang="en-US" sz="2000" b="1" dirty="0" err="1" smtClean="0"/>
-              <a:t>.prototype</a:t>
+              <a:t>MobilePhone.prototype</a:t>
             </a:r>
             <a:r>
               <a:rPr lang="en-US" sz="2000" b="1" dirty="0" smtClean="0"/>
-              <a:t> </a:t>
-            </a:r>
-            <a:r>
-              <a:rPr lang="en-US" sz="2000" b="1" dirty="0" smtClean="0"/>
-              <a:t>= new </a:t>
+              <a:t> = new </a:t>
             </a:r>
             <a:r>
               <a:rPr lang="en-US" sz="2000" b="1" dirty="0" err="1" smtClean="0"/>
@@ -21286,7 +21278,6 @@
               <a:rPr lang="en-US" sz="2000" b="1" dirty="0" smtClean="0"/>
               <a:t>();</a:t>
             </a:r>
-            <a:endParaRPr lang="en-US" sz="2000" b="1" dirty="0" smtClean="0"/>
           </a:p>
           <a:p>
             <a:endParaRPr lang="en-US" sz="2000" b="1" dirty="0" smtClean="0"/>
@@ -21298,19 +21289,11 @@
             </a:r>
             <a:r>
               <a:rPr lang="en-US" sz="2000" b="1" dirty="0" err="1" smtClean="0"/>
-              <a:t>MobilePhone</a:t>
-            </a:r>
-            <a:r>
-              <a:rPr lang="en-US" sz="2000" b="1" dirty="0" err="1" smtClean="0"/>
-              <a:t>.prototype.constructor</a:t>
+              <a:t>MobilePhone.prototype.constructor</a:t>
             </a:r>
             <a:r>
               <a:rPr lang="en-US" sz="2000" b="1" dirty="0" smtClean="0"/>
-              <a:t> </a:t>
-            </a:r>
-            <a:r>
-              <a:rPr lang="en-US" sz="2000" b="1" dirty="0" smtClean="0"/>
-              <a:t>= </a:t>
+              <a:t> = </a:t>
             </a:r>
             <a:r>
               <a:rPr lang="en-US" sz="2000" b="1" dirty="0" err="1" smtClean="0"/>
@@ -21320,7 +21303,6 @@
               <a:rPr lang="en-US" sz="2000" b="1" dirty="0" smtClean="0"/>
               <a:t>;</a:t>
             </a:r>
-            <a:endParaRPr lang="en-US" sz="2000" b="1" dirty="0" smtClean="0"/>
           </a:p>
           <a:p>
             <a:r>
@@ -21333,11 +21315,7 @@
             </a:r>
             <a:r>
               <a:rPr lang="en-US" sz="2000" b="1" dirty="0" smtClean="0"/>
-              <a:t> </a:t>
-            </a:r>
-            <a:r>
-              <a:rPr lang="en-US" sz="2000" b="1" dirty="0" smtClean="0"/>
-              <a:t>= </a:t>
+              <a:t> = </a:t>
             </a:r>
             <a:r>
               <a:rPr lang="en-US" sz="2000" b="1" dirty="0" err="1" smtClean="0"/>
@@ -21653,11 +21631,7 @@
           <a:p>
             <a:r>
               <a:rPr lang="en-US" sz="2000" b="1" dirty="0" smtClean="0"/>
-              <a:t>function </a:t>
-            </a:r>
-            <a:r>
-              <a:rPr lang="en-US" sz="2000" b="1" dirty="0" smtClean="0"/>
-              <a:t>extend(</a:t>
+              <a:t>function extend(</a:t>
             </a:r>
             <a:r>
               <a:rPr lang="en-US" sz="2000" b="1" dirty="0" err="1" smtClean="0"/>
@@ -21665,11 +21639,7 @@
             </a:r>
             <a:r>
               <a:rPr lang="en-US" sz="2000" b="1" dirty="0" smtClean="0"/>
-              <a:t>, Phone) </a:t>
-            </a:r>
-            <a:r>
-              <a:rPr lang="en-US" sz="2000" b="1" dirty="0" smtClean="0"/>
-              <a:t>{</a:t>
+              <a:t>, Phone) {</a:t>
             </a:r>
           </a:p>
           <a:p>
@@ -21707,15 +21677,7 @@
                   <a:schemeClr val="tx1"/>
                 </a:solidFill>
               </a:rPr>
-              <a:t> </a:t>
-            </a:r>
-            <a:r>
-              <a:rPr lang="en-US" sz="2000" b="1" u="sng" dirty="0" smtClean="0">
-                <a:solidFill>
-                  <a:schemeClr val="tx1"/>
-                </a:solidFill>
-              </a:rPr>
-              <a:t>= function() { };</a:t>
+              <a:t> = function() { };</a:t>
             </a:r>
           </a:p>
           <a:p>
@@ -22191,11 +22153,7 @@
           <a:p>
             <a:r>
               <a:rPr lang="en-US" sz="2000" b="1" dirty="0" smtClean="0"/>
-              <a:t>function </a:t>
-            </a:r>
-            <a:r>
-              <a:rPr lang="en-US" sz="2000" b="1" dirty="0" smtClean="0"/>
-              <a:t>extend(</a:t>
+              <a:t>function extend(</a:t>
             </a:r>
             <a:r>
               <a:rPr lang="en-US" sz="2000" b="1" dirty="0" err="1" smtClean="0"/>
@@ -22203,11 +22161,7 @@
             </a:r>
             <a:r>
               <a:rPr lang="en-US" sz="2000" b="1" dirty="0" smtClean="0"/>
-              <a:t>, Phone) </a:t>
-            </a:r>
-            <a:r>
-              <a:rPr lang="en-US" sz="2000" b="1" dirty="0" smtClean="0"/>
-              <a:t>{</a:t>
+              <a:t>, Phone) {</a:t>
             </a:r>
           </a:p>
           <a:p>
@@ -22218,7 +22172,9 @@
             <a:r>
               <a:rPr lang="en-US" sz="2000" b="1" dirty="0" err="1" smtClean="0">
                 <a:solidFill>
-                  <a:schemeClr val="tx1"/>
+                  <a:schemeClr val="bg1">
+                    <a:lumMod val="50000"/>
+                  </a:schemeClr>
                 </a:solidFill>
               </a:rPr>
               <a:t>var</a:t>
@@ -22226,7 +22182,9 @@
             <a:r>
               <a:rPr lang="en-US" sz="2000" b="1" dirty="0" smtClean="0">
                 <a:solidFill>
-                  <a:schemeClr val="tx1"/>
+                  <a:schemeClr val="bg1">
+                    <a:lumMod val="50000"/>
+                  </a:schemeClr>
                 </a:solidFill>
               </a:rPr>
               <a:t> </a:t>
@@ -22234,7 +22192,9 @@
             <a:r>
               <a:rPr lang="en-US" sz="2000" b="1" dirty="0" err="1" smtClean="0">
                 <a:solidFill>
-                  <a:schemeClr val="tx1"/>
+                  <a:schemeClr val="bg1">
+                    <a:lumMod val="50000"/>
+                  </a:schemeClr>
                 </a:solidFill>
               </a:rPr>
               <a:t>TempFunction</a:t>
@@ -22242,18 +22202,12 @@
             <a:r>
               <a:rPr lang="en-US" sz="2000" b="1" dirty="0" smtClean="0">
                 <a:solidFill>
-                  <a:schemeClr val="tx1"/>
-                </a:solidFill>
-              </a:rPr>
-              <a:t> </a:t>
-            </a:r>
-            <a:r>
-              <a:rPr lang="en-US" sz="2000" b="1" dirty="0" smtClean="0">
-                <a:solidFill>
-                  <a:schemeClr val="tx1"/>
-                </a:solidFill>
-              </a:rPr>
-              <a:t>= function() { };</a:t>
+                  <a:schemeClr val="bg1">
+                    <a:lumMod val="50000"/>
+                  </a:schemeClr>
+                </a:solidFill>
+              </a:rPr>
+              <a:t> = function() { };</a:t>
             </a:r>
           </a:p>
           <a:p>
@@ -22263,19 +22217,11 @@
             </a:r>
             <a:r>
               <a:rPr lang="en-US" sz="2000" b="1" u="sng" dirty="0" err="1" smtClean="0"/>
-              <a:t>TempFunction</a:t>
-            </a:r>
-            <a:r>
-              <a:rPr lang="en-US" sz="2000" b="1" u="sng" dirty="0" err="1" smtClean="0"/>
-              <a:t>.prototype</a:t>
+              <a:t>TempFunction.prototype</a:t>
             </a:r>
             <a:r>
               <a:rPr lang="en-US" sz="2000" b="1" u="sng" dirty="0" smtClean="0"/>
-              <a:t> </a:t>
-            </a:r>
-            <a:r>
-              <a:rPr lang="en-US" sz="2000" b="1" u="sng" dirty="0" smtClean="0"/>
-              <a:t>= </a:t>
+              <a:t> = </a:t>
             </a:r>
             <a:r>
               <a:rPr lang="en-US" sz="2000" b="1" u="sng" dirty="0" err="1" smtClean="0"/>
@@ -23709,11 +23655,7 @@
           <a:p>
             <a:r>
               <a:rPr lang="en-US" sz="2000" b="1" dirty="0" smtClean="0"/>
-              <a:t>function </a:t>
-            </a:r>
-            <a:r>
-              <a:rPr lang="en-US" sz="2000" b="1" dirty="0" smtClean="0"/>
-              <a:t>extend(</a:t>
+              <a:t>function extend(</a:t>
             </a:r>
             <a:r>
               <a:rPr lang="en-US" sz="2000" b="1" dirty="0" err="1" smtClean="0"/>
@@ -23721,11 +23663,7 @@
             </a:r>
             <a:r>
               <a:rPr lang="en-US" sz="2000" b="1" dirty="0" smtClean="0"/>
-              <a:t>, Phone) </a:t>
-            </a:r>
-            <a:r>
-              <a:rPr lang="en-US" sz="2000" b="1" dirty="0" smtClean="0"/>
-              <a:t>{</a:t>
+              <a:t>, Phone) {</a:t>
             </a:r>
           </a:p>
           <a:p>
@@ -23736,7 +23674,9 @@
             <a:r>
               <a:rPr lang="en-US" sz="2000" b="1" dirty="0" err="1" smtClean="0">
                 <a:solidFill>
-                  <a:schemeClr val="tx1"/>
+                  <a:schemeClr val="bg1">
+                    <a:lumMod val="50000"/>
+                  </a:schemeClr>
                 </a:solidFill>
               </a:rPr>
               <a:t>var</a:t>
@@ -23744,7 +23684,9 @@
             <a:r>
               <a:rPr lang="en-US" sz="2000" b="1" dirty="0" smtClean="0">
                 <a:solidFill>
-                  <a:schemeClr val="tx1"/>
+                  <a:schemeClr val="bg1">
+                    <a:lumMod val="50000"/>
+                  </a:schemeClr>
                 </a:solidFill>
               </a:rPr>
               <a:t> </a:t>
@@ -23752,7 +23694,9 @@
             <a:r>
               <a:rPr lang="en-US" sz="2000" b="1" dirty="0" err="1" smtClean="0">
                 <a:solidFill>
-                  <a:schemeClr val="tx1"/>
+                  <a:schemeClr val="bg1">
+                    <a:lumMod val="50000"/>
+                  </a:schemeClr>
                 </a:solidFill>
               </a:rPr>
               <a:t>TempFunction</a:t>
@@ -23760,47 +23704,63 @@
             <a:r>
               <a:rPr lang="en-US" sz="2000" b="1" dirty="0" smtClean="0">
                 <a:solidFill>
-                  <a:schemeClr val="tx1"/>
-                </a:solidFill>
-              </a:rPr>
-              <a:t> </a:t>
+                  <a:schemeClr val="bg1">
+                    <a:lumMod val="50000"/>
+                  </a:schemeClr>
+                </a:solidFill>
+              </a:rPr>
+              <a:t> = function() { };</a:t>
+            </a:r>
+          </a:p>
+          <a:p>
+            <a:r>
+              <a:rPr lang="en-US" sz="2000" dirty="0" smtClean="0">
+                <a:solidFill>
+                  <a:schemeClr val="bg1">
+                    <a:lumMod val="50000"/>
+                  </a:schemeClr>
+                </a:solidFill>
+              </a:rPr>
+              <a:t>	</a:t>
+            </a:r>
+            <a:r>
+              <a:rPr lang="en-US" sz="2000" b="1" dirty="0" err="1" smtClean="0">
+                <a:solidFill>
+                  <a:schemeClr val="bg1">
+                    <a:lumMod val="50000"/>
+                  </a:schemeClr>
+                </a:solidFill>
+              </a:rPr>
+              <a:t>TempFunction.prototype</a:t>
             </a:r>
             <a:r>
               <a:rPr lang="en-US" sz="2000" b="1" dirty="0" smtClean="0">
                 <a:solidFill>
-                  <a:schemeClr val="tx1"/>
-                </a:solidFill>
-              </a:rPr>
-              <a:t>= function() { };</a:t>
-            </a:r>
-          </a:p>
-          <a:p>
-            <a:r>
-              <a:rPr lang="en-US" sz="2000" dirty="0" smtClean="0"/>
-              <a:t>	</a:t>
-            </a:r>
-            <a:r>
-              <a:rPr lang="en-US" sz="2000" b="1" dirty="0" err="1" smtClean="0"/>
-              <a:t>TempFunction</a:t>
-            </a:r>
-            <a:r>
-              <a:rPr lang="en-US" sz="2000" b="1" dirty="0" err="1" smtClean="0"/>
-              <a:t>.prototype</a:t>
-            </a:r>
-            <a:r>
-              <a:rPr lang="en-US" sz="2000" b="1" dirty="0" smtClean="0"/>
-              <a:t> </a:t>
-            </a:r>
-            <a:r>
-              <a:rPr lang="en-US" sz="2000" b="1" dirty="0" smtClean="0"/>
-              <a:t>= </a:t>
-            </a:r>
-            <a:r>
-              <a:rPr lang="en-US" sz="2000" b="1" dirty="0" err="1" smtClean="0"/>
+                  <a:schemeClr val="bg1">
+                    <a:lumMod val="50000"/>
+                  </a:schemeClr>
+                </a:solidFill>
+              </a:rPr>
+              <a:t> = </a:t>
+            </a:r>
+            <a:r>
+              <a:rPr lang="en-US" sz="2000" b="1" dirty="0" err="1" smtClean="0">
+                <a:solidFill>
+                  <a:schemeClr val="bg1">
+                    <a:lumMod val="50000"/>
+                  </a:schemeClr>
+                </a:solidFill>
+              </a:rPr>
               <a:t>Phone.prototype</a:t>
             </a:r>
             <a:r>
-              <a:rPr lang="en-US" sz="2000" b="1" dirty="0" smtClean="0"/>
+              <a:rPr lang="en-US" sz="2000" b="1" dirty="0" smtClean="0">
+                <a:solidFill>
+                  <a:schemeClr val="bg1">
+                    <a:lumMod val="50000"/>
+                  </a:schemeClr>
+                </a:solidFill>
+              </a:rPr>
               <a:t>;</a:t>
             </a:r>
           </a:p>
@@ -23811,19 +23771,11 @@
             </a:r>
             <a:r>
               <a:rPr lang="en-US" sz="2000" b="1" u="sng" dirty="0" err="1" smtClean="0"/>
-              <a:t>MobilePhone</a:t>
-            </a:r>
-            <a:r>
-              <a:rPr lang="en-US" sz="2000" b="1" u="sng" dirty="0" err="1" smtClean="0"/>
-              <a:t>.prototype</a:t>
+              <a:t>MobilePhone.prototype</a:t>
             </a:r>
             <a:r>
               <a:rPr lang="en-US" sz="2000" b="1" u="sng" dirty="0" smtClean="0"/>
-              <a:t> </a:t>
-            </a:r>
-            <a:r>
-              <a:rPr lang="en-US" sz="2000" b="1" u="sng" dirty="0" smtClean="0"/>
-              <a:t>= new </a:t>
+              <a:t> = new </a:t>
             </a:r>
             <a:r>
               <a:rPr lang="en-US" sz="2000" b="1" u="sng" dirty="0" err="1" smtClean="0"/>
@@ -25187,11 +25139,7 @@
           <a:p>
             <a:r>
               <a:rPr lang="en-US" sz="2000" b="1" dirty="0" smtClean="0"/>
-              <a:t>function </a:t>
-            </a:r>
-            <a:r>
-              <a:rPr lang="en-US" sz="2000" b="1" dirty="0" smtClean="0"/>
-              <a:t>extend(</a:t>
+              <a:t>function extend(</a:t>
             </a:r>
             <a:r>
               <a:rPr lang="en-US" sz="2000" b="1" dirty="0" err="1" smtClean="0"/>
@@ -25199,25 +25147,181 @@
             </a:r>
             <a:r>
               <a:rPr lang="en-US" sz="2000" b="1" dirty="0" smtClean="0"/>
-              <a:t>, Phone) </a:t>
-            </a:r>
-            <a:r>
-              <a:rPr lang="en-US" sz="2000" b="1" dirty="0" smtClean="0"/>
-              <a:t>{</a:t>
-            </a:r>
-          </a:p>
-          <a:p>
-            <a:r>
-              <a:rPr lang="en-US" sz="2000" b="1" dirty="0" smtClean="0"/>
+              <a:t>, Phone) {</a:t>
+            </a:r>
+          </a:p>
+          <a:p>
+            <a:r>
+              <a:rPr lang="en-US" sz="2000" b="1" dirty="0" smtClean="0">
+                <a:solidFill>
+                  <a:schemeClr val="bg1">
+                    <a:lumMod val="50000"/>
+                  </a:schemeClr>
+                </a:solidFill>
+              </a:rPr>
               <a:t>	</a:t>
             </a:r>
             <a:r>
               <a:rPr lang="en-US" sz="2000" b="1" dirty="0" err="1" smtClean="0">
                 <a:solidFill>
+                  <a:schemeClr val="bg1">
+                    <a:lumMod val="50000"/>
+                  </a:schemeClr>
+                </a:solidFill>
+              </a:rPr>
+              <a:t>var</a:t>
+            </a:r>
+            <a:r>
+              <a:rPr lang="en-US" sz="2000" b="1" dirty="0" smtClean="0">
+                <a:solidFill>
+                  <a:schemeClr val="bg1">
+                    <a:lumMod val="50000"/>
+                  </a:schemeClr>
+                </a:solidFill>
+              </a:rPr>
+              <a:t> </a:t>
+            </a:r>
+            <a:r>
+              <a:rPr lang="en-US" sz="2000" b="1" dirty="0" err="1" smtClean="0">
+                <a:solidFill>
+                  <a:schemeClr val="bg1">
+                    <a:lumMod val="50000"/>
+                  </a:schemeClr>
+                </a:solidFill>
+              </a:rPr>
+              <a:t>TempFunction</a:t>
+            </a:r>
+            <a:r>
+              <a:rPr lang="en-US" sz="2000" b="1" dirty="0" smtClean="0">
+                <a:solidFill>
+                  <a:schemeClr val="bg1">
+                    <a:lumMod val="50000"/>
+                  </a:schemeClr>
+                </a:solidFill>
+              </a:rPr>
+              <a:t> = function() { };</a:t>
+            </a:r>
+          </a:p>
+          <a:p>
+            <a:r>
+              <a:rPr lang="en-US" sz="2000" dirty="0" smtClean="0">
+                <a:solidFill>
+                  <a:schemeClr val="bg1">
+                    <a:lumMod val="50000"/>
+                  </a:schemeClr>
+                </a:solidFill>
+              </a:rPr>
+              <a:t>	</a:t>
+            </a:r>
+            <a:r>
+              <a:rPr lang="en-US" sz="2000" b="1" dirty="0" err="1" smtClean="0">
+                <a:solidFill>
+                  <a:schemeClr val="bg1">
+                    <a:lumMod val="50000"/>
+                  </a:schemeClr>
+                </a:solidFill>
+              </a:rPr>
+              <a:t>TempFunction.prototype</a:t>
+            </a:r>
+            <a:r>
+              <a:rPr lang="en-US" sz="2000" b="1" dirty="0" smtClean="0">
+                <a:solidFill>
+                  <a:schemeClr val="bg1">
+                    <a:lumMod val="50000"/>
+                  </a:schemeClr>
+                </a:solidFill>
+              </a:rPr>
+              <a:t> = </a:t>
+            </a:r>
+            <a:r>
+              <a:rPr lang="en-US" sz="2000" b="1" dirty="0" err="1" smtClean="0">
+                <a:solidFill>
+                  <a:schemeClr val="bg1">
+                    <a:lumMod val="50000"/>
+                  </a:schemeClr>
+                </a:solidFill>
+              </a:rPr>
+              <a:t>Phone.prototype</a:t>
+            </a:r>
+            <a:r>
+              <a:rPr lang="en-US" sz="2000" b="1" dirty="0" smtClean="0">
+                <a:solidFill>
+                  <a:schemeClr val="bg1">
+                    <a:lumMod val="50000"/>
+                  </a:schemeClr>
+                </a:solidFill>
+              </a:rPr>
+              <a:t>;</a:t>
+            </a:r>
+          </a:p>
+          <a:p>
+            <a:r>
+              <a:rPr lang="en-US" sz="2000" b="1" dirty="0" smtClean="0">
+                <a:solidFill>
+                  <a:schemeClr val="bg1">
+                    <a:lumMod val="50000"/>
+                  </a:schemeClr>
+                </a:solidFill>
+              </a:rPr>
+              <a:t>	</a:t>
+            </a:r>
+            <a:r>
+              <a:rPr lang="en-US" sz="2000" b="1" dirty="0" err="1" smtClean="0">
+                <a:solidFill>
+                  <a:schemeClr val="bg1">
+                    <a:lumMod val="50000"/>
+                  </a:schemeClr>
+                </a:solidFill>
+              </a:rPr>
+              <a:t>MobilePhone.prototype</a:t>
+            </a:r>
+            <a:r>
+              <a:rPr lang="en-US" sz="2000" b="1" dirty="0" smtClean="0">
+                <a:solidFill>
+                  <a:schemeClr val="bg1">
+                    <a:lumMod val="50000"/>
+                  </a:schemeClr>
+                </a:solidFill>
+              </a:rPr>
+              <a:t> = new </a:t>
+            </a:r>
+            <a:r>
+              <a:rPr lang="en-US" sz="2000" b="1" dirty="0" err="1" smtClean="0">
+                <a:solidFill>
+                  <a:schemeClr val="bg1">
+                    <a:lumMod val="50000"/>
+                  </a:schemeClr>
+                </a:solidFill>
+              </a:rPr>
+              <a:t>TempFunction</a:t>
+            </a:r>
+            <a:r>
+              <a:rPr lang="en-US" sz="2000" b="1" dirty="0" smtClean="0">
+                <a:solidFill>
+                  <a:schemeClr val="bg1">
+                    <a:lumMod val="50000"/>
+                  </a:schemeClr>
+                </a:solidFill>
+              </a:rPr>
+              <a:t>();</a:t>
+            </a:r>
+          </a:p>
+          <a:p>
+            <a:r>
+              <a:rPr lang="en-US" sz="2000" b="1" dirty="0" smtClean="0">
+                <a:solidFill>
                   <a:schemeClr val="tx1"/>
                 </a:solidFill>
               </a:rPr>
-              <a:t>var</a:t>
+              <a:t>	</a:t>
+            </a:r>
+            <a:r>
+              <a:rPr lang="en-US" sz="2000" b="1" dirty="0" err="1" smtClean="0">
+                <a:solidFill>
+                  <a:schemeClr val="tx1"/>
+                </a:solidFill>
+              </a:rPr>
+              <a:t>MobilePhone.prototype.constructor</a:t>
             </a:r>
             <a:r>
               <a:rPr lang="en-US" sz="2000" b="1" dirty="0" smtClean="0">
@@ -25225,7 +25329,7 @@
                   <a:schemeClr val="tx1"/>
                 </a:solidFill>
               </a:rPr>
-              <a:t> </a:t>
+              <a:t> = </a:t>
             </a:r>
             <a:r>
               <a:rPr lang="en-US" sz="2000" b="1" dirty="0" err="1" smtClean="0">
@@ -25233,7 +25337,7 @@
                   <a:schemeClr val="tx1"/>
                 </a:solidFill>
               </a:rPr>
-              <a:t>TempFunction</a:t>
+              <a:t>MobilePhone</a:t>
             </a:r>
             <a:r>
               <a:rPr lang="en-US" sz="2000" b="1" dirty="0" smtClean="0">
@@ -25241,236 +25345,46 @@
                   <a:schemeClr val="tx1"/>
                 </a:solidFill>
               </a:rPr>
-              <a:t> </a:t>
-            </a:r>
+              <a:t>;</a:t>
+            </a:r>
+          </a:p>
+          <a:p>
             <a:r>
               <a:rPr lang="en-US" sz="2000" b="1" dirty="0" smtClean="0">
                 <a:solidFill>
                   <a:schemeClr val="tx1"/>
                 </a:solidFill>
               </a:rPr>
-              <a:t>= function() { };</a:t>
-            </a:r>
-          </a:p>
-          <a:p>
-            <a:r>
-              <a:rPr lang="en-US" sz="2000" dirty="0" smtClean="0"/>
               <a:t>	</a:t>
             </a:r>
             <a:r>
-              <a:rPr lang="en-US" sz="2000" b="1" dirty="0" err="1" smtClean="0"/>
-              <a:t>TempFunction</a:t>
-            </a:r>
-            <a:r>
-              <a:rPr lang="en-US" sz="2000" b="1" dirty="0" err="1" smtClean="0"/>
-              <a:t>.prototype</a:t>
-            </a:r>
-            <a:r>
-              <a:rPr lang="en-US" sz="2000" b="1" dirty="0" smtClean="0"/>
-              <a:t> </a:t>
-            </a:r>
-            <a:r>
-              <a:rPr lang="en-US" sz="2000" b="1" dirty="0" smtClean="0"/>
-              <a:t>= </a:t>
-            </a:r>
-            <a:r>
-              <a:rPr lang="en-US" sz="2000" b="1" dirty="0" err="1" smtClean="0"/>
+              <a:rPr lang="en-US" sz="2000" b="1" dirty="0" err="1" smtClean="0">
+                <a:solidFill>
+                  <a:schemeClr val="tx1"/>
+                </a:solidFill>
+              </a:rPr>
+              <a:t>MobilePhone.superclass</a:t>
+            </a:r>
+            <a:r>
+              <a:rPr lang="en-US" sz="2000" b="1" dirty="0" smtClean="0">
+                <a:solidFill>
+                  <a:schemeClr val="tx1"/>
+                </a:solidFill>
+              </a:rPr>
+              <a:t> = </a:t>
+            </a:r>
+            <a:r>
+              <a:rPr lang="en-US" sz="2000" b="1" dirty="0" err="1" smtClean="0">
+                <a:solidFill>
+                  <a:schemeClr val="tx1"/>
+                </a:solidFill>
+              </a:rPr>
               <a:t>Phone.prototype</a:t>
             </a:r>
             <a:r>
-              <a:rPr lang="en-US" sz="2000" b="1" dirty="0" smtClean="0"/>
-              <a:t>;</a:t>
-            </a:r>
-          </a:p>
-          <a:p>
-            <a:r>
-              <a:rPr lang="en-US" sz="2000" b="1" dirty="0" smtClean="0"/>
-              <a:t>	</a:t>
-            </a:r>
-            <a:r>
-              <a:rPr lang="en-US" sz="2000" b="1" dirty="0" err="1" smtClean="0"/>
-              <a:t>MobilePhone</a:t>
-            </a:r>
-            <a:r>
-              <a:rPr lang="en-US" sz="2000" b="1" dirty="0" err="1" smtClean="0"/>
-              <a:t>.prototype</a:t>
-            </a:r>
-            <a:r>
-              <a:rPr lang="en-US" sz="2000" b="1" dirty="0" smtClean="0"/>
-              <a:t> </a:t>
-            </a:r>
-            <a:r>
-              <a:rPr lang="en-US" sz="2000" b="1" dirty="0" smtClean="0"/>
-              <a:t>= new </a:t>
-            </a:r>
-            <a:r>
-              <a:rPr lang="en-US" sz="2000" b="1" dirty="0" err="1" smtClean="0"/>
-              <a:t>TempFunction</a:t>
-            </a:r>
-            <a:r>
-              <a:rPr lang="en-US" sz="2000" b="1" dirty="0" smtClean="0"/>
-              <a:t>();</a:t>
-            </a:r>
-            <a:endParaRPr lang="en-US" sz="2000" b="1" dirty="0" smtClean="0">
-              <a:solidFill>
-                <a:schemeClr val="tx1"/>
-              </a:solidFill>
-            </a:endParaRPr>
-          </a:p>
-          <a:p>
-            <a:r>
               <a:rPr lang="en-US" sz="2000" b="1" dirty="0" smtClean="0">
                 <a:solidFill>
                   <a:schemeClr val="tx1"/>
-                </a:solidFill>
-              </a:rPr>
-              <a:t>	</a:t>
-            </a:r>
-            <a:r>
-              <a:rPr lang="en-US" sz="2000" b="1" dirty="0" err="1" smtClean="0">
-                <a:solidFill>
-                  <a:schemeClr val="accent6">
-                    <a:lumMod val="75000"/>
-                  </a:schemeClr>
-                </a:solidFill>
-              </a:rPr>
-              <a:t>MobilePhone</a:t>
-            </a:r>
-            <a:r>
-              <a:rPr lang="en-US" sz="2000" b="1" dirty="0" err="1" smtClean="0">
-                <a:solidFill>
-                  <a:schemeClr val="accent6">
-                    <a:lumMod val="75000"/>
-                  </a:schemeClr>
-                </a:solidFill>
-              </a:rPr>
-              <a:t>.prototype.constructor</a:t>
-            </a:r>
-            <a:r>
-              <a:rPr lang="en-US" sz="2000" b="1" dirty="0" smtClean="0">
-                <a:solidFill>
-                  <a:schemeClr val="accent6">
-                    <a:lumMod val="75000"/>
-                  </a:schemeClr>
-                </a:solidFill>
-              </a:rPr>
-              <a:t> </a:t>
-            </a:r>
-            <a:r>
-              <a:rPr lang="en-US" sz="2000" b="1" dirty="0" smtClean="0">
-                <a:solidFill>
-                  <a:schemeClr val="accent6">
-                    <a:lumMod val="75000"/>
-                  </a:schemeClr>
-                </a:solidFill>
-              </a:rPr>
-              <a:t>= </a:t>
-            </a:r>
-            <a:r>
-              <a:rPr lang="en-US" sz="2000" b="1" dirty="0" err="1" smtClean="0">
-                <a:solidFill>
-                  <a:schemeClr val="accent6">
-                    <a:lumMod val="75000"/>
-                  </a:schemeClr>
-                </a:solidFill>
-              </a:rPr>
-              <a:t>MobilePhone</a:t>
-            </a:r>
-            <a:r>
-              <a:rPr lang="en-US" sz="2000" b="1" dirty="0" smtClean="0">
-                <a:solidFill>
-                  <a:schemeClr val="accent6">
-                    <a:lumMod val="75000"/>
-                  </a:schemeClr>
-                </a:solidFill>
-              </a:rPr>
-              <a:t>;</a:t>
-            </a:r>
-            <a:endParaRPr lang="en-US" sz="2000" b="1" dirty="0" smtClean="0">
-              <a:solidFill>
-                <a:schemeClr val="accent6">
-                  <a:lumMod val="75000"/>
-                </a:schemeClr>
-              </a:solidFill>
-            </a:endParaRPr>
-          </a:p>
-          <a:p>
-            <a:r>
-              <a:rPr lang="en-US" sz="2000" b="1" dirty="0" smtClean="0">
-                <a:solidFill>
-                  <a:schemeClr val="accent6">
-                    <a:lumMod val="75000"/>
-                  </a:schemeClr>
-                </a:solidFill>
-              </a:rPr>
-              <a:t>	</a:t>
-            </a:r>
-            <a:r>
-              <a:rPr lang="en-US" sz="2000" b="1" dirty="0" err="1" smtClean="0">
-                <a:solidFill>
-                  <a:schemeClr val="accent6">
-                    <a:lumMod val="75000"/>
-                  </a:schemeClr>
-                </a:solidFill>
-              </a:rPr>
-              <a:t>MobilePhone</a:t>
-            </a:r>
-            <a:r>
-              <a:rPr lang="en-US" sz="2000" b="1" dirty="0" err="1" smtClean="0">
-                <a:solidFill>
-                  <a:schemeClr val="accent6">
-                    <a:lumMod val="75000"/>
-                  </a:schemeClr>
-                </a:solidFill>
-              </a:rPr>
-              <a:t>.superclass</a:t>
-            </a:r>
-            <a:r>
-              <a:rPr lang="en-US" sz="2000" b="1" dirty="0" smtClean="0">
-                <a:solidFill>
-                  <a:schemeClr val="accent6">
-                    <a:lumMod val="75000"/>
-                  </a:schemeClr>
-                </a:solidFill>
-              </a:rPr>
-              <a:t> </a:t>
-            </a:r>
-            <a:r>
-              <a:rPr lang="en-US" sz="2000" b="1" dirty="0" smtClean="0">
-                <a:solidFill>
-                  <a:schemeClr val="accent6">
-                    <a:lumMod val="75000"/>
-                  </a:schemeClr>
-                </a:solidFill>
-              </a:rPr>
-              <a:t>= </a:t>
-            </a:r>
-            <a:r>
-              <a:rPr lang="en-US" sz="2000" b="1" dirty="0" err="1" smtClean="0">
-                <a:solidFill>
-                  <a:schemeClr val="accent6">
-                    <a:lumMod val="75000"/>
-                  </a:schemeClr>
-                </a:solidFill>
-              </a:rPr>
-              <a:t>Phone</a:t>
-            </a:r>
-            <a:r>
-              <a:rPr lang="en-US" sz="2000" b="1" dirty="0" err="1" smtClean="0">
-                <a:solidFill>
-                  <a:schemeClr val="accent6">
-                    <a:lumMod val="75000"/>
-                  </a:schemeClr>
-                </a:solidFill>
-              </a:rPr>
-              <a:t>.prototype</a:t>
-            </a:r>
-            <a:r>
-              <a:rPr lang="en-US" sz="2000" b="1" dirty="0" smtClean="0">
-                <a:solidFill>
-                  <a:schemeClr val="accent6">
-                    <a:lumMod val="75000"/>
-                  </a:schemeClr>
                 </a:solidFill>
               </a:rPr>
               <a:t>;</a:t>
@@ -27143,18 +27057,7 @@
                   </a:schemeClr>
                 </a:solidFill>
               </a:rPr>
-              <a:t> </a:t>
-            </a:r>
-            <a:r>
-              <a:rPr lang="en-US" b="1" dirty="0" smtClean="0">
-                <a:solidFill>
-                  <a:schemeClr val="tx1">
-                    <a:lumMod val="65000"/>
-                    <a:lumOff val="35000"/>
-                  </a:schemeClr>
-                </a:solidFill>
-              </a:rPr>
-              <a:t>function</a:t>
+              <a:t> function</a:t>
             </a:r>
             <a:endParaRPr lang="en-US" b="1" dirty="0">
               <a:solidFill>
@@ -27204,11 +27107,7 @@
           <a:p>
             <a:r>
               <a:rPr lang="en-US" sz="2000" b="1" dirty="0" smtClean="0"/>
-              <a:t>function </a:t>
-            </a:r>
-            <a:r>
-              <a:rPr lang="en-US" sz="2000" b="1" dirty="0" smtClean="0"/>
-              <a:t>extend(</a:t>
+              <a:t>function extend(</a:t>
             </a:r>
             <a:r>
               <a:rPr lang="en-US" sz="2000" b="1" dirty="0" err="1" smtClean="0"/>
@@ -27218,7 +27117,6 @@
               <a:rPr lang="en-US" sz="2000" b="1" dirty="0" smtClean="0"/>
               <a:t>, Phone) {</a:t>
             </a:r>
-            <a:endParaRPr lang="en-US" sz="2000" b="1" dirty="0" smtClean="0"/>
           </a:p>
           <a:p>
             <a:r>
@@ -27227,11 +27125,7 @@
             </a:r>
             <a:r>
               <a:rPr lang="en-US" sz="2000" b="1" dirty="0" err="1" smtClean="0"/>
-              <a:t>MobilePhone</a:t>
-            </a:r>
-            <a:r>
-              <a:rPr lang="en-US" sz="2000" b="1" dirty="0" err="1" smtClean="0"/>
-              <a:t>.prototype</a:t>
+              <a:t>MobilePhone.prototype</a:t>
             </a:r>
             <a:r>
               <a:rPr lang="en-US" sz="2000" b="1" dirty="0" smtClean="0"/>
@@ -27257,7 +27151,6 @@
               <a:rPr lang="en-US" sz="2000" b="1" dirty="0" smtClean="0"/>
               <a:t>);</a:t>
             </a:r>
-            <a:endParaRPr lang="en-US" sz="2000" b="1" dirty="0" smtClean="0"/>
           </a:p>
           <a:p>
             <a:endParaRPr lang="en-US" sz="2000" b="1" dirty="0" smtClean="0"/>
@@ -27269,19 +27162,11 @@
             </a:r>
             <a:r>
               <a:rPr lang="en-US" sz="2000" b="1" dirty="0" err="1" smtClean="0"/>
-              <a:t>MobilePhone</a:t>
-            </a:r>
-            <a:r>
-              <a:rPr lang="en-US" sz="2000" b="1" dirty="0" err="1" smtClean="0"/>
-              <a:t>.prototype.constructor</a:t>
+              <a:t>MobilePhone.prototype.constructor</a:t>
             </a:r>
             <a:r>
               <a:rPr lang="en-US" sz="2000" b="1" dirty="0" smtClean="0"/>
-              <a:t> </a:t>
-            </a:r>
-            <a:r>
-              <a:rPr lang="en-US" sz="2000" b="1" dirty="0" smtClean="0"/>
-              <a:t>= </a:t>
+              <a:t> = </a:t>
             </a:r>
             <a:r>
               <a:rPr lang="en-US" sz="2000" b="1" dirty="0" err="1" smtClean="0"/>
@@ -27291,7 +27176,6 @@
               <a:rPr lang="en-US" sz="2000" b="1" dirty="0" smtClean="0"/>
               <a:t>;</a:t>
             </a:r>
-            <a:endParaRPr lang="en-US" sz="2000" b="1" dirty="0" smtClean="0"/>
           </a:p>
           <a:p>
             <a:r>
@@ -27304,11 +27188,7 @@
             </a:r>
             <a:r>
               <a:rPr lang="en-US" sz="2000" b="1" dirty="0" smtClean="0"/>
-              <a:t> </a:t>
-            </a:r>
-            <a:r>
-              <a:rPr lang="en-US" sz="2000" b="1" dirty="0" smtClean="0"/>
-              <a:t>= </a:t>
+              <a:t> = </a:t>
             </a:r>
             <a:r>
               <a:rPr lang="en-US" sz="2000" b="1" dirty="0" err="1" smtClean="0"/>
@@ -27367,14 +27247,69 @@
       </p:grpSpPr>
       <p:sp>
         <p:nvSpPr>
-          <p:cNvPr id="7" name="Rectangle 6"/>
+          <p:cNvPr id="2" name="Заголовок 1"/>
+          <p:cNvSpPr>
+            <a:spLocks noGrp="1"/>
+          </p:cNvSpPr>
+          <p:nvPr>
+            <p:ph type="ctrTitle"/>
+          </p:nvPr>
+        </p:nvSpPr>
+        <p:spPr>
+          <a:xfrm>
+            <a:off x="642910" y="142852"/>
+            <a:ext cx="7772400" cy="528640"/>
+          </a:xfrm>
+        </p:spPr>
+        <p:txBody>
+          <a:bodyPr>
+            <a:normAutofit fontScale="90000"/>
+          </a:bodyPr>
+          <a:lstStyle/>
+          <a:p>
+            <a:r>
+              <a:rPr lang="en-US" b="1" dirty="0" err="1" smtClean="0">
+                <a:solidFill>
+                  <a:schemeClr val="tx1">
+                    <a:lumMod val="65000"/>
+                    <a:lumOff val="35000"/>
+                  </a:schemeClr>
+                </a:solidFill>
+              </a:rPr>
+              <a:t>Pseudoclassical</a:t>
+            </a:r>
+            <a:r>
+              <a:rPr lang="en-US" b="1" dirty="0" smtClean="0">
+                <a:solidFill>
+                  <a:schemeClr val="tx1">
+                    <a:lumMod val="65000"/>
+                    <a:lumOff val="35000"/>
+                  </a:schemeClr>
+                </a:solidFill>
+              </a:rPr>
+              <a:t> inheritance</a:t>
+            </a:r>
+            <a:endParaRPr lang="en-US" b="1" dirty="0">
+              <a:solidFill>
+                <a:schemeClr val="tx1">
+                  <a:lumMod val="65000"/>
+                  <a:lumOff val="35000"/>
+                </a:schemeClr>
+              </a:solidFill>
+            </a:endParaRPr>
+          </a:p>
+        </p:txBody>
+      </p:sp>
+      <p:sp>
+        <p:nvSpPr>
+          <p:cNvPr id="20" name="Rectangle 19"/>
           <p:cNvSpPr/>
           <p:nvPr/>
         </p:nvSpPr>
         <p:spPr>
           <a:xfrm>
-            <a:off x="714348" y="285728"/>
-            <a:ext cx="7715304" cy="5016758"/>
+            <a:off x="857224" y="928670"/>
+            <a:ext cx="7963248" cy="5632311"/>
           </a:xfrm>
           <a:prstGeom prst="rect">
             <a:avLst/>
@@ -27401,8 +27336,178 @@
           <a:lstStyle/>
           <a:p>
             <a:r>
+              <a:rPr lang="en-US" sz="2000" b="1" dirty="0" smtClean="0">
+                <a:solidFill>
+                  <a:schemeClr val="bg1">
+                    <a:lumMod val="50000"/>
+                  </a:schemeClr>
+                </a:solidFill>
+              </a:rPr>
+              <a:t>function Phone(model, color) {</a:t>
+            </a:r>
+          </a:p>
+          <a:p>
+            <a:r>
+              <a:rPr lang="en-US" sz="2000" b="1" dirty="0" smtClean="0">
+                <a:solidFill>
+                  <a:schemeClr val="bg1">
+                    <a:lumMod val="50000"/>
+                  </a:schemeClr>
+                </a:solidFill>
+              </a:rPr>
+              <a:t>	</a:t>
+            </a:r>
+            <a:r>
+              <a:rPr lang="en-US" sz="2000" b="1" dirty="0" err="1" smtClean="0">
+                <a:solidFill>
+                  <a:schemeClr val="bg1">
+                    <a:lumMod val="50000"/>
+                  </a:schemeClr>
+                </a:solidFill>
+              </a:rPr>
+              <a:t>this.model</a:t>
+            </a:r>
+            <a:r>
+              <a:rPr lang="en-US" sz="2000" b="1" dirty="0" smtClean="0">
+                <a:solidFill>
+                  <a:schemeClr val="bg1">
+                    <a:lumMod val="50000"/>
+                  </a:schemeClr>
+                </a:solidFill>
+              </a:rPr>
+              <a:t> = model;</a:t>
+            </a:r>
+          </a:p>
+          <a:p>
+            <a:r>
+              <a:rPr lang="en-US" sz="2000" b="1" dirty="0" smtClean="0">
+                <a:solidFill>
+                  <a:schemeClr val="bg1">
+                    <a:lumMod val="50000"/>
+                  </a:schemeClr>
+                </a:solidFill>
+              </a:rPr>
+              <a:t>	</a:t>
+            </a:r>
+            <a:r>
+              <a:rPr lang="en-US" sz="2000" b="1" dirty="0" err="1" smtClean="0">
+                <a:solidFill>
+                  <a:schemeClr val="bg1">
+                    <a:lumMod val="50000"/>
+                  </a:schemeClr>
+                </a:solidFill>
+              </a:rPr>
+              <a:t>this.color</a:t>
+            </a:r>
+            <a:r>
+              <a:rPr lang="en-US" sz="2000" b="1" dirty="0" smtClean="0">
+                <a:solidFill>
+                  <a:schemeClr val="bg1">
+                    <a:lumMod val="50000"/>
+                  </a:schemeClr>
+                </a:solidFill>
+              </a:rPr>
+              <a:t> = color;</a:t>
+            </a:r>
+          </a:p>
+          <a:p>
+            <a:r>
+              <a:rPr lang="en-US" sz="2000" b="1" dirty="0" smtClean="0">
+                <a:solidFill>
+                  <a:schemeClr val="bg1">
+                    <a:lumMod val="50000"/>
+                  </a:schemeClr>
+                </a:solidFill>
+              </a:rPr>
+              <a:t>}</a:t>
+            </a:r>
+            <a:endParaRPr lang="en-US" sz="2000" b="1" dirty="0" smtClean="0">
+              <a:solidFill>
+                <a:schemeClr val="bg1">
+                  <a:lumMod val="50000"/>
+                </a:schemeClr>
+              </a:solidFill>
+            </a:endParaRPr>
+          </a:p>
+          <a:p>
+            <a:r>
+              <a:rPr lang="en-US" sz="2000" b="1" dirty="0" err="1" smtClean="0">
+                <a:solidFill>
+                  <a:schemeClr val="bg1">
+                    <a:lumMod val="50000"/>
+                  </a:schemeClr>
+                </a:solidFill>
+              </a:rPr>
+              <a:t>Phone.prototype.makeCall</a:t>
+            </a:r>
+            <a:r>
+              <a:rPr lang="en-US" sz="2000" b="1" dirty="0" smtClean="0">
+                <a:solidFill>
+                  <a:schemeClr val="bg1">
+                    <a:lumMod val="50000"/>
+                  </a:schemeClr>
+                </a:solidFill>
+              </a:rPr>
+              <a:t> = function() {…}	</a:t>
+            </a:r>
+          </a:p>
+          <a:p>
+            <a:r>
+              <a:rPr lang="en-US" sz="2000" b="1" dirty="0" err="1" smtClean="0">
+                <a:solidFill>
+                  <a:schemeClr val="bg1">
+                    <a:lumMod val="50000"/>
+                  </a:schemeClr>
+                </a:solidFill>
+              </a:rPr>
+              <a:t>Phone.prototype</a:t>
+            </a:r>
+            <a:r>
+              <a:rPr lang="en-US" sz="2000" b="1" dirty="0" err="1" smtClean="0">
+                <a:solidFill>
+                  <a:schemeClr val="bg1">
+                    <a:lumMod val="50000"/>
+                  </a:schemeClr>
+                </a:solidFill>
+              </a:rPr>
+              <a:t>.increaseVolume</a:t>
+            </a:r>
+            <a:r>
+              <a:rPr lang="en-US" sz="2000" b="1" dirty="0">
+                <a:solidFill>
+                  <a:schemeClr val="bg1">
+                    <a:lumMod val="50000"/>
+                  </a:schemeClr>
+                </a:solidFill>
+              </a:rPr>
+              <a:t>= </a:t>
+            </a:r>
+            <a:r>
+              <a:rPr lang="en-US" sz="2000" b="1" dirty="0" smtClean="0">
+                <a:solidFill>
+                  <a:schemeClr val="bg1">
+                    <a:lumMod val="50000"/>
+                  </a:schemeClr>
+                </a:solidFill>
+              </a:rPr>
+              <a:t>function() {…}</a:t>
+            </a:r>
+          </a:p>
+          <a:p>
+            <a:endParaRPr lang="en-US" sz="2000" b="1" dirty="0" smtClean="0"/>
+          </a:p>
+          <a:p>
+            <a:r>
               <a:rPr lang="en-US" sz="2000" b="1" dirty="0" smtClean="0"/>
-              <a:t>function Phone(model, color) {</a:t>
+              <a:t>function </a:t>
+            </a:r>
+            <a:r>
+              <a:rPr lang="en-US" sz="2000" b="1" dirty="0" err="1" smtClean="0"/>
+              <a:t>MobilePhone</a:t>
+            </a:r>
+            <a:r>
+              <a:rPr lang="en-US" sz="2000" b="1" dirty="0" smtClean="0"/>
+              <a:t>(model, color, ringtone) {</a:t>
             </a:r>
           </a:p>
           <a:p>
@@ -27411,26 +27516,39 @@
               <a:t>	</a:t>
             </a:r>
             <a:r>
-              <a:rPr lang="en-US" sz="2000" b="1" dirty="0" err="1" smtClean="0"/>
-              <a:t>this.model</a:t>
+              <a:rPr lang="en-US" sz="2000" b="1" dirty="0" err="1" smtClean="0">
+                <a:solidFill>
+                  <a:srgbClr val="FF0000"/>
+                </a:solidFill>
+              </a:rPr>
+              <a:t>MobilePhone.superclass.constructor.call</a:t>
             </a:r>
             <a:r>
               <a:rPr lang="en-US" sz="2000" b="1" dirty="0" smtClean="0"/>
-              <a:t> = model;</a:t>
-            </a:r>
-          </a:p>
-          <a:p>
+              <a:t>(this, color, ringtone);</a:t>
+            </a:r>
+            <a:endParaRPr lang="en-US" sz="2000" b="1" dirty="0" smtClean="0"/>
+          </a:p>
+          <a:p>
+            <a:r>
+              <a:rPr lang="en-US" sz="2000" b="1" dirty="0"/>
+              <a:t>	</a:t>
+            </a:r>
             <a:r>
               <a:rPr lang="en-US" sz="2000" b="1" dirty="0" smtClean="0"/>
-              <a:t>	</a:t>
-            </a:r>
-            <a:r>
-              <a:rPr lang="en-US" sz="2000" b="1" dirty="0" err="1" smtClean="0"/>
-              <a:t>this.color</a:t>
+              <a:t>this</a:t>
+            </a:r>
+            <a:r>
+              <a:rPr lang="en-US" sz="2000" b="1" dirty="0"/>
+              <a:t>. ringtone </a:t>
             </a:r>
             <a:r>
               <a:rPr lang="en-US" sz="2000" b="1" dirty="0" smtClean="0"/>
-              <a:t> = color;</a:t>
+              <a:t>= ringtone;</a:t>
+            </a:r>
+            <a:r>
+              <a:rPr lang="en-US" sz="2000" b="1" dirty="0" smtClean="0"/>
+              <a:t>		</a:t>
             </a:r>
           </a:p>
           <a:p>
@@ -27440,96 +27558,80 @@
             </a:r>
           </a:p>
           <a:p>
+            <a:endParaRPr lang="en-US" sz="2000" b="1" dirty="0"/>
+          </a:p>
+          <a:p>
+            <a:r>
+              <a:rPr lang="en-US" sz="2000" b="1" dirty="0" err="1" smtClean="0"/>
+              <a:t>MobilePhone.prototype.increaseVolume</a:t>
+            </a:r>
             <a:r>
               <a:rPr lang="en-US" sz="2000" b="1" dirty="0" smtClean="0"/>
+              <a:t> = function(</a:t>
+            </a:r>
+            <a:r>
+              <a:rPr lang="en-US" sz="2000" b="1" dirty="0" err="1" smtClean="0"/>
+              <a:t>newVolume</a:t>
+            </a:r>
+            <a:r>
+              <a:rPr lang="en-US" sz="2000" b="1" dirty="0" smtClean="0"/>
+              <a:t>) {</a:t>
+            </a:r>
+          </a:p>
+          <a:p>
+            <a:r>
+              <a:rPr lang="en-US" sz="2000" b="1" dirty="0"/>
               <a:t>	</a:t>
             </a:r>
-          </a:p>
-          <a:p>
-            <a:r>
-              <a:rPr lang="en-US" sz="2000" b="1" dirty="0" err="1" smtClean="0"/>
-              <a:t>Phone.prototype.makeCall</a:t>
-            </a:r>
-            <a:r>
-              <a:rPr lang="en-US" sz="2000" b="1" dirty="0" smtClean="0"/>
-              <a:t> = function() {…}	</a:t>
-            </a:r>
-          </a:p>
-          <a:p>
-            <a:r>
-              <a:rPr lang="en-US" sz="2000" b="1" dirty="0" err="1" smtClean="0"/>
-              <a:t>Phone.prototype.answer</a:t>
-            </a:r>
-            <a:r>
-              <a:rPr lang="en-US" sz="2000" b="1" dirty="0" smtClean="0"/>
-              <a:t> = function() {…}</a:t>
-            </a:r>
-          </a:p>
-          <a:p>
-            <a:endParaRPr lang="en-US" sz="2000" b="1" dirty="0" smtClean="0"/>
-          </a:p>
-          <a:p>
-            <a:r>
-              <a:rPr lang="en-US" sz="2000" b="1" dirty="0" smtClean="0"/>
-              <a:t>function </a:t>
-            </a:r>
-            <a:r>
-              <a:rPr lang="en-US" sz="2000" b="1" dirty="0" err="1" smtClean="0"/>
-              <a:t>MobilePhone</a:t>
-            </a:r>
-            <a:r>
-              <a:rPr lang="en-US" sz="2000" b="1" dirty="0" smtClean="0"/>
-              <a:t>(model, color, ringtone) {</a:t>
-            </a:r>
-          </a:p>
-          <a:p>
-            <a:r>
-              <a:rPr lang="en-US" sz="2000" b="1" dirty="0" smtClean="0"/>
+            <a:r>
+              <a:rPr lang="en-US" sz="2000" b="1" dirty="0" err="1" smtClean="0">
+                <a:solidFill>
+                  <a:srgbClr val="FF0000"/>
+                </a:solidFill>
+              </a:rPr>
+              <a:t>MobilePhone.superclass.increaseVolume.call</a:t>
+            </a:r>
+            <a:r>
+              <a:rPr lang="en-US" sz="2000" b="1" dirty="0" smtClean="0">
+                <a:solidFill>
+                  <a:schemeClr val="tx1"/>
+                </a:solidFill>
+              </a:rPr>
+              <a:t>(this, </a:t>
+            </a:r>
+            <a:r>
+              <a:rPr lang="en-US" sz="2000" b="1" dirty="0" err="1" smtClean="0">
+                <a:solidFill>
+                  <a:schemeClr val="tx1"/>
+                </a:solidFill>
+              </a:rPr>
+              <a:t>newVolume</a:t>
+            </a:r>
+            <a:r>
+              <a:rPr lang="en-US" sz="2000" b="1" dirty="0" smtClean="0">
+                <a:solidFill>
+                  <a:schemeClr val="tx1"/>
+                </a:solidFill>
+              </a:rPr>
+              <a:t>);</a:t>
+            </a:r>
+          </a:p>
+          <a:p>
+            <a:r>
+              <a:rPr lang="en-US" sz="2000" b="1" dirty="0">
+                <a:solidFill>
+                  <a:schemeClr val="tx1"/>
+                </a:solidFill>
+              </a:rPr>
               <a:t>	</a:t>
             </a:r>
             <a:r>
-              <a:rPr lang="en-US" sz="2000" b="1" dirty="0" err="1" smtClean="0">
-                <a:solidFill>
-                  <a:srgbClr val="FF0000"/>
-                </a:solidFill>
-              </a:rPr>
-              <a:t>MobilePhone</a:t>
-            </a:r>
-            <a:r>
-              <a:rPr lang="en-US" sz="2000" b="1" dirty="0" err="1" smtClean="0"/>
-              <a:t>.superclass.constructor.apply</a:t>
-            </a:r>
-            <a:r>
-              <a:rPr lang="en-US" sz="2000" b="1" dirty="0" smtClean="0"/>
-              <a:t>(this, arguments);</a:t>
-            </a:r>
-          </a:p>
-          <a:p>
-            <a:r>
-              <a:rPr lang="en-US" sz="2000" b="1" dirty="0" smtClean="0"/>
-              <a:t>	//</a:t>
-            </a:r>
-            <a:r>
-              <a:rPr lang="en-US" sz="2000" b="1" dirty="0" err="1" smtClean="0"/>
-              <a:t>MobilePhone.superclass.makeCall.call</a:t>
-            </a:r>
-            <a:r>
-              <a:rPr lang="en-US" sz="2000" b="1" dirty="0" smtClean="0"/>
-              <a:t>(this);</a:t>
-            </a:r>
-          </a:p>
-          <a:p>
-            <a:r>
-              <a:rPr lang="en-US" sz="2000" b="1" dirty="0" smtClean="0"/>
-              <a:t>	</a:t>
-            </a:r>
-            <a:r>
-              <a:rPr lang="en-US" sz="2000" b="1" dirty="0" err="1" smtClean="0"/>
-              <a:t>this.ringtone</a:t>
-            </a:r>
-            <a:r>
-              <a:rPr lang="en-US" sz="2000" b="1" dirty="0" smtClean="0"/>
-              <a:t> = ringtone;		</a:t>
+              <a:rPr lang="en-US" sz="2000" b="1" dirty="0" smtClean="0">
+                <a:solidFill>
+                  <a:schemeClr val="tx1"/>
+                </a:solidFill>
+              </a:rPr>
+              <a:t>//…</a:t>
             </a:r>
           </a:p>
           <a:p>
@@ -27537,44 +27639,34 @@
               <a:rPr lang="en-US" sz="2000" b="1" dirty="0" smtClean="0"/>
               <a:t>}</a:t>
             </a:r>
-          </a:p>
-          <a:p>
-            <a:r>
-              <a:rPr lang="en-US" sz="2000" b="1" dirty="0" smtClean="0"/>
+            <a:endParaRPr lang="en-US" sz="2000" b="1" dirty="0" smtClean="0"/>
+          </a:p>
+          <a:p>
+            <a:endParaRPr lang="en-US" sz="2000" b="1" dirty="0" smtClean="0"/>
+          </a:p>
+          <a:p>
+            <a:r>
+              <a:rPr lang="en-US" sz="2000" b="1" dirty="0"/>
               <a:t>extend(</a:t>
             </a:r>
             <a:r>
-              <a:rPr lang="en-US" sz="2000" b="1" dirty="0" err="1" smtClean="0"/>
+              <a:rPr lang="en-US" sz="2000" b="1" dirty="0" err="1"/>
               <a:t>MobilePhone</a:t>
             </a:r>
             <a:r>
-              <a:rPr lang="en-US" sz="2000" b="1" dirty="0" smtClean="0"/>
-              <a:t>, Phone);</a:t>
-            </a:r>
-          </a:p>
-          <a:p>
-            <a:r>
-              <a:rPr lang="en-US" sz="2000" b="1" dirty="0" err="1" smtClean="0"/>
-              <a:t>MobilePhone.prototype.makeCall</a:t>
-            </a:r>
-            <a:r>
-              <a:rPr lang="en-US" sz="2000" b="1" dirty="0" smtClean="0"/>
-              <a:t> = function() {…}</a:t>
-            </a:r>
-          </a:p>
-          <a:p>
-            <a:r>
-              <a:rPr lang="en-US" sz="2000" b="1" dirty="0" err="1" smtClean="0"/>
-              <a:t>MobilePhone.prototype.sendSMS</a:t>
-            </a:r>
-            <a:r>
-              <a:rPr lang="en-US" sz="2000" b="1" dirty="0" smtClean="0"/>
-              <a:t>= function() {…}</a:t>
-            </a:r>
+              <a:rPr lang="en-US" sz="2000" b="1" dirty="0"/>
+              <a:t>,  Phone);</a:t>
+            </a:r>
+            <a:endParaRPr lang="en-US" sz="2000" b="1" dirty="0" smtClean="0"/>
           </a:p>
         </p:txBody>
       </p:sp>
     </p:spTree>
+    <p:extLst>
+      <p:ext uri="{BB962C8B-B14F-4D97-AF65-F5344CB8AC3E}">
+        <p14:creationId xmlns:p14="http://schemas.microsoft.com/office/powerpoint/2010/main" val="1453989677"/>
+      </p:ext>
+    </p:extLst>
   </p:cSld>
   <p:clrMapOvr>
     <a:masterClrMapping/>
@@ -29056,7 +29148,13 @@
           <p:cNvGraphicFramePr>
             <a:graphicFrameLocks noGrp="1"/>
           </p:cNvGraphicFramePr>
-          <p:nvPr/>
+          <p:nvPr>
+            <p:extLst>
+              <p:ext uri="{D42A27DB-BD31-4B8C-83A1-F6EECF244321}">
+                <p14:modId xmlns:p14="http://schemas.microsoft.com/office/powerpoint/2010/main" val="1441090832"/>
+              </p:ext>
+            </p:extLst>
+          </p:nvPr>
         </p:nvGraphicFramePr>
         <p:xfrm>
           <a:off x="285720" y="571480"/>
@@ -29136,7 +29234,13 @@
           <p:cNvGraphicFramePr>
             <a:graphicFrameLocks noGrp="1"/>
           </p:cNvGraphicFramePr>
-          <p:nvPr/>
+          <p:nvPr>
+            <p:extLst>
+              <p:ext uri="{D42A27DB-BD31-4B8C-83A1-F6EECF244321}">
+                <p14:modId xmlns:p14="http://schemas.microsoft.com/office/powerpoint/2010/main" val="4005395641"/>
+              </p:ext>
+            </p:extLst>
+          </p:nvPr>
         </p:nvGraphicFramePr>
         <p:xfrm>
           <a:off x="3357554" y="571480"/>
@@ -29190,7 +29294,11 @@
                     <a:lstStyle/>
                     <a:p>
                       <a:r>
-                        <a:rPr lang="en-US" dirty="0" err="1" smtClean="0"/>
+                        <a:rPr lang="en-US" dirty="0" err="1" smtClean="0">
+                          <a:solidFill>
+                            <a:srgbClr val="FF0000"/>
+                          </a:solidFill>
+                        </a:rPr>
                         <a:t>makeCall</a:t>
                       </a:r>
                       <a:r>
@@ -29537,7 +29645,13 @@
           <p:cNvGraphicFramePr>
             <a:graphicFrameLocks noGrp="1"/>
           </p:cNvGraphicFramePr>
-          <p:nvPr/>
+          <p:nvPr>
+            <p:extLst>
+              <p:ext uri="{D42A27DB-BD31-4B8C-83A1-F6EECF244321}">
+                <p14:modId xmlns:p14="http://schemas.microsoft.com/office/powerpoint/2010/main" val="600908766"/>
+              </p:ext>
+            </p:extLst>
+          </p:nvPr>
         </p:nvGraphicFramePr>
         <p:xfrm>
           <a:off x="6000760" y="571480"/>
@@ -29576,7 +29690,11 @@
                     <a:lstStyle/>
                     <a:p>
                       <a:r>
-                        <a:rPr lang="en-US" dirty="0" err="1" smtClean="0"/>
+                        <a:rPr lang="en-US" dirty="0" err="1" smtClean="0">
+                          <a:solidFill>
+                            <a:srgbClr val="FF0000"/>
+                          </a:solidFill>
+                        </a:rPr>
                         <a:t>makeCall</a:t>
                       </a:r>
                       <a:r>
@@ -30619,24 +30737,10 @@
           <a:lstStyle/>
           <a:p>
             <a:r>
-              <a:rPr lang="ru-RU" b="1" dirty="0" smtClean="0">
-                <a:solidFill>
-                  <a:schemeClr val="tx1">
-                    <a:lumMod val="65000"/>
-                    <a:lumOff val="35000"/>
-                  </a:schemeClr>
-                </a:solidFill>
-              </a:rPr>
-              <a:t>Классы примеси</a:t>
-            </a:r>
-            <a:endParaRPr lang="en-US" b="1" dirty="0">
-              <a:solidFill>
-                <a:schemeClr val="tx1">
-                  <a:lumMod val="65000"/>
-                  <a:lumOff val="35000"/>
-                </a:schemeClr>
-              </a:solidFill>
-            </a:endParaRPr>
+              <a:rPr lang="en-US" b="1" dirty="0" err="1" smtClean="0"/>
+              <a:t>Mixins</a:t>
+            </a:r>
+            <a:endParaRPr lang="en-US" b="1" dirty="0"/>
           </a:p>
         </p:txBody>
       </p:sp>
@@ -31320,7 +31424,7 @@
         <p:spPr>
           <a:xfrm>
             <a:off x="467544" y="332656"/>
-            <a:ext cx="5105308" cy="369332"/>
+            <a:ext cx="8000075" cy="523220"/>
           </a:xfrm>
           <a:prstGeom prst="rect">
             <a:avLst/>
@@ -31333,15 +31437,43 @@
           <a:lstStyle/>
           <a:p>
             <a:r>
-              <a:rPr lang="en-US" dirty="0"/>
+              <a:rPr lang="en-US" sz="2800" b="1" dirty="0">
+                <a:latin typeface="+mj-lt"/>
+                <a:ea typeface="+mj-ea"/>
+                <a:cs typeface="+mj-cs"/>
+              </a:rPr>
               <a:t>Prefer </a:t>
             </a:r>
             <a:r>
-              <a:rPr lang="en-US" dirty="0" smtClean="0"/>
-              <a:t>containment (composition) over </a:t>
-            </a:r>
-            <a:r>
-              <a:rPr lang="en-US" dirty="0"/>
+              <a:rPr lang="en-US" sz="2800" b="1" dirty="0">
+                <a:latin typeface="+mj-lt"/>
+                <a:ea typeface="+mj-ea"/>
+                <a:cs typeface="+mj-cs"/>
+              </a:rPr>
+              <a:t>containment (</a:t>
+            </a:r>
+            <a:r>
+              <a:rPr lang="en-US" sz="2800" b="1" dirty="0">
+                <a:latin typeface="+mj-lt"/>
+                <a:ea typeface="+mj-ea"/>
+                <a:cs typeface="+mj-cs"/>
+              </a:rPr>
+              <a:t>composition</a:t>
+            </a:r>
+            <a:r>
+              <a:rPr lang="en-US" sz="2800" b="1" dirty="0">
+                <a:latin typeface="+mj-lt"/>
+                <a:ea typeface="+mj-ea"/>
+                <a:cs typeface="+mj-cs"/>
+              </a:rPr>
+              <a:t>) over </a:t>
+            </a:r>
+            <a:r>
+              <a:rPr lang="en-US" sz="2800" b="1" dirty="0">
+                <a:latin typeface="+mj-lt"/>
+                <a:ea typeface="+mj-ea"/>
+                <a:cs typeface="+mj-cs"/>
+              </a:rPr>
               <a:t>inheritance? </a:t>
             </a:r>
           </a:p>
@@ -31355,7 +31487,7 @@
         </p:nvSpPr>
         <p:spPr>
           <a:xfrm>
-            <a:off x="467544" y="1052736"/>
+            <a:off x="467544" y="1196752"/>
             <a:ext cx="8856984" cy="2031325"/>
           </a:xfrm>
           <a:prstGeom prst="rect">
@@ -31437,6 +31569,13 @@
   <p:clrMapOvr>
     <a:masterClrMapping/>
   </p:clrMapOvr>
+  <p:timing>
+    <p:tnLst>
+      <p:par>
+        <p:cTn id="1" dur="indefinite" restart="never" nodeType="tmRoot"/>
+      </p:par>
+    </p:tnLst>
+  </p:timing>
 </p:sld>
 </file>
 
@@ -35374,6 +35513,13 @@
   <p:clrMapOvr>
     <a:masterClrMapping/>
   </p:clrMapOvr>
+  <p:timing>
+    <p:tnLst>
+      <p:par>
+        <p:cTn id="1" dur="indefinite" restart="never" nodeType="tmRoot"/>
+      </p:par>
+    </p:tnLst>
+  </p:timing>
 </p:sld>
 </file>
 

--- a/inheritance-in-javascript/Inheritance.pptx
+++ b/inheritance-in-javascript/Inheritance.pptx
@@ -5,7 +5,7 @@
     <p:sldMasterId id="2147483936" r:id="rId1"/>
   </p:sldMasterIdLst>
   <p:notesMasterIdLst>
-    <p:notesMasterId r:id="rId50"/>
+    <p:notesMasterId r:id="rId49"/>
   </p:notesMasterIdLst>
   <p:sldIdLst>
     <p:sldId id="346" r:id="rId2"/>
@@ -35,27 +35,26 @@
     <p:sldId id="388" r:id="rId26"/>
     <p:sldId id="389" r:id="rId27"/>
     <p:sldId id="390" r:id="rId28"/>
-    <p:sldId id="357" r:id="rId29"/>
-    <p:sldId id="365" r:id="rId30"/>
-    <p:sldId id="360" r:id="rId31"/>
-    <p:sldId id="335" r:id="rId32"/>
-    <p:sldId id="336" r:id="rId33"/>
-    <p:sldId id="337" r:id="rId34"/>
-    <p:sldId id="338" r:id="rId35"/>
-    <p:sldId id="339" r:id="rId36"/>
-    <p:sldId id="340" r:id="rId37"/>
-    <p:sldId id="341" r:id="rId38"/>
-    <p:sldId id="401" r:id="rId39"/>
-    <p:sldId id="402" r:id="rId40"/>
-    <p:sldId id="355" r:id="rId41"/>
-    <p:sldId id="343" r:id="rId42"/>
-    <p:sldId id="356" r:id="rId43"/>
-    <p:sldId id="362" r:id="rId44"/>
-    <p:sldId id="344" r:id="rId45"/>
-    <p:sldId id="345" r:id="rId46"/>
-    <p:sldId id="308" r:id="rId47"/>
-    <p:sldId id="299" r:id="rId48"/>
-    <p:sldId id="400" r:id="rId49"/>
+    <p:sldId id="365" r:id="rId29"/>
+    <p:sldId id="360" r:id="rId30"/>
+    <p:sldId id="335" r:id="rId31"/>
+    <p:sldId id="336" r:id="rId32"/>
+    <p:sldId id="337" r:id="rId33"/>
+    <p:sldId id="338" r:id="rId34"/>
+    <p:sldId id="339" r:id="rId35"/>
+    <p:sldId id="340" r:id="rId36"/>
+    <p:sldId id="341" r:id="rId37"/>
+    <p:sldId id="401" r:id="rId38"/>
+    <p:sldId id="402" r:id="rId39"/>
+    <p:sldId id="355" r:id="rId40"/>
+    <p:sldId id="343" r:id="rId41"/>
+    <p:sldId id="356" r:id="rId42"/>
+    <p:sldId id="362" r:id="rId43"/>
+    <p:sldId id="344" r:id="rId44"/>
+    <p:sldId id="345" r:id="rId45"/>
+    <p:sldId id="308" r:id="rId46"/>
+    <p:sldId id="299" r:id="rId47"/>
+    <p:sldId id="400" r:id="rId48"/>
   </p:sldIdLst>
   <p:sldSz cx="9144000" cy="6858000" type="screen4x3"/>
   <p:notesSz cx="6858000" cy="9144000"/>
@@ -13239,11 +13238,6 @@
               </a:rPr>
               <a:t>('foo')  // ???</a:t>
             </a:r>
-            <a:endParaRPr lang="en-US" altLang="en-US" sz="2000" b="1" dirty="0">
-              <a:solidFill>
-                <a:schemeClr val="dk1"/>
-              </a:solidFill>
-            </a:endParaRPr>
           </a:p>
         </p:txBody>
       </p:sp>
@@ -13378,14 +13372,6 @@
               </a:rPr>
               <a:t> = { </a:t>
             </a:r>
-            <a:r>
-              <a:rPr lang="en-US" sz="2000" b="1" dirty="0">
-                <a:solidFill>
-                  <a:schemeClr val="dk1"/>
-                </a:solidFill>
-              </a:rPr>
-              <a:t/>
-            </a:r>
             <a:br>
               <a:rPr lang="en-US" sz="2000" b="1" dirty="0">
                 <a:solidFill>
@@ -13399,23 +13385,7 @@
                   <a:schemeClr val="dk1"/>
                 </a:solidFill>
               </a:rPr>
-              <a:t>	get </a:t>
-            </a:r>
-            <a:r>
-              <a:rPr lang="en-US" sz="2000" b="1" dirty="0">
-                <a:solidFill>
-                  <a:schemeClr val="dk1"/>
-                </a:solidFill>
-              </a:rPr>
-              <a:t>foo() { </a:t>
-            </a:r>
-            <a:r>
-              <a:rPr lang="en-US" sz="2000" b="1" dirty="0">
-                <a:solidFill>
-                  <a:schemeClr val="dk1"/>
-                </a:solidFill>
-              </a:rPr>
-              <a:t/>
+              <a:t>	get foo() { </a:t>
             </a:r>
             <a:br>
               <a:rPr lang="en-US" sz="2000" b="1" dirty="0">
@@ -13430,23 +13400,7 @@
                   <a:schemeClr val="dk1"/>
                 </a:solidFill>
               </a:rPr>
-              <a:t>		console.log</a:t>
-            </a:r>
-            <a:r>
-              <a:rPr lang="en-US" sz="2000" b="1" dirty="0">
-                <a:solidFill>
-                  <a:schemeClr val="dk1"/>
-                </a:solidFill>
-              </a:rPr>
-              <a:t>('function call'); </a:t>
-            </a:r>
-            <a:r>
-              <a:rPr lang="en-US" sz="2000" b="1" dirty="0">
-                <a:solidFill>
-                  <a:schemeClr val="dk1"/>
-                </a:solidFill>
-              </a:rPr>
-              <a:t/>
+              <a:t>		console.log('function call'); </a:t>
             </a:r>
             <a:br>
               <a:rPr lang="en-US" sz="2000" b="1" dirty="0">
@@ -13514,15 +13468,7 @@
                   <a:schemeClr val="dk1"/>
                 </a:solidFill>
               </a:rPr>
-              <a:t>; // call a function </a:t>
-            </a:r>
-            <a:r>
-              <a:rPr lang="en-US" sz="2000" b="1" dirty="0">
-                <a:solidFill>
-                  <a:schemeClr val="dk1"/>
-                </a:solidFill>
-              </a:rPr>
-              <a:t>without parenthesis</a:t>
+              <a:t>; // call a function without parenthesis</a:t>
             </a:r>
           </a:p>
         </p:txBody>
@@ -20019,69 +19965,6 @@
           <a:chExt cx="0" cy="0"/>
         </a:xfrm>
       </p:grpSpPr>
-      <p:sp>
-        <p:nvSpPr>
-          <p:cNvPr id="5" name="TextBox 4"/>
-          <p:cNvSpPr txBox="1"/>
-          <p:nvPr/>
-        </p:nvSpPr>
-        <p:spPr>
-          <a:xfrm>
-            <a:off x="2357422" y="2643182"/>
-            <a:ext cx="5141600" cy="707886"/>
-          </a:xfrm>
-          <a:prstGeom prst="rect">
-            <a:avLst/>
-          </a:prstGeom>
-          <a:noFill/>
-        </p:spPr>
-        <p:txBody>
-          <a:bodyPr wrap="none" rtlCol="0">
-            <a:spAutoFit/>
-          </a:bodyPr>
-          <a:lstStyle/>
-          <a:p>
-            <a:r>
-              <a:rPr lang="en-US" sz="4000" dirty="0" smtClean="0"/>
-              <a:t>memory usage example</a:t>
-            </a:r>
-            <a:endParaRPr lang="en-US" sz="4000" dirty="0"/>
-          </a:p>
-        </p:txBody>
-      </p:sp>
-    </p:spTree>
-  </p:cSld>
-  <p:clrMapOvr>
-    <a:masterClrMapping/>
-  </p:clrMapOvr>
-  <p:transition/>
-  <p:timing>
-    <p:tnLst>
-      <p:par>
-        <p:cTn id="1" dur="indefinite" restart="never" nodeType="tmRoot"/>
-      </p:par>
-    </p:tnLst>
-  </p:timing>
-</p:sld>
-</file>
-
-<file path=ppt/slides/slide29.xml><?xml version="1.0" encoding="utf-8"?>
-<p:sld xmlns:a="http://schemas.openxmlformats.org/drawingml/2006/main" xmlns:r="http://schemas.openxmlformats.org/officeDocument/2006/relationships" xmlns:p="http://schemas.openxmlformats.org/presentationml/2006/main">
-  <p:cSld>
-    <p:spTree>
-      <p:nvGrpSpPr>
-        <p:cNvPr id="1" name=""/>
-        <p:cNvGrpSpPr/>
-        <p:nvPr/>
-      </p:nvGrpSpPr>
-      <p:grpSpPr>
-        <a:xfrm>
-          <a:off x="0" y="0"/>
-          <a:ext cx="0" cy="0"/>
-          <a:chOff x="0" y="0"/>
-          <a:chExt cx="0" cy="0"/>
-        </a:xfrm>
-      </p:grpSpPr>
       <p:pic>
         <p:nvPicPr>
           <p:cNvPr id="1026" name="Picture 2"/>
@@ -20178,6 +20061,76 @@
     <p:extLst>
       <p:ext uri="{BB962C8B-B14F-4D97-AF65-F5344CB8AC3E}">
         <p14:creationId xmlns:p14="http://schemas.microsoft.com/office/powerpoint/2010/main" val="3869439674"/>
+      </p:ext>
+    </p:extLst>
+  </p:cSld>
+  <p:clrMapOvr>
+    <a:masterClrMapping/>
+  </p:clrMapOvr>
+  <p:transition/>
+  <p:timing>
+    <p:tnLst>
+      <p:par>
+        <p:cTn id="1" dur="indefinite" restart="never" nodeType="tmRoot"/>
+      </p:par>
+    </p:tnLst>
+  </p:timing>
+</p:sld>
+</file>
+
+<file path=ppt/slides/slide29.xml><?xml version="1.0" encoding="utf-8"?>
+<p:sld xmlns:a="http://schemas.openxmlformats.org/drawingml/2006/main" xmlns:r="http://schemas.openxmlformats.org/officeDocument/2006/relationships" xmlns:p="http://schemas.openxmlformats.org/presentationml/2006/main">
+  <p:cSld>
+    <p:spTree>
+      <p:nvGrpSpPr>
+        <p:cNvPr id="1" name=""/>
+        <p:cNvGrpSpPr/>
+        <p:nvPr/>
+      </p:nvGrpSpPr>
+      <p:grpSpPr>
+        <a:xfrm>
+          <a:off x="0" y="0"/>
+          <a:ext cx="0" cy="0"/>
+          <a:chOff x="0" y="0"/>
+          <a:chExt cx="0" cy="0"/>
+        </a:xfrm>
+      </p:grpSpPr>
+      <p:sp>
+        <p:nvSpPr>
+          <p:cNvPr id="5" name="TextBox 4"/>
+          <p:cNvSpPr txBox="1"/>
+          <p:nvPr/>
+        </p:nvSpPr>
+        <p:spPr>
+          <a:xfrm>
+            <a:off x="1619672" y="2671930"/>
+            <a:ext cx="6865406" cy="523220"/>
+          </a:xfrm>
+          <a:prstGeom prst="rect">
+            <a:avLst/>
+          </a:prstGeom>
+          <a:noFill/>
+        </p:spPr>
+        <p:txBody>
+          <a:bodyPr wrap="none" rtlCol="0">
+            <a:spAutoFit/>
+          </a:bodyPr>
+          <a:lstStyle/>
+          <a:p>
+            <a:r>
+              <a:rPr lang="en-US" sz="2800" dirty="0">
+                <a:hlinkClick r:id="rId2"/>
+              </a:rPr>
+              <a:t>http://habrahabr.ru/blogs/javascript/108915/</a:t>
+            </a:r>
+            <a:endParaRPr lang="en-US" sz="2800" dirty="0"/>
+          </a:p>
+        </p:txBody>
+      </p:sp>
+    </p:spTree>
+    <p:extLst>
+      <p:ext uri="{BB962C8B-B14F-4D97-AF65-F5344CB8AC3E}">
+        <p14:creationId xmlns:p14="http://schemas.microsoft.com/office/powerpoint/2010/main" val="2671372531"/>
       </p:ext>
     </p:extLst>
   </p:cSld>
@@ -20426,76 +20379,6 @@
       </p:grpSpPr>
       <p:sp>
         <p:nvSpPr>
-          <p:cNvPr id="5" name="TextBox 4"/>
-          <p:cNvSpPr txBox="1"/>
-          <p:nvPr/>
-        </p:nvSpPr>
-        <p:spPr>
-          <a:xfrm>
-            <a:off x="1619672" y="2671930"/>
-            <a:ext cx="6865406" cy="523220"/>
-          </a:xfrm>
-          <a:prstGeom prst="rect">
-            <a:avLst/>
-          </a:prstGeom>
-          <a:noFill/>
-        </p:spPr>
-        <p:txBody>
-          <a:bodyPr wrap="none" rtlCol="0">
-            <a:spAutoFit/>
-          </a:bodyPr>
-          <a:lstStyle/>
-          <a:p>
-            <a:r>
-              <a:rPr lang="en-US" sz="2800" dirty="0">
-                <a:hlinkClick r:id="rId2"/>
-              </a:rPr>
-              <a:t>http://habrahabr.ru/blogs/javascript/108915/</a:t>
-            </a:r>
-            <a:endParaRPr lang="en-US" sz="2800" dirty="0"/>
-          </a:p>
-        </p:txBody>
-      </p:sp>
-    </p:spTree>
-    <p:extLst>
-      <p:ext uri="{BB962C8B-B14F-4D97-AF65-F5344CB8AC3E}">
-        <p14:creationId xmlns:p14="http://schemas.microsoft.com/office/powerpoint/2010/main" val="2671372531"/>
-      </p:ext>
-    </p:extLst>
-  </p:cSld>
-  <p:clrMapOvr>
-    <a:masterClrMapping/>
-  </p:clrMapOvr>
-  <p:transition/>
-  <p:timing>
-    <p:tnLst>
-      <p:par>
-        <p:cTn id="1" dur="indefinite" restart="never" nodeType="tmRoot"/>
-      </p:par>
-    </p:tnLst>
-  </p:timing>
-</p:sld>
-</file>
-
-<file path=ppt/slides/slide31.xml><?xml version="1.0" encoding="utf-8"?>
-<p:sld xmlns:a="http://schemas.openxmlformats.org/drawingml/2006/main" xmlns:r="http://schemas.openxmlformats.org/officeDocument/2006/relationships" xmlns:p="http://schemas.openxmlformats.org/presentationml/2006/main">
-  <p:cSld>
-    <p:spTree>
-      <p:nvGrpSpPr>
-        <p:cNvPr id="1" name=""/>
-        <p:cNvGrpSpPr/>
-        <p:nvPr/>
-      </p:nvGrpSpPr>
-      <p:grpSpPr>
-        <a:xfrm>
-          <a:off x="0" y="0"/>
-          <a:ext cx="0" cy="0"/>
-          <a:chOff x="0" y="0"/>
-          <a:chExt cx="0" cy="0"/>
-        </a:xfrm>
-      </p:grpSpPr>
-      <p:sp>
-        <p:nvSpPr>
           <p:cNvPr id="2" name="Заголовок 1"/>
           <p:cNvSpPr>
             <a:spLocks noGrp="1"/>
@@ -20555,7 +20438,7 @@
 </p:sld>
 </file>
 
-<file path=ppt/slides/slide32.xml><?xml version="1.0" encoding="utf-8"?>
+<file path=ppt/slides/slide31.xml><?xml version="1.0" encoding="utf-8"?>
 <p:sld xmlns:a="http://schemas.openxmlformats.org/drawingml/2006/main" xmlns:r="http://schemas.openxmlformats.org/officeDocument/2006/relationships" xmlns:p="http://schemas.openxmlformats.org/presentationml/2006/main">
   <p:cSld>
     <p:spTree>
@@ -21096,7 +20979,7 @@
 </p:sld>
 </file>
 
-<file path=ppt/slides/slide33.xml><?xml version="1.0" encoding="utf-8"?>
+<file path=ppt/slides/slide32.xml><?xml version="1.0" encoding="utf-8"?>
 <p:sld xmlns:a="http://schemas.openxmlformats.org/drawingml/2006/main" xmlns:r="http://schemas.openxmlformats.org/officeDocument/2006/relationships" xmlns:p="http://schemas.openxmlformats.org/presentationml/2006/main">
   <p:cSld>
     <p:spTree>
@@ -21525,7 +21408,7 @@
 </p:sld>
 </file>
 
-<file path=ppt/slides/slide34.xml><?xml version="1.0" encoding="utf-8"?>
+<file path=ppt/slides/slide33.xml><?xml version="1.0" encoding="utf-8"?>
 <p:sld xmlns:a="http://schemas.openxmlformats.org/drawingml/2006/main" xmlns:r="http://schemas.openxmlformats.org/officeDocument/2006/relationships" xmlns:p="http://schemas.openxmlformats.org/presentationml/2006/main">
   <p:cSld>
     <p:spTree>
@@ -22099,7 +21982,7 @@
 </p:sld>
 </file>
 
-<file path=ppt/slides/slide35.xml><?xml version="1.0" encoding="utf-8"?>
+<file path=ppt/slides/slide34.xml><?xml version="1.0" encoding="utf-8"?>
 <p:sld xmlns:a="http://schemas.openxmlformats.org/drawingml/2006/main" xmlns:r="http://schemas.openxmlformats.org/officeDocument/2006/relationships" xmlns:p="http://schemas.openxmlformats.org/presentationml/2006/main">
   <p:cSld>
     <p:spTree>
@@ -23601,7 +23484,7 @@
 </p:sld>
 </file>
 
-<file path=ppt/slides/slide36.xml><?xml version="1.0" encoding="utf-8"?>
+<file path=ppt/slides/slide35.xml><?xml version="1.0" encoding="utf-8"?>
 <p:sld xmlns:a="http://schemas.openxmlformats.org/drawingml/2006/main" xmlns:r="http://schemas.openxmlformats.org/officeDocument/2006/relationships" xmlns:p="http://schemas.openxmlformats.org/presentationml/2006/main">
   <p:cSld>
     <p:spTree>
@@ -25085,7 +24968,7 @@
 </p:sld>
 </file>
 
-<file path=ppt/slides/slide37.xml><?xml version="1.0" encoding="utf-8"?>
+<file path=ppt/slides/slide36.xml><?xml version="1.0" encoding="utf-8"?>
 <p:sld xmlns:a="http://schemas.openxmlformats.org/drawingml/2006/main" xmlns:r="http://schemas.openxmlformats.org/officeDocument/2006/relationships" xmlns:p="http://schemas.openxmlformats.org/presentationml/2006/main">
   <p:cSld>
     <p:spTree>
@@ -27001,6 +26884,233 @@
 </p:sld>
 </file>
 
+<file path=ppt/slides/slide37.xml><?xml version="1.0" encoding="utf-8"?>
+<p:sld xmlns:a="http://schemas.openxmlformats.org/drawingml/2006/main" xmlns:r="http://schemas.openxmlformats.org/officeDocument/2006/relationships" xmlns:p="http://schemas.openxmlformats.org/presentationml/2006/main">
+  <p:cSld>
+    <p:spTree>
+      <p:nvGrpSpPr>
+        <p:cNvPr id="1" name=""/>
+        <p:cNvGrpSpPr/>
+        <p:nvPr/>
+      </p:nvGrpSpPr>
+      <p:grpSpPr>
+        <a:xfrm>
+          <a:off x="0" y="0"/>
+          <a:ext cx="0" cy="0"/>
+          <a:chOff x="0" y="0"/>
+          <a:chExt cx="0" cy="0"/>
+        </a:xfrm>
+      </p:grpSpPr>
+      <p:sp>
+        <p:nvSpPr>
+          <p:cNvPr id="2" name="Заголовок 1"/>
+          <p:cNvSpPr>
+            <a:spLocks noGrp="1"/>
+          </p:cNvSpPr>
+          <p:nvPr>
+            <p:ph type="ctrTitle"/>
+          </p:nvPr>
+        </p:nvSpPr>
+        <p:spPr>
+          <a:xfrm>
+            <a:off x="642910" y="142852"/>
+            <a:ext cx="7772400" cy="528640"/>
+          </a:xfrm>
+        </p:spPr>
+        <p:txBody>
+          <a:bodyPr>
+            <a:normAutofit fontScale="90000"/>
+          </a:bodyPr>
+          <a:lstStyle/>
+          <a:p>
+            <a:r>
+              <a:rPr lang="en-US" b="1" dirty="0" smtClean="0">
+                <a:solidFill>
+                  <a:schemeClr val="accent2"/>
+                </a:solidFill>
+              </a:rPr>
+              <a:t>ES5 Extend</a:t>
+            </a:r>
+            <a:r>
+              <a:rPr lang="en-US" b="1" dirty="0" smtClean="0">
+                <a:solidFill>
+                  <a:schemeClr val="tx1">
+                    <a:lumMod val="65000"/>
+                    <a:lumOff val="35000"/>
+                  </a:schemeClr>
+                </a:solidFill>
+              </a:rPr>
+              <a:t> function</a:t>
+            </a:r>
+            <a:endParaRPr lang="en-US" b="1" dirty="0">
+              <a:solidFill>
+                <a:schemeClr val="tx1">
+                  <a:lumMod val="65000"/>
+                  <a:lumOff val="35000"/>
+                </a:schemeClr>
+              </a:solidFill>
+            </a:endParaRPr>
+          </a:p>
+        </p:txBody>
+      </p:sp>
+      <p:sp>
+        <p:nvSpPr>
+          <p:cNvPr id="20" name="Rectangle 19"/>
+          <p:cNvSpPr/>
+          <p:nvPr/>
+        </p:nvSpPr>
+        <p:spPr>
+          <a:xfrm>
+            <a:off x="857224" y="928670"/>
+            <a:ext cx="7715304" cy="1938992"/>
+          </a:xfrm>
+          <a:prstGeom prst="rect">
+            <a:avLst/>
+          </a:prstGeom>
+        </p:spPr>
+        <p:style>
+          <a:lnRef idx="1">
+            <a:schemeClr val="dk1"/>
+          </a:lnRef>
+          <a:fillRef idx="1001">
+            <a:schemeClr val="lt2"/>
+          </a:fillRef>
+          <a:effectRef idx="1">
+            <a:schemeClr val="dk1"/>
+          </a:effectRef>
+          <a:fontRef idx="minor">
+            <a:schemeClr val="dk1"/>
+          </a:fontRef>
+        </p:style>
+        <p:txBody>
+          <a:bodyPr wrap="square">
+            <a:spAutoFit/>
+          </a:bodyPr>
+          <a:lstStyle/>
+          <a:p>
+            <a:r>
+              <a:rPr lang="en-US" sz="2000" b="1" dirty="0" smtClean="0"/>
+              <a:t>function extend(</a:t>
+            </a:r>
+            <a:r>
+              <a:rPr lang="en-US" sz="2000" b="1" dirty="0" err="1" smtClean="0"/>
+              <a:t>MobilePhone</a:t>
+            </a:r>
+            <a:r>
+              <a:rPr lang="en-US" sz="2000" b="1" dirty="0" smtClean="0"/>
+              <a:t>, Phone) {</a:t>
+            </a:r>
+          </a:p>
+          <a:p>
+            <a:r>
+              <a:rPr lang="en-US" sz="2000" b="1" dirty="0" smtClean="0"/>
+              <a:t>	</a:t>
+            </a:r>
+            <a:r>
+              <a:rPr lang="en-US" sz="2000" b="1" dirty="0" err="1" smtClean="0"/>
+              <a:t>MobilePhone.prototype</a:t>
+            </a:r>
+            <a:r>
+              <a:rPr lang="en-US" sz="2000" b="1" dirty="0" smtClean="0"/>
+              <a:t> = </a:t>
+            </a:r>
+            <a:r>
+              <a:rPr lang="en-US" sz="2000" b="1" dirty="0" err="1" smtClean="0">
+                <a:solidFill>
+                  <a:srgbClr val="FF0000"/>
+                </a:solidFill>
+              </a:rPr>
+              <a:t>Object.create</a:t>
+            </a:r>
+            <a:r>
+              <a:rPr lang="en-US" sz="2000" b="1" dirty="0" smtClean="0"/>
+              <a:t>(</a:t>
+            </a:r>
+            <a:r>
+              <a:rPr lang="en-US" sz="2000" b="1" dirty="0" err="1" smtClean="0"/>
+              <a:t>Phone.prototype</a:t>
+            </a:r>
+            <a:r>
+              <a:rPr lang="en-US" sz="2000" b="1" dirty="0" smtClean="0"/>
+              <a:t>);</a:t>
+            </a:r>
+          </a:p>
+          <a:p>
+            <a:endParaRPr lang="en-US" sz="2000" b="1" dirty="0" smtClean="0"/>
+          </a:p>
+          <a:p>
+            <a:r>
+              <a:rPr lang="en-US" sz="2000" b="1" dirty="0" smtClean="0"/>
+              <a:t>	</a:t>
+            </a:r>
+            <a:r>
+              <a:rPr lang="en-US" sz="2000" b="1" dirty="0" err="1" smtClean="0"/>
+              <a:t>MobilePhone.prototype.constructor</a:t>
+            </a:r>
+            <a:r>
+              <a:rPr lang="en-US" sz="2000" b="1" dirty="0" smtClean="0"/>
+              <a:t> = </a:t>
+            </a:r>
+            <a:r>
+              <a:rPr lang="en-US" sz="2000" b="1" dirty="0" err="1" smtClean="0"/>
+              <a:t>MobilePhone</a:t>
+            </a:r>
+            <a:r>
+              <a:rPr lang="en-US" sz="2000" b="1" dirty="0" smtClean="0"/>
+              <a:t>;</a:t>
+            </a:r>
+          </a:p>
+          <a:p>
+            <a:r>
+              <a:rPr lang="en-US" sz="2000" b="1" dirty="0" smtClean="0"/>
+              <a:t>	</a:t>
+            </a:r>
+            <a:r>
+              <a:rPr lang="en-US" sz="2000" b="1" dirty="0" err="1" smtClean="0"/>
+              <a:t>MobilePhone.superclass</a:t>
+            </a:r>
+            <a:r>
+              <a:rPr lang="en-US" sz="2000" b="1" dirty="0" smtClean="0"/>
+              <a:t> = </a:t>
+            </a:r>
+            <a:r>
+              <a:rPr lang="en-US" sz="2000" b="1" dirty="0" err="1" smtClean="0"/>
+              <a:t>Phone.prototype</a:t>
+            </a:r>
+            <a:r>
+              <a:rPr lang="en-US" sz="2000" b="1" dirty="0" smtClean="0"/>
+              <a:t>;</a:t>
+            </a:r>
+          </a:p>
+          <a:p>
+            <a:r>
+              <a:rPr lang="en-US" sz="2000" b="1" dirty="0" smtClean="0"/>
+              <a:t>}</a:t>
+            </a:r>
+          </a:p>
+        </p:txBody>
+      </p:sp>
+    </p:spTree>
+    <p:extLst>
+      <p:ext uri="{BB962C8B-B14F-4D97-AF65-F5344CB8AC3E}">
+        <p14:creationId xmlns:p14="http://schemas.microsoft.com/office/powerpoint/2010/main" val="1918834606"/>
+      </p:ext>
+    </p:extLst>
+  </p:cSld>
+  <p:clrMapOvr>
+    <a:masterClrMapping/>
+  </p:clrMapOvr>
+  <p:transition/>
+  <p:timing>
+    <p:tnLst>
+      <p:par>
+        <p:cTn id="1" dur="indefinite" restart="never" nodeType="tmRoot"/>
+      </p:par>
+    </p:tnLst>
+  </p:timing>
+</p:sld>
+</file>
+
 <file path=ppt/slides/slide38.xml><?xml version="1.0" encoding="utf-8"?>
 <p:sld xmlns:a="http://schemas.openxmlformats.org/drawingml/2006/main" xmlns:r="http://schemas.openxmlformats.org/officeDocument/2006/relationships" xmlns:p="http://schemas.openxmlformats.org/presentationml/2006/main">
   <p:cSld>
@@ -27041,233 +27151,6 @@
           <a:lstStyle/>
           <a:p>
             <a:r>
-              <a:rPr lang="en-US" b="1" dirty="0" smtClean="0">
-                <a:solidFill>
-                  <a:schemeClr val="accent2"/>
-                </a:solidFill>
-              </a:rPr>
-              <a:t>ES5 Extend</a:t>
-            </a:r>
-            <a:r>
-              <a:rPr lang="en-US" b="1" dirty="0" smtClean="0">
-                <a:solidFill>
-                  <a:schemeClr val="tx1">
-                    <a:lumMod val="65000"/>
-                    <a:lumOff val="35000"/>
-                  </a:schemeClr>
-                </a:solidFill>
-              </a:rPr>
-              <a:t> function</a:t>
-            </a:r>
-            <a:endParaRPr lang="en-US" b="1" dirty="0">
-              <a:solidFill>
-                <a:schemeClr val="tx1">
-                  <a:lumMod val="65000"/>
-                  <a:lumOff val="35000"/>
-                </a:schemeClr>
-              </a:solidFill>
-            </a:endParaRPr>
-          </a:p>
-        </p:txBody>
-      </p:sp>
-      <p:sp>
-        <p:nvSpPr>
-          <p:cNvPr id="20" name="Rectangle 19"/>
-          <p:cNvSpPr/>
-          <p:nvPr/>
-        </p:nvSpPr>
-        <p:spPr>
-          <a:xfrm>
-            <a:off x="857224" y="928670"/>
-            <a:ext cx="7715304" cy="1938992"/>
-          </a:xfrm>
-          <a:prstGeom prst="rect">
-            <a:avLst/>
-          </a:prstGeom>
-        </p:spPr>
-        <p:style>
-          <a:lnRef idx="1">
-            <a:schemeClr val="dk1"/>
-          </a:lnRef>
-          <a:fillRef idx="1001">
-            <a:schemeClr val="lt2"/>
-          </a:fillRef>
-          <a:effectRef idx="1">
-            <a:schemeClr val="dk1"/>
-          </a:effectRef>
-          <a:fontRef idx="minor">
-            <a:schemeClr val="dk1"/>
-          </a:fontRef>
-        </p:style>
-        <p:txBody>
-          <a:bodyPr wrap="square">
-            <a:spAutoFit/>
-          </a:bodyPr>
-          <a:lstStyle/>
-          <a:p>
-            <a:r>
-              <a:rPr lang="en-US" sz="2000" b="1" dirty="0" smtClean="0"/>
-              <a:t>function extend(</a:t>
-            </a:r>
-            <a:r>
-              <a:rPr lang="en-US" sz="2000" b="1" dirty="0" err="1" smtClean="0"/>
-              <a:t>MobilePhone</a:t>
-            </a:r>
-            <a:r>
-              <a:rPr lang="en-US" sz="2000" b="1" dirty="0" smtClean="0"/>
-              <a:t>, Phone) {</a:t>
-            </a:r>
-          </a:p>
-          <a:p>
-            <a:r>
-              <a:rPr lang="en-US" sz="2000" b="1" dirty="0" smtClean="0"/>
-              <a:t>	</a:t>
-            </a:r>
-            <a:r>
-              <a:rPr lang="en-US" sz="2000" b="1" dirty="0" err="1" smtClean="0"/>
-              <a:t>MobilePhone.prototype</a:t>
-            </a:r>
-            <a:r>
-              <a:rPr lang="en-US" sz="2000" b="1" dirty="0" smtClean="0"/>
-              <a:t> = </a:t>
-            </a:r>
-            <a:r>
-              <a:rPr lang="en-US" sz="2000" b="1" dirty="0" err="1" smtClean="0">
-                <a:solidFill>
-                  <a:srgbClr val="FF0000"/>
-                </a:solidFill>
-              </a:rPr>
-              <a:t>Object.create</a:t>
-            </a:r>
-            <a:r>
-              <a:rPr lang="en-US" sz="2000" b="1" dirty="0" smtClean="0"/>
-              <a:t>(</a:t>
-            </a:r>
-            <a:r>
-              <a:rPr lang="en-US" sz="2000" b="1" dirty="0" err="1" smtClean="0"/>
-              <a:t>Phone.prototype</a:t>
-            </a:r>
-            <a:r>
-              <a:rPr lang="en-US" sz="2000" b="1" dirty="0" smtClean="0"/>
-              <a:t>);</a:t>
-            </a:r>
-          </a:p>
-          <a:p>
-            <a:endParaRPr lang="en-US" sz="2000" b="1" dirty="0" smtClean="0"/>
-          </a:p>
-          <a:p>
-            <a:r>
-              <a:rPr lang="en-US" sz="2000" b="1" dirty="0" smtClean="0"/>
-              <a:t>	</a:t>
-            </a:r>
-            <a:r>
-              <a:rPr lang="en-US" sz="2000" b="1" dirty="0" err="1" smtClean="0"/>
-              <a:t>MobilePhone.prototype.constructor</a:t>
-            </a:r>
-            <a:r>
-              <a:rPr lang="en-US" sz="2000" b="1" dirty="0" smtClean="0"/>
-              <a:t> = </a:t>
-            </a:r>
-            <a:r>
-              <a:rPr lang="en-US" sz="2000" b="1" dirty="0" err="1" smtClean="0"/>
-              <a:t>MobilePhone</a:t>
-            </a:r>
-            <a:r>
-              <a:rPr lang="en-US" sz="2000" b="1" dirty="0" smtClean="0"/>
-              <a:t>;</a:t>
-            </a:r>
-          </a:p>
-          <a:p>
-            <a:r>
-              <a:rPr lang="en-US" sz="2000" b="1" dirty="0" smtClean="0"/>
-              <a:t>	</a:t>
-            </a:r>
-            <a:r>
-              <a:rPr lang="en-US" sz="2000" b="1" dirty="0" err="1" smtClean="0"/>
-              <a:t>MobilePhone.superclass</a:t>
-            </a:r>
-            <a:r>
-              <a:rPr lang="en-US" sz="2000" b="1" dirty="0" smtClean="0"/>
-              <a:t> = </a:t>
-            </a:r>
-            <a:r>
-              <a:rPr lang="en-US" sz="2000" b="1" dirty="0" err="1" smtClean="0"/>
-              <a:t>Phone.prototype</a:t>
-            </a:r>
-            <a:r>
-              <a:rPr lang="en-US" sz="2000" b="1" dirty="0" smtClean="0"/>
-              <a:t>;</a:t>
-            </a:r>
-          </a:p>
-          <a:p>
-            <a:r>
-              <a:rPr lang="en-US" sz="2000" b="1" dirty="0" smtClean="0"/>
-              <a:t>}</a:t>
-            </a:r>
-          </a:p>
-        </p:txBody>
-      </p:sp>
-    </p:spTree>
-    <p:extLst>
-      <p:ext uri="{BB962C8B-B14F-4D97-AF65-F5344CB8AC3E}">
-        <p14:creationId xmlns:p14="http://schemas.microsoft.com/office/powerpoint/2010/main" val="1918834606"/>
-      </p:ext>
-    </p:extLst>
-  </p:cSld>
-  <p:clrMapOvr>
-    <a:masterClrMapping/>
-  </p:clrMapOvr>
-  <p:transition/>
-  <p:timing>
-    <p:tnLst>
-      <p:par>
-        <p:cTn id="1" dur="indefinite" restart="never" nodeType="tmRoot"/>
-      </p:par>
-    </p:tnLst>
-  </p:timing>
-</p:sld>
-</file>
-
-<file path=ppt/slides/slide39.xml><?xml version="1.0" encoding="utf-8"?>
-<p:sld xmlns:a="http://schemas.openxmlformats.org/drawingml/2006/main" xmlns:r="http://schemas.openxmlformats.org/officeDocument/2006/relationships" xmlns:p="http://schemas.openxmlformats.org/presentationml/2006/main">
-  <p:cSld>
-    <p:spTree>
-      <p:nvGrpSpPr>
-        <p:cNvPr id="1" name=""/>
-        <p:cNvGrpSpPr/>
-        <p:nvPr/>
-      </p:nvGrpSpPr>
-      <p:grpSpPr>
-        <a:xfrm>
-          <a:off x="0" y="0"/>
-          <a:ext cx="0" cy="0"/>
-          <a:chOff x="0" y="0"/>
-          <a:chExt cx="0" cy="0"/>
-        </a:xfrm>
-      </p:grpSpPr>
-      <p:sp>
-        <p:nvSpPr>
-          <p:cNvPr id="2" name="Заголовок 1"/>
-          <p:cNvSpPr>
-            <a:spLocks noGrp="1"/>
-          </p:cNvSpPr>
-          <p:nvPr>
-            <p:ph type="ctrTitle"/>
-          </p:nvPr>
-        </p:nvSpPr>
-        <p:spPr>
-          <a:xfrm>
-            <a:off x="642910" y="142852"/>
-            <a:ext cx="7772400" cy="528640"/>
-          </a:xfrm>
-        </p:spPr>
-        <p:txBody>
-          <a:bodyPr>
-            <a:normAutofit fontScale="90000"/>
-          </a:bodyPr>
-          <a:lstStyle/>
-          <a:p>
-            <a:r>
               <a:rPr lang="en-US" b="1" dirty="0" err="1" smtClean="0">
                 <a:solidFill>
                   <a:schemeClr val="tx1">
@@ -27421,13 +27304,6 @@
               </a:rPr>
               <a:t>}</a:t>
             </a:r>
-            <a:endParaRPr lang="en-US" sz="2000" b="1" dirty="0" smtClean="0">
-              <a:solidFill>
-                <a:schemeClr val="bg1">
-                  <a:lumMod val="50000"/>
-                </a:schemeClr>
-              </a:solidFill>
-            </a:endParaRPr>
           </a:p>
           <a:p>
             <a:r>
@@ -27460,36 +27336,26 @@
                   </a:schemeClr>
                 </a:solidFill>
               </a:rPr>
-              <a:t>Phone.prototype</a:t>
-            </a:r>
-            <a:r>
-              <a:rPr lang="en-US" sz="2000" b="1" dirty="0" err="1" smtClean="0">
+              <a:t>Phone.prototype.increaseVolume</a:t>
+            </a:r>
+            <a:r>
+              <a:rPr lang="en-US" sz="2000" b="1" dirty="0">
                 <a:solidFill>
                   <a:schemeClr val="bg1">
                     <a:lumMod val="50000"/>
                   </a:schemeClr>
                 </a:solidFill>
               </a:rPr>
-              <a:t>.increaseVolume</a:t>
-            </a:r>
-            <a:r>
-              <a:rPr lang="en-US" sz="2000" b="1" dirty="0">
+              <a:t>= </a:t>
+            </a:r>
+            <a:r>
+              <a:rPr lang="en-US" sz="2000" b="1" dirty="0" smtClean="0">
                 <a:solidFill>
                   <a:schemeClr val="bg1">
                     <a:lumMod val="50000"/>
                   </a:schemeClr>
                 </a:solidFill>
               </a:rPr>
-              <a:t>= </a:t>
-            </a:r>
-            <a:r>
-              <a:rPr lang="en-US" sz="2000" b="1" dirty="0" smtClean="0">
-                <a:solidFill>
-                  <a:schemeClr val="bg1">
-                    <a:lumMod val="50000"/>
-                  </a:schemeClr>
-                </a:solidFill>
-              </a:rPr>
               <a:t>function() {…}</a:t>
             </a:r>
           </a:p>
@@ -27527,7 +27393,6 @@
               <a:rPr lang="en-US" sz="2000" b="1" dirty="0" smtClean="0"/>
               <a:t>(this, color, ringtone);</a:t>
             </a:r>
-            <a:endParaRPr lang="en-US" sz="2000" b="1" dirty="0" smtClean="0"/>
           </a:p>
           <a:p>
             <a:r>
@@ -27544,11 +27409,7 @@
             </a:r>
             <a:r>
               <a:rPr lang="en-US" sz="2000" b="1" dirty="0" smtClean="0"/>
-              <a:t>= ringtone;</a:t>
-            </a:r>
-            <a:r>
-              <a:rPr lang="en-US" sz="2000" b="1" dirty="0" smtClean="0"/>
-              <a:t>		</a:t>
+              <a:t>= ringtone;		</a:t>
             </a:r>
           </a:p>
           <a:p>
@@ -27639,7 +27500,6 @@
               <a:rPr lang="en-US" sz="2000" b="1" dirty="0" smtClean="0"/>
               <a:t>}</a:t>
             </a:r>
-            <a:endParaRPr lang="en-US" sz="2000" b="1" dirty="0" smtClean="0"/>
           </a:p>
           <a:p>
             <a:endParaRPr lang="en-US" sz="2000" b="1" dirty="0" smtClean="0"/>
@@ -27667,6 +27527,1078 @@
         <p14:creationId xmlns:p14="http://schemas.microsoft.com/office/powerpoint/2010/main" val="1453989677"/>
       </p:ext>
     </p:extLst>
+  </p:cSld>
+  <p:clrMapOvr>
+    <a:masterClrMapping/>
+  </p:clrMapOvr>
+  <p:transition/>
+  <p:timing>
+    <p:tnLst>
+      <p:par>
+        <p:cTn id="1" dur="indefinite" restart="never" nodeType="tmRoot"/>
+      </p:par>
+    </p:tnLst>
+  </p:timing>
+</p:sld>
+</file>
+
+<file path=ppt/slides/slide39.xml><?xml version="1.0" encoding="utf-8"?>
+<p:sld xmlns:a="http://schemas.openxmlformats.org/drawingml/2006/main" xmlns:r="http://schemas.openxmlformats.org/officeDocument/2006/relationships" xmlns:p="http://schemas.openxmlformats.org/presentationml/2006/main">
+  <p:cSld>
+    <p:spTree>
+      <p:nvGrpSpPr>
+        <p:cNvPr id="1" name=""/>
+        <p:cNvGrpSpPr/>
+        <p:nvPr/>
+      </p:nvGrpSpPr>
+      <p:grpSpPr>
+        <a:xfrm>
+          <a:off x="0" y="0"/>
+          <a:ext cx="0" cy="0"/>
+          <a:chOff x="0" y="0"/>
+          <a:chExt cx="0" cy="0"/>
+        </a:xfrm>
+      </p:grpSpPr>
+      <p:graphicFrame>
+        <p:nvGraphicFramePr>
+          <p:cNvPr id="7" name="Table 6"/>
+          <p:cNvGraphicFramePr>
+            <a:graphicFrameLocks noGrp="1"/>
+          </p:cNvGraphicFramePr>
+          <p:nvPr>
+            <p:extLst>
+              <p:ext uri="{D42A27DB-BD31-4B8C-83A1-F6EECF244321}">
+                <p14:modId xmlns:p14="http://schemas.microsoft.com/office/powerpoint/2010/main" val="1441090832"/>
+              </p:ext>
+            </p:extLst>
+          </p:nvPr>
+        </p:nvGraphicFramePr>
+        <p:xfrm>
+          <a:off x="285720" y="571480"/>
+          <a:ext cx="1928826" cy="1536582"/>
+        </p:xfrm>
+        <a:graphic>
+          <a:graphicData uri="http://schemas.openxmlformats.org/drawingml/2006/table">
+            <a:tbl>
+              <a:tblPr firstRow="1" bandRow="1">
+                <a:tableStyleId>{7E9639D4-E3E2-4D34-9284-5A2195B3D0D7}</a:tableStyleId>
+              </a:tblPr>
+              <a:tblGrid>
+                <a:gridCol w="1928826"/>
+              </a:tblGrid>
+              <a:tr h="151446">
+                <a:tc>
+                  <a:txBody>
+                    <a:bodyPr/>
+                    <a:lstStyle/>
+                    <a:p>
+                      <a:pPr algn="ctr"/>
+                      <a:r>
+                        <a:rPr lang="en-US" dirty="0" smtClean="0"/>
+                        <a:t>Phone</a:t>
+                      </a:r>
+                      <a:endParaRPr lang="en-US" dirty="0"/>
+                    </a:p>
+                  </a:txBody>
+                  <a:tcPr/>
+                </a:tc>
+              </a:tr>
+              <a:tr h="610806">
+                <a:tc>
+                  <a:txBody>
+                    <a:bodyPr/>
+                    <a:lstStyle/>
+                    <a:p>
+                      <a:r>
+                        <a:rPr lang="en-US" dirty="0" smtClean="0"/>
+                        <a:t>prototype</a:t>
+                      </a:r>
+                    </a:p>
+                    <a:p>
+                      <a:r>
+                        <a:rPr lang="en-US" dirty="0" smtClean="0"/>
+                        <a:t>length</a:t>
+                      </a:r>
+                      <a:endParaRPr lang="en-US" dirty="0"/>
+                    </a:p>
+                  </a:txBody>
+                  <a:tcPr/>
+                </a:tc>
+              </a:tr>
+              <a:tr h="530742">
+                <a:tc>
+                  <a:txBody>
+                    <a:bodyPr/>
+                    <a:lstStyle/>
+                    <a:p>
+                      <a:r>
+                        <a:rPr lang="en-US" dirty="0" smtClean="0"/>
+                        <a:t>[[prototype]]</a:t>
+                      </a:r>
+                      <a:endParaRPr lang="en-US" dirty="0"/>
+                    </a:p>
+                  </a:txBody>
+                  <a:tcPr/>
+                </a:tc>
+              </a:tr>
+            </a:tbl>
+          </a:graphicData>
+        </a:graphic>
+      </p:graphicFrame>
+      <p:graphicFrame>
+        <p:nvGraphicFramePr>
+          <p:cNvPr id="8" name="Table 7"/>
+          <p:cNvGraphicFramePr>
+            <a:graphicFrameLocks noGrp="1"/>
+          </p:cNvGraphicFramePr>
+          <p:nvPr>
+            <p:extLst>
+              <p:ext uri="{D42A27DB-BD31-4B8C-83A1-F6EECF244321}">
+                <p14:modId xmlns:p14="http://schemas.microsoft.com/office/powerpoint/2010/main" val="4005395641"/>
+              </p:ext>
+            </p:extLst>
+          </p:nvPr>
+        </p:nvGraphicFramePr>
+        <p:xfrm>
+          <a:off x="3357554" y="571480"/>
+          <a:ext cx="1928826" cy="1902342"/>
+        </p:xfrm>
+        <a:graphic>
+          <a:graphicData uri="http://schemas.openxmlformats.org/drawingml/2006/table">
+            <a:tbl>
+              <a:tblPr firstRow="1" bandRow="1">
+                <a:tableStyleId>{7E9639D4-E3E2-4D34-9284-5A2195B3D0D7}</a:tableStyleId>
+              </a:tblPr>
+              <a:tblGrid>
+                <a:gridCol w="1928826"/>
+              </a:tblGrid>
+              <a:tr h="365760">
+                <a:tc>
+                  <a:txBody>
+                    <a:bodyPr/>
+                    <a:lstStyle/>
+                    <a:p>
+                      <a:pPr algn="ctr"/>
+                      <a:r>
+                        <a:rPr lang="en-US" dirty="0" err="1" smtClean="0"/>
+                        <a:t>Phone.prototype</a:t>
+                      </a:r>
+                      <a:endParaRPr lang="en-US" dirty="0"/>
+                    </a:p>
+                  </a:txBody>
+                  <a:tcPr/>
+                </a:tc>
+              </a:tr>
+              <a:tr h="348620">
+                <a:tc>
+                  <a:txBody>
+                    <a:bodyPr/>
+                    <a:lstStyle/>
+                    <a:p>
+                      <a:r>
+                        <a:rPr lang="en-US" dirty="0" smtClean="0"/>
+                        <a:t>constructor</a:t>
+                      </a:r>
+                    </a:p>
+                  </a:txBody>
+                  <a:tcPr/>
+                </a:tc>
+              </a:tr>
+              <a:tr h="348620">
+                <a:tc>
+                  <a:txBody>
+                    <a:bodyPr/>
+                    <a:lstStyle/>
+                    <a:p>
+                      <a:r>
+                        <a:rPr lang="en-US" dirty="0" err="1" smtClean="0">
+                          <a:solidFill>
+                            <a:srgbClr val="FF0000"/>
+                          </a:solidFill>
+                        </a:rPr>
+                        <a:t>makeCall</a:t>
+                      </a:r>
+                      <a:r>
+                        <a:rPr lang="en-US" dirty="0" smtClean="0"/>
+                        <a:t>()</a:t>
+                      </a:r>
+                    </a:p>
+                    <a:p>
+                      <a:r>
+                        <a:rPr lang="en-US" dirty="0" smtClean="0"/>
+                        <a:t>answer()</a:t>
+                      </a:r>
+                    </a:p>
+                  </a:txBody>
+                  <a:tcPr/>
+                </a:tc>
+              </a:tr>
+              <a:tr h="530742">
+                <a:tc>
+                  <a:txBody>
+                    <a:bodyPr/>
+                    <a:lstStyle/>
+                    <a:p>
+                      <a:r>
+                        <a:rPr lang="en-US" dirty="0" smtClean="0"/>
+                        <a:t>[[prototype]]</a:t>
+                      </a:r>
+                      <a:endParaRPr lang="en-US" dirty="0"/>
+                    </a:p>
+                  </a:txBody>
+                  <a:tcPr/>
+                </a:tc>
+              </a:tr>
+            </a:tbl>
+          </a:graphicData>
+        </a:graphic>
+      </p:graphicFrame>
+      <p:cxnSp>
+        <p:nvCxnSpPr>
+          <p:cNvPr id="9" name="Straight Connector 8"/>
+          <p:cNvCxnSpPr/>
+          <p:nvPr/>
+        </p:nvCxnSpPr>
+        <p:spPr>
+          <a:xfrm rot="10800000">
+            <a:off x="1357290" y="1142984"/>
+            <a:ext cx="1500198" cy="0"/>
+          </a:xfrm>
+          <a:prstGeom prst="line">
+            <a:avLst/>
+          </a:prstGeom>
+          <a:ln w="38100">
+            <a:solidFill>
+              <a:srgbClr val="7030A0"/>
+            </a:solidFill>
+            <a:headEnd type="none"/>
+          </a:ln>
+        </p:spPr>
+        <p:style>
+          <a:lnRef idx="1">
+            <a:schemeClr val="accent1"/>
+          </a:lnRef>
+          <a:fillRef idx="0">
+            <a:schemeClr val="accent1"/>
+          </a:fillRef>
+          <a:effectRef idx="0">
+            <a:schemeClr val="accent1"/>
+          </a:effectRef>
+          <a:fontRef idx="minor">
+            <a:schemeClr val="tx1"/>
+          </a:fontRef>
+        </p:style>
+      </p:cxnSp>
+      <p:cxnSp>
+        <p:nvCxnSpPr>
+          <p:cNvPr id="10" name="Straight Connector 9"/>
+          <p:cNvCxnSpPr/>
+          <p:nvPr/>
+        </p:nvCxnSpPr>
+        <p:spPr>
+          <a:xfrm rot="10800000">
+            <a:off x="2857488" y="785794"/>
+            <a:ext cx="500066" cy="0"/>
+          </a:xfrm>
+          <a:prstGeom prst="line">
+            <a:avLst/>
+          </a:prstGeom>
+          <a:ln w="38100">
+            <a:solidFill>
+              <a:srgbClr val="7030A0"/>
+            </a:solidFill>
+            <a:headEnd type="triangle"/>
+            <a:tailEnd type="none"/>
+          </a:ln>
+        </p:spPr>
+        <p:style>
+          <a:lnRef idx="1">
+            <a:schemeClr val="accent1"/>
+          </a:lnRef>
+          <a:fillRef idx="0">
+            <a:schemeClr val="accent1"/>
+          </a:fillRef>
+          <a:effectRef idx="0">
+            <a:schemeClr val="accent1"/>
+          </a:effectRef>
+          <a:fontRef idx="minor">
+            <a:schemeClr val="tx1"/>
+          </a:fontRef>
+        </p:style>
+      </p:cxnSp>
+      <p:cxnSp>
+        <p:nvCxnSpPr>
+          <p:cNvPr id="12" name="Straight Connector 11"/>
+          <p:cNvCxnSpPr/>
+          <p:nvPr/>
+        </p:nvCxnSpPr>
+        <p:spPr>
+          <a:xfrm rot="5400000">
+            <a:off x="2678893" y="964389"/>
+            <a:ext cx="357190" cy="0"/>
+          </a:xfrm>
+          <a:prstGeom prst="line">
+            <a:avLst/>
+          </a:prstGeom>
+          <a:ln w="38100">
+            <a:solidFill>
+              <a:srgbClr val="7030A0"/>
+            </a:solidFill>
+            <a:headEnd type="none"/>
+          </a:ln>
+        </p:spPr>
+        <p:style>
+          <a:lnRef idx="1">
+            <a:schemeClr val="accent1"/>
+          </a:lnRef>
+          <a:fillRef idx="0">
+            <a:schemeClr val="accent1"/>
+          </a:fillRef>
+          <a:effectRef idx="0">
+            <a:schemeClr val="accent1"/>
+          </a:effectRef>
+          <a:fontRef idx="minor">
+            <a:schemeClr val="tx1"/>
+          </a:fontRef>
+        </p:style>
+      </p:cxnSp>
+      <p:cxnSp>
+        <p:nvCxnSpPr>
+          <p:cNvPr id="13" name="Straight Connector 12"/>
+          <p:cNvCxnSpPr/>
+          <p:nvPr/>
+        </p:nvCxnSpPr>
+        <p:spPr>
+          <a:xfrm rot="5400000" flipH="1" flipV="1">
+            <a:off x="2821769" y="892951"/>
+            <a:ext cx="500066" cy="0"/>
+          </a:xfrm>
+          <a:prstGeom prst="line">
+            <a:avLst/>
+          </a:prstGeom>
+          <a:ln w="38100">
+            <a:solidFill>
+              <a:srgbClr val="00B050"/>
+            </a:solidFill>
+            <a:headEnd type="none"/>
+          </a:ln>
+        </p:spPr>
+        <p:style>
+          <a:lnRef idx="1">
+            <a:schemeClr val="accent1"/>
+          </a:lnRef>
+          <a:fillRef idx="0">
+            <a:schemeClr val="accent1"/>
+          </a:fillRef>
+          <a:effectRef idx="0">
+            <a:schemeClr val="accent1"/>
+          </a:effectRef>
+          <a:fontRef idx="minor">
+            <a:schemeClr val="tx1"/>
+          </a:fontRef>
+        </p:style>
+      </p:cxnSp>
+      <p:cxnSp>
+        <p:nvCxnSpPr>
+          <p:cNvPr id="14" name="Straight Connector 13"/>
+          <p:cNvCxnSpPr/>
+          <p:nvPr/>
+        </p:nvCxnSpPr>
+        <p:spPr>
+          <a:xfrm rot="10800000">
+            <a:off x="3071802" y="1142984"/>
+            <a:ext cx="357190" cy="0"/>
+          </a:xfrm>
+          <a:prstGeom prst="line">
+            <a:avLst/>
+          </a:prstGeom>
+          <a:ln w="38100">
+            <a:solidFill>
+              <a:srgbClr val="00B050"/>
+            </a:solidFill>
+            <a:headEnd type="none"/>
+          </a:ln>
+        </p:spPr>
+        <p:style>
+          <a:lnRef idx="1">
+            <a:schemeClr val="accent1"/>
+          </a:lnRef>
+          <a:fillRef idx="0">
+            <a:schemeClr val="accent1"/>
+          </a:fillRef>
+          <a:effectRef idx="0">
+            <a:schemeClr val="accent1"/>
+          </a:effectRef>
+          <a:fontRef idx="minor">
+            <a:schemeClr val="tx1"/>
+          </a:fontRef>
+        </p:style>
+      </p:cxnSp>
+      <p:cxnSp>
+        <p:nvCxnSpPr>
+          <p:cNvPr id="15" name="Straight Connector 14"/>
+          <p:cNvCxnSpPr/>
+          <p:nvPr/>
+        </p:nvCxnSpPr>
+        <p:spPr>
+          <a:xfrm>
+            <a:off x="2214546" y="642918"/>
+            <a:ext cx="857256" cy="0"/>
+          </a:xfrm>
+          <a:prstGeom prst="line">
+            <a:avLst/>
+          </a:prstGeom>
+          <a:ln w="38100">
+            <a:solidFill>
+              <a:srgbClr val="00B050"/>
+            </a:solidFill>
+            <a:headEnd type="triangle"/>
+          </a:ln>
+        </p:spPr>
+        <p:style>
+          <a:lnRef idx="1">
+            <a:schemeClr val="accent1"/>
+          </a:lnRef>
+          <a:fillRef idx="0">
+            <a:schemeClr val="accent1"/>
+          </a:fillRef>
+          <a:effectRef idx="0">
+            <a:schemeClr val="accent1"/>
+          </a:effectRef>
+          <a:fontRef idx="minor">
+            <a:schemeClr val="tx1"/>
+          </a:fontRef>
+        </p:style>
+      </p:cxnSp>
+      <p:graphicFrame>
+        <p:nvGraphicFramePr>
+          <p:cNvPr id="19" name="Table 18"/>
+          <p:cNvGraphicFramePr>
+            <a:graphicFrameLocks noGrp="1"/>
+          </p:cNvGraphicFramePr>
+          <p:nvPr/>
+        </p:nvGraphicFramePr>
+        <p:xfrm>
+          <a:off x="6215074" y="2857496"/>
+          <a:ext cx="1928826" cy="1810902"/>
+        </p:xfrm>
+        <a:graphic>
+          <a:graphicData uri="http://schemas.openxmlformats.org/drawingml/2006/table">
+            <a:tbl>
+              <a:tblPr firstRow="1" bandRow="1">
+                <a:tableStyleId>{7E9639D4-E3E2-4D34-9284-5A2195B3D0D7}</a:tableStyleId>
+              </a:tblPr>
+              <a:tblGrid>
+                <a:gridCol w="1928826"/>
+              </a:tblGrid>
+              <a:tr h="151446">
+                <a:tc>
+                  <a:txBody>
+                    <a:bodyPr/>
+                    <a:lstStyle/>
+                    <a:p>
+                      <a:pPr algn="ctr"/>
+                      <a:r>
+                        <a:rPr lang="en-US" dirty="0" err="1" smtClean="0"/>
+                        <a:t>MobilePhone</a:t>
+                      </a:r>
+                      <a:endParaRPr lang="en-US" dirty="0"/>
+                    </a:p>
+                  </a:txBody>
+                  <a:tcPr/>
+                </a:tc>
+              </a:tr>
+              <a:tr h="610806">
+                <a:tc>
+                  <a:txBody>
+                    <a:bodyPr/>
+                    <a:lstStyle/>
+                    <a:p>
+                      <a:r>
+                        <a:rPr lang="en-US" dirty="0" smtClean="0"/>
+                        <a:t>prototype</a:t>
+                      </a:r>
+                    </a:p>
+                    <a:p>
+                      <a:r>
+                        <a:rPr lang="en-US" dirty="0" smtClean="0"/>
+                        <a:t>length</a:t>
+                      </a:r>
+                    </a:p>
+                    <a:p>
+                      <a:r>
+                        <a:rPr lang="en-US" dirty="0" err="1" smtClean="0"/>
+                        <a:t>superclass</a:t>
+                      </a:r>
+                      <a:endParaRPr lang="en-US" dirty="0"/>
+                    </a:p>
+                  </a:txBody>
+                  <a:tcPr/>
+                </a:tc>
+              </a:tr>
+              <a:tr h="530742">
+                <a:tc>
+                  <a:txBody>
+                    <a:bodyPr/>
+                    <a:lstStyle/>
+                    <a:p>
+                      <a:r>
+                        <a:rPr lang="en-US" dirty="0" smtClean="0"/>
+                        <a:t>[[prototype]]</a:t>
+                      </a:r>
+                      <a:endParaRPr lang="en-US" dirty="0"/>
+                    </a:p>
+                  </a:txBody>
+                  <a:tcPr/>
+                </a:tc>
+              </a:tr>
+            </a:tbl>
+          </a:graphicData>
+        </a:graphic>
+      </p:graphicFrame>
+      <p:graphicFrame>
+        <p:nvGraphicFramePr>
+          <p:cNvPr id="21" name="Table 20"/>
+          <p:cNvGraphicFramePr>
+            <a:graphicFrameLocks noGrp="1"/>
+          </p:cNvGraphicFramePr>
+          <p:nvPr>
+            <p:extLst>
+              <p:ext uri="{D42A27DB-BD31-4B8C-83A1-F6EECF244321}">
+                <p14:modId xmlns:p14="http://schemas.microsoft.com/office/powerpoint/2010/main" val="600908766"/>
+              </p:ext>
+            </p:extLst>
+          </p:nvPr>
+        </p:nvGraphicFramePr>
+        <p:xfrm>
+          <a:off x="6000760" y="571480"/>
+          <a:ext cx="2643206" cy="1810902"/>
+        </p:xfrm>
+        <a:graphic>
+          <a:graphicData uri="http://schemas.openxmlformats.org/drawingml/2006/table">
+            <a:tbl>
+              <a:tblPr firstRow="1" bandRow="1">
+                <a:tableStyleId>{7E9639D4-E3E2-4D34-9284-5A2195B3D0D7}</a:tableStyleId>
+              </a:tblPr>
+              <a:tblGrid>
+                <a:gridCol w="2643206"/>
+              </a:tblGrid>
+              <a:tr h="151446">
+                <a:tc>
+                  <a:txBody>
+                    <a:bodyPr/>
+                    <a:lstStyle/>
+                    <a:p>
+                      <a:pPr algn="ctr"/>
+                      <a:r>
+                        <a:rPr lang="en-US" dirty="0" err="1" smtClean="0"/>
+                        <a:t>MobilePhone.prototype</a:t>
+                      </a:r>
+                      <a:endParaRPr lang="en-US" dirty="0"/>
+                    </a:p>
+                  </a:txBody>
+                  <a:tcPr/>
+                </a:tc>
+              </a:tr>
+              <a:tr h="420058">
+                <a:tc>
+                  <a:txBody>
+                    <a:bodyPr/>
+                    <a:lstStyle/>
+                    <a:p>
+                      <a:r>
+                        <a:rPr lang="en-US" dirty="0" err="1" smtClean="0">
+                          <a:solidFill>
+                            <a:srgbClr val="FF0000"/>
+                          </a:solidFill>
+                        </a:rPr>
+                        <a:t>makeCall</a:t>
+                      </a:r>
+                      <a:r>
+                        <a:rPr lang="en-US" dirty="0" smtClean="0"/>
+                        <a:t>()</a:t>
+                      </a:r>
+                    </a:p>
+                    <a:p>
+                      <a:r>
+                        <a:rPr lang="en-US" dirty="0" err="1" smtClean="0"/>
+                        <a:t>sendSMS</a:t>
+                      </a:r>
+                      <a:r>
+                        <a:rPr lang="en-US" dirty="0" smtClean="0"/>
+                        <a:t>()</a:t>
+                      </a:r>
+                    </a:p>
+                    <a:p>
+                      <a:r>
+                        <a:rPr lang="en-US" dirty="0" smtClean="0"/>
+                        <a:t>constructor</a:t>
+                      </a:r>
+                      <a:endParaRPr lang="en-US" dirty="0"/>
+                    </a:p>
+                  </a:txBody>
+                  <a:tcPr/>
+                </a:tc>
+              </a:tr>
+              <a:tr h="530742">
+                <a:tc>
+                  <a:txBody>
+                    <a:bodyPr/>
+                    <a:lstStyle/>
+                    <a:p>
+                      <a:r>
+                        <a:rPr lang="en-US" dirty="0" smtClean="0"/>
+                        <a:t>[[prototype]]</a:t>
+                      </a:r>
+                      <a:endParaRPr lang="en-US" dirty="0"/>
+                    </a:p>
+                  </a:txBody>
+                  <a:tcPr/>
+                </a:tc>
+              </a:tr>
+            </a:tbl>
+          </a:graphicData>
+        </a:graphic>
+      </p:graphicFrame>
+      <p:cxnSp>
+        <p:nvCxnSpPr>
+          <p:cNvPr id="24" name="Straight Connector 23"/>
+          <p:cNvCxnSpPr/>
+          <p:nvPr/>
+        </p:nvCxnSpPr>
+        <p:spPr>
+          <a:xfrm>
+            <a:off x="7286644" y="1714488"/>
+            <a:ext cx="1500198" cy="0"/>
+          </a:xfrm>
+          <a:prstGeom prst="line">
+            <a:avLst/>
+          </a:prstGeom>
+          <a:ln w="38100">
+            <a:solidFill>
+              <a:srgbClr val="FF0000"/>
+            </a:solidFill>
+            <a:headEnd type="none"/>
+          </a:ln>
+        </p:spPr>
+        <p:style>
+          <a:lnRef idx="1">
+            <a:schemeClr val="accent1"/>
+          </a:lnRef>
+          <a:fillRef idx="0">
+            <a:schemeClr val="accent1"/>
+          </a:fillRef>
+          <a:effectRef idx="0">
+            <a:schemeClr val="accent1"/>
+          </a:effectRef>
+          <a:fontRef idx="minor">
+            <a:schemeClr val="tx1"/>
+          </a:fontRef>
+        </p:style>
+      </p:cxnSp>
+      <p:cxnSp>
+        <p:nvCxnSpPr>
+          <p:cNvPr id="25" name="Straight Connector 24"/>
+          <p:cNvCxnSpPr/>
+          <p:nvPr/>
+        </p:nvCxnSpPr>
+        <p:spPr>
+          <a:xfrm>
+            <a:off x="8143900" y="3071810"/>
+            <a:ext cx="642942" cy="0"/>
+          </a:xfrm>
+          <a:prstGeom prst="line">
+            <a:avLst/>
+          </a:prstGeom>
+          <a:ln w="38100">
+            <a:solidFill>
+              <a:srgbClr val="FF0000"/>
+            </a:solidFill>
+            <a:headEnd type="triangle"/>
+          </a:ln>
+        </p:spPr>
+        <p:style>
+          <a:lnRef idx="1">
+            <a:schemeClr val="accent1"/>
+          </a:lnRef>
+          <a:fillRef idx="0">
+            <a:schemeClr val="accent1"/>
+          </a:fillRef>
+          <a:effectRef idx="0">
+            <a:schemeClr val="accent1"/>
+          </a:effectRef>
+          <a:fontRef idx="minor">
+            <a:schemeClr val="tx1"/>
+          </a:fontRef>
+        </p:style>
+      </p:cxnSp>
+      <p:cxnSp>
+        <p:nvCxnSpPr>
+          <p:cNvPr id="26" name="Straight Connector 25"/>
+          <p:cNvCxnSpPr/>
+          <p:nvPr/>
+        </p:nvCxnSpPr>
+        <p:spPr>
+          <a:xfrm rot="5400000" flipH="1" flipV="1">
+            <a:off x="8108181" y="2393149"/>
+            <a:ext cx="1357322" cy="0"/>
+          </a:xfrm>
+          <a:prstGeom prst="line">
+            <a:avLst/>
+          </a:prstGeom>
+          <a:ln w="38100">
+            <a:solidFill>
+              <a:srgbClr val="FF0000"/>
+            </a:solidFill>
+            <a:headEnd type="none"/>
+          </a:ln>
+        </p:spPr>
+        <p:style>
+          <a:lnRef idx="1">
+            <a:schemeClr val="accent1"/>
+          </a:lnRef>
+          <a:fillRef idx="0">
+            <a:schemeClr val="accent1"/>
+          </a:fillRef>
+          <a:effectRef idx="0">
+            <a:schemeClr val="accent1"/>
+          </a:effectRef>
+          <a:fontRef idx="minor">
+            <a:schemeClr val="tx1"/>
+          </a:fontRef>
+        </p:style>
+      </p:cxnSp>
+      <p:cxnSp>
+        <p:nvCxnSpPr>
+          <p:cNvPr id="27" name="Straight Connector 26"/>
+          <p:cNvCxnSpPr/>
+          <p:nvPr/>
+        </p:nvCxnSpPr>
+        <p:spPr>
+          <a:xfrm>
+            <a:off x="5572132" y="4000504"/>
+            <a:ext cx="714380" cy="0"/>
+          </a:xfrm>
+          <a:prstGeom prst="line">
+            <a:avLst/>
+          </a:prstGeom>
+          <a:ln w="38100">
+            <a:solidFill>
+              <a:srgbClr val="0070C0"/>
+            </a:solidFill>
+            <a:headEnd type="none"/>
+          </a:ln>
+        </p:spPr>
+        <p:style>
+          <a:lnRef idx="1">
+            <a:schemeClr val="accent1"/>
+          </a:lnRef>
+          <a:fillRef idx="0">
+            <a:schemeClr val="accent1"/>
+          </a:fillRef>
+          <a:effectRef idx="0">
+            <a:schemeClr val="accent1"/>
+          </a:effectRef>
+          <a:fontRef idx="minor">
+            <a:schemeClr val="tx1"/>
+          </a:fontRef>
+        </p:style>
+      </p:cxnSp>
+      <p:cxnSp>
+        <p:nvCxnSpPr>
+          <p:cNvPr id="28" name="Straight Connector 27"/>
+          <p:cNvCxnSpPr/>
+          <p:nvPr/>
+        </p:nvCxnSpPr>
+        <p:spPr>
+          <a:xfrm>
+            <a:off x="5286380" y="857232"/>
+            <a:ext cx="285752" cy="0"/>
+          </a:xfrm>
+          <a:prstGeom prst="line">
+            <a:avLst/>
+          </a:prstGeom>
+          <a:ln w="38100">
+            <a:solidFill>
+              <a:srgbClr val="0070C0"/>
+            </a:solidFill>
+            <a:headEnd type="triangle"/>
+          </a:ln>
+        </p:spPr>
+        <p:style>
+          <a:lnRef idx="1">
+            <a:schemeClr val="accent1"/>
+          </a:lnRef>
+          <a:fillRef idx="0">
+            <a:schemeClr val="accent1"/>
+          </a:fillRef>
+          <a:effectRef idx="0">
+            <a:schemeClr val="accent1"/>
+          </a:effectRef>
+          <a:fontRef idx="minor">
+            <a:schemeClr val="tx1"/>
+          </a:fontRef>
+        </p:style>
+      </p:cxnSp>
+      <p:cxnSp>
+        <p:nvCxnSpPr>
+          <p:cNvPr id="29" name="Straight Connector 28"/>
+          <p:cNvCxnSpPr/>
+          <p:nvPr/>
+        </p:nvCxnSpPr>
+        <p:spPr>
+          <a:xfrm rot="5400000" flipH="1" flipV="1">
+            <a:off x="4000496" y="2428868"/>
+            <a:ext cx="3143272" cy="0"/>
+          </a:xfrm>
+          <a:prstGeom prst="line">
+            <a:avLst/>
+          </a:prstGeom>
+          <a:ln w="38100">
+            <a:solidFill>
+              <a:srgbClr val="0070C0"/>
+            </a:solidFill>
+            <a:headEnd type="none"/>
+          </a:ln>
+        </p:spPr>
+        <p:style>
+          <a:lnRef idx="1">
+            <a:schemeClr val="accent1"/>
+          </a:lnRef>
+          <a:fillRef idx="0">
+            <a:schemeClr val="accent1"/>
+          </a:fillRef>
+          <a:effectRef idx="0">
+            <a:schemeClr val="accent1"/>
+          </a:effectRef>
+          <a:fontRef idx="minor">
+            <a:schemeClr val="tx1"/>
+          </a:fontRef>
+        </p:style>
+      </p:cxnSp>
+      <p:cxnSp>
+        <p:nvCxnSpPr>
+          <p:cNvPr id="32" name="Straight Connector 31"/>
+          <p:cNvCxnSpPr/>
+          <p:nvPr/>
+        </p:nvCxnSpPr>
+        <p:spPr>
+          <a:xfrm>
+            <a:off x="7358082" y="3429000"/>
+            <a:ext cx="1571636" cy="0"/>
+          </a:xfrm>
+          <a:prstGeom prst="line">
+            <a:avLst/>
+          </a:prstGeom>
+          <a:ln w="38100">
+            <a:solidFill>
+              <a:srgbClr val="00B050"/>
+            </a:solidFill>
+            <a:headEnd type="none"/>
+          </a:ln>
+        </p:spPr>
+        <p:style>
+          <a:lnRef idx="1">
+            <a:schemeClr val="accent1"/>
+          </a:lnRef>
+          <a:fillRef idx="0">
+            <a:schemeClr val="accent1"/>
+          </a:fillRef>
+          <a:effectRef idx="0">
+            <a:schemeClr val="accent1"/>
+          </a:effectRef>
+          <a:fontRef idx="minor">
+            <a:schemeClr val="tx1"/>
+          </a:fontRef>
+        </p:style>
+      </p:cxnSp>
+      <p:cxnSp>
+        <p:nvCxnSpPr>
+          <p:cNvPr id="33" name="Straight Connector 32"/>
+          <p:cNvCxnSpPr/>
+          <p:nvPr/>
+        </p:nvCxnSpPr>
+        <p:spPr>
+          <a:xfrm>
+            <a:off x="8643934" y="785794"/>
+            <a:ext cx="285784" cy="0"/>
+          </a:xfrm>
+          <a:prstGeom prst="line">
+            <a:avLst/>
+          </a:prstGeom>
+          <a:ln w="38100">
+            <a:solidFill>
+              <a:srgbClr val="00B050"/>
+            </a:solidFill>
+            <a:headEnd type="triangle"/>
+          </a:ln>
+        </p:spPr>
+        <p:style>
+          <a:lnRef idx="1">
+            <a:schemeClr val="accent1"/>
+          </a:lnRef>
+          <a:fillRef idx="0">
+            <a:schemeClr val="accent1"/>
+          </a:fillRef>
+          <a:effectRef idx="0">
+            <a:schemeClr val="accent1"/>
+          </a:effectRef>
+          <a:fontRef idx="minor">
+            <a:schemeClr val="tx1"/>
+          </a:fontRef>
+        </p:style>
+      </p:cxnSp>
+      <p:cxnSp>
+        <p:nvCxnSpPr>
+          <p:cNvPr id="34" name="Straight Connector 33"/>
+          <p:cNvCxnSpPr/>
+          <p:nvPr/>
+        </p:nvCxnSpPr>
+        <p:spPr>
+          <a:xfrm rot="5400000" flipH="1" flipV="1">
+            <a:off x="7608115" y="2107397"/>
+            <a:ext cx="2643206" cy="0"/>
+          </a:xfrm>
+          <a:prstGeom prst="line">
+            <a:avLst/>
+          </a:prstGeom>
+          <a:ln w="38100">
+            <a:solidFill>
+              <a:srgbClr val="00B050"/>
+            </a:solidFill>
+            <a:headEnd type="none"/>
+          </a:ln>
+        </p:spPr>
+        <p:style>
+          <a:lnRef idx="1">
+            <a:schemeClr val="accent1"/>
+          </a:lnRef>
+          <a:fillRef idx="0">
+            <a:schemeClr val="accent1"/>
+          </a:fillRef>
+          <a:effectRef idx="0">
+            <a:schemeClr val="accent1"/>
+          </a:effectRef>
+          <a:fontRef idx="minor">
+            <a:schemeClr val="tx1"/>
+          </a:fontRef>
+        </p:style>
+      </p:cxnSp>
+      <p:cxnSp>
+        <p:nvCxnSpPr>
+          <p:cNvPr id="45" name="Straight Connector 44"/>
+          <p:cNvCxnSpPr/>
+          <p:nvPr/>
+        </p:nvCxnSpPr>
+        <p:spPr>
+          <a:xfrm>
+            <a:off x="5715008" y="2071678"/>
+            <a:ext cx="357190" cy="0"/>
+          </a:xfrm>
+          <a:prstGeom prst="line">
+            <a:avLst/>
+          </a:prstGeom>
+          <a:ln w="38100">
+            <a:solidFill>
+              <a:schemeClr val="accent5">
+                <a:lumMod val="75000"/>
+              </a:schemeClr>
+            </a:solidFill>
+            <a:headEnd type="none"/>
+          </a:ln>
+        </p:spPr>
+        <p:style>
+          <a:lnRef idx="1">
+            <a:schemeClr val="accent1"/>
+          </a:lnRef>
+          <a:fillRef idx="0">
+            <a:schemeClr val="accent1"/>
+          </a:fillRef>
+          <a:effectRef idx="0">
+            <a:schemeClr val="accent1"/>
+          </a:effectRef>
+          <a:fontRef idx="minor">
+            <a:schemeClr val="tx1"/>
+          </a:fontRef>
+        </p:style>
+      </p:cxnSp>
+      <p:cxnSp>
+        <p:nvCxnSpPr>
+          <p:cNvPr id="46" name="Straight Connector 45"/>
+          <p:cNvCxnSpPr/>
+          <p:nvPr/>
+        </p:nvCxnSpPr>
+        <p:spPr>
+          <a:xfrm>
+            <a:off x="5286380" y="642918"/>
+            <a:ext cx="428628" cy="0"/>
+          </a:xfrm>
+          <a:prstGeom prst="line">
+            <a:avLst/>
+          </a:prstGeom>
+          <a:ln w="38100">
+            <a:solidFill>
+              <a:schemeClr val="accent5">
+                <a:lumMod val="75000"/>
+              </a:schemeClr>
+            </a:solidFill>
+            <a:headEnd type="triangle"/>
+          </a:ln>
+        </p:spPr>
+        <p:style>
+          <a:lnRef idx="1">
+            <a:schemeClr val="accent1"/>
+          </a:lnRef>
+          <a:fillRef idx="0">
+            <a:schemeClr val="accent1"/>
+          </a:fillRef>
+          <a:effectRef idx="0">
+            <a:schemeClr val="accent1"/>
+          </a:effectRef>
+          <a:fontRef idx="minor">
+            <a:schemeClr val="tx1"/>
+          </a:fontRef>
+        </p:style>
+      </p:cxnSp>
+      <p:cxnSp>
+        <p:nvCxnSpPr>
+          <p:cNvPr id="47" name="Straight Connector 46"/>
+          <p:cNvCxnSpPr/>
+          <p:nvPr/>
+        </p:nvCxnSpPr>
+        <p:spPr>
+          <a:xfrm rot="5400000" flipH="1" flipV="1">
+            <a:off x="5000628" y="1357298"/>
+            <a:ext cx="1428760" cy="0"/>
+          </a:xfrm>
+          <a:prstGeom prst="line">
+            <a:avLst/>
+          </a:prstGeom>
+          <a:ln w="38100">
+            <a:solidFill>
+              <a:schemeClr val="accent5">
+                <a:lumMod val="75000"/>
+              </a:schemeClr>
+            </a:solidFill>
+            <a:headEnd type="none"/>
+          </a:ln>
+        </p:spPr>
+        <p:style>
+          <a:lnRef idx="1">
+            <a:schemeClr val="accent1"/>
+          </a:lnRef>
+          <a:fillRef idx="0">
+            <a:schemeClr val="accent1"/>
+          </a:fillRef>
+          <a:effectRef idx="0">
+            <a:schemeClr val="accent1"/>
+          </a:effectRef>
+          <a:fontRef idx="minor">
+            <a:schemeClr val="tx1"/>
+          </a:fontRef>
+        </p:style>
+      </p:cxnSp>
+    </p:spTree>
   </p:cSld>
   <p:clrMapOvr>
     <a:masterClrMapping/>
@@ -29142,1045 +30074,219 @@
           <a:chExt cx="0" cy="0"/>
         </a:xfrm>
       </p:grpSpPr>
-      <p:graphicFrame>
-        <p:nvGraphicFramePr>
-          <p:cNvPr id="7" name="Table 6"/>
-          <p:cNvGraphicFramePr>
-            <a:graphicFrameLocks noGrp="1"/>
-          </p:cNvGraphicFramePr>
+      <p:sp>
+        <p:nvSpPr>
+          <p:cNvPr id="2" name="Заголовок 1"/>
+          <p:cNvSpPr>
+            <a:spLocks noGrp="1"/>
+          </p:cNvSpPr>
           <p:nvPr>
-            <p:extLst>
-              <p:ext uri="{D42A27DB-BD31-4B8C-83A1-F6EECF244321}">
-                <p14:modId xmlns:p14="http://schemas.microsoft.com/office/powerpoint/2010/main" val="1441090832"/>
-              </p:ext>
-            </p:extLst>
+            <p:ph type="ctrTitle"/>
           </p:nvPr>
-        </p:nvGraphicFramePr>
-        <p:xfrm>
-          <a:off x="285720" y="571480"/>
-          <a:ext cx="1928826" cy="1536582"/>
-        </p:xfrm>
-        <a:graphic>
-          <a:graphicData uri="http://schemas.openxmlformats.org/drawingml/2006/table">
-            <a:tbl>
-              <a:tblPr firstRow="1" bandRow="1">
-                <a:tableStyleId>{7E9639D4-E3E2-4D34-9284-5A2195B3D0D7}</a:tableStyleId>
-              </a:tblPr>
-              <a:tblGrid>
-                <a:gridCol w="1928826"/>
-              </a:tblGrid>
-              <a:tr h="151446">
-                <a:tc>
-                  <a:txBody>
-                    <a:bodyPr/>
-                    <a:lstStyle/>
-                    <a:p>
-                      <a:pPr algn="ctr"/>
-                      <a:r>
-                        <a:rPr lang="en-US" dirty="0" smtClean="0"/>
-                        <a:t>Phone</a:t>
-                      </a:r>
-                      <a:endParaRPr lang="en-US" dirty="0"/>
-                    </a:p>
-                  </a:txBody>
-                  <a:tcPr/>
-                </a:tc>
-              </a:tr>
-              <a:tr h="610806">
-                <a:tc>
-                  <a:txBody>
-                    <a:bodyPr/>
-                    <a:lstStyle/>
-                    <a:p>
-                      <a:r>
-                        <a:rPr lang="en-US" dirty="0" smtClean="0"/>
-                        <a:t>prototype</a:t>
-                      </a:r>
-                    </a:p>
-                    <a:p>
-                      <a:r>
-                        <a:rPr lang="en-US" dirty="0" smtClean="0"/>
-                        <a:t>length</a:t>
-                      </a:r>
-                      <a:endParaRPr lang="en-US" dirty="0"/>
-                    </a:p>
-                  </a:txBody>
-                  <a:tcPr/>
-                </a:tc>
-              </a:tr>
-              <a:tr h="530742">
-                <a:tc>
-                  <a:txBody>
-                    <a:bodyPr/>
-                    <a:lstStyle/>
-                    <a:p>
-                      <a:r>
-                        <a:rPr lang="en-US" dirty="0" smtClean="0"/>
-                        <a:t>[[prototype]]</a:t>
-                      </a:r>
-                      <a:endParaRPr lang="en-US" dirty="0"/>
-                    </a:p>
-                  </a:txBody>
-                  <a:tcPr/>
-                </a:tc>
-              </a:tr>
-            </a:tbl>
-          </a:graphicData>
-        </a:graphic>
-      </p:graphicFrame>
-      <p:graphicFrame>
-        <p:nvGraphicFramePr>
-          <p:cNvPr id="8" name="Table 7"/>
-          <p:cNvGraphicFramePr>
-            <a:graphicFrameLocks noGrp="1"/>
-          </p:cNvGraphicFramePr>
-          <p:nvPr>
-            <p:extLst>
-              <p:ext uri="{D42A27DB-BD31-4B8C-83A1-F6EECF244321}">
-                <p14:modId xmlns:p14="http://schemas.microsoft.com/office/powerpoint/2010/main" val="4005395641"/>
-              </p:ext>
-            </p:extLst>
-          </p:nvPr>
-        </p:nvGraphicFramePr>
-        <p:xfrm>
-          <a:off x="3357554" y="571480"/>
-          <a:ext cx="1928826" cy="1902342"/>
-        </p:xfrm>
-        <a:graphic>
-          <a:graphicData uri="http://schemas.openxmlformats.org/drawingml/2006/table">
-            <a:tbl>
-              <a:tblPr firstRow="1" bandRow="1">
-                <a:tableStyleId>{7E9639D4-E3E2-4D34-9284-5A2195B3D0D7}</a:tableStyleId>
-              </a:tblPr>
-              <a:tblGrid>
-                <a:gridCol w="1928826"/>
-              </a:tblGrid>
-              <a:tr h="365760">
-                <a:tc>
-                  <a:txBody>
-                    <a:bodyPr/>
-                    <a:lstStyle/>
-                    <a:p>
-                      <a:pPr algn="ctr"/>
-                      <a:r>
-                        <a:rPr lang="en-US" dirty="0" err="1" smtClean="0"/>
-                        <a:t>Phone.prototype</a:t>
-                      </a:r>
-                      <a:endParaRPr lang="en-US" dirty="0"/>
-                    </a:p>
-                  </a:txBody>
-                  <a:tcPr/>
-                </a:tc>
-              </a:tr>
-              <a:tr h="348620">
-                <a:tc>
-                  <a:txBody>
-                    <a:bodyPr/>
-                    <a:lstStyle/>
-                    <a:p>
-                      <a:r>
-                        <a:rPr lang="en-US" dirty="0" smtClean="0"/>
-                        <a:t>constructor</a:t>
-                      </a:r>
-                    </a:p>
-                  </a:txBody>
-                  <a:tcPr/>
-                </a:tc>
-              </a:tr>
-              <a:tr h="348620">
-                <a:tc>
-                  <a:txBody>
-                    <a:bodyPr/>
-                    <a:lstStyle/>
-                    <a:p>
-                      <a:r>
-                        <a:rPr lang="en-US" dirty="0" err="1" smtClean="0">
-                          <a:solidFill>
-                            <a:srgbClr val="FF0000"/>
-                          </a:solidFill>
-                        </a:rPr>
-                        <a:t>makeCall</a:t>
-                      </a:r>
-                      <a:r>
-                        <a:rPr lang="en-US" dirty="0" smtClean="0"/>
-                        <a:t>()</a:t>
-                      </a:r>
-                    </a:p>
-                    <a:p>
-                      <a:r>
-                        <a:rPr lang="en-US" dirty="0" smtClean="0"/>
-                        <a:t>answer()</a:t>
-                      </a:r>
-                    </a:p>
-                  </a:txBody>
-                  <a:tcPr/>
-                </a:tc>
-              </a:tr>
-              <a:tr h="530742">
-                <a:tc>
-                  <a:txBody>
-                    <a:bodyPr/>
-                    <a:lstStyle/>
-                    <a:p>
-                      <a:r>
-                        <a:rPr lang="en-US" dirty="0" smtClean="0"/>
-                        <a:t>[[prototype]]</a:t>
-                      </a:r>
-                      <a:endParaRPr lang="en-US" dirty="0"/>
-                    </a:p>
-                  </a:txBody>
-                  <a:tcPr/>
-                </a:tc>
-              </a:tr>
-            </a:tbl>
-          </a:graphicData>
-        </a:graphic>
-      </p:graphicFrame>
-      <p:cxnSp>
-        <p:nvCxnSpPr>
-          <p:cNvPr id="9" name="Straight Connector 8"/>
-          <p:cNvCxnSpPr/>
+        </p:nvSpPr>
+        <p:spPr>
+          <a:xfrm>
+            <a:off x="642910" y="142852"/>
+            <a:ext cx="7772400" cy="528640"/>
+          </a:xfrm>
+        </p:spPr>
+        <p:txBody>
+          <a:bodyPr>
+            <a:normAutofit fontScale="90000"/>
+          </a:bodyPr>
+          <a:lstStyle/>
+          <a:p>
+            <a:r>
+              <a:rPr lang="en-US" b="1" dirty="0" smtClean="0">
+                <a:solidFill>
+                  <a:schemeClr val="tx1">
+                    <a:lumMod val="65000"/>
+                    <a:lumOff val="35000"/>
+                  </a:schemeClr>
+                </a:solidFill>
+              </a:rPr>
+              <a:t>Private members</a:t>
+            </a:r>
+            <a:endParaRPr lang="en-US" b="1" dirty="0">
+              <a:solidFill>
+                <a:schemeClr val="tx1">
+                  <a:lumMod val="65000"/>
+                  <a:lumOff val="35000"/>
+                </a:schemeClr>
+              </a:solidFill>
+            </a:endParaRPr>
+          </a:p>
+        </p:txBody>
+      </p:sp>
+      <p:sp>
+        <p:nvSpPr>
+          <p:cNvPr id="20" name="Rectangle 19"/>
+          <p:cNvSpPr/>
           <p:nvPr/>
-        </p:nvCxnSpPr>
+        </p:nvSpPr>
         <p:spPr>
-          <a:xfrm rot="10800000">
-            <a:off x="1357290" y="1142984"/>
-            <a:ext cx="1500198" cy="0"/>
+          <a:xfrm>
+            <a:off x="857224" y="928670"/>
+            <a:ext cx="7715304" cy="2554545"/>
           </a:xfrm>
-          <a:prstGeom prst="line">
+          <a:prstGeom prst="rect">
             <a:avLst/>
           </a:prstGeom>
-          <a:ln w="38100">
-            <a:solidFill>
-              <a:srgbClr val="7030A0"/>
-            </a:solidFill>
-            <a:headEnd type="none"/>
-          </a:ln>
         </p:spPr>
         <p:style>
           <a:lnRef idx="1">
-            <a:schemeClr val="accent1"/>
+            <a:schemeClr val="dk1"/>
           </a:lnRef>
-          <a:fillRef idx="0">
-            <a:schemeClr val="accent1"/>
+          <a:fillRef idx="1001">
+            <a:schemeClr val="lt2"/>
           </a:fillRef>
-          <a:effectRef idx="0">
-            <a:schemeClr val="accent1"/>
+          <a:effectRef idx="1">
+            <a:schemeClr val="dk1"/>
           </a:effectRef>
           <a:fontRef idx="minor">
-            <a:schemeClr val="tx1"/>
+            <a:schemeClr val="dk1"/>
           </a:fontRef>
         </p:style>
-      </p:cxnSp>
-      <p:cxnSp>
-        <p:nvCxnSpPr>
-          <p:cNvPr id="10" name="Straight Connector 9"/>
-          <p:cNvCxnSpPr/>
-          <p:nvPr/>
-        </p:nvCxnSpPr>
-        <p:spPr>
-          <a:xfrm rot="10800000">
-            <a:off x="2857488" y="785794"/>
-            <a:ext cx="500066" cy="0"/>
-          </a:xfrm>
-          <a:prstGeom prst="line">
-            <a:avLst/>
-          </a:prstGeom>
-          <a:ln w="38100">
-            <a:solidFill>
-              <a:srgbClr val="7030A0"/>
-            </a:solidFill>
-            <a:headEnd type="triangle"/>
-            <a:tailEnd type="none"/>
-          </a:ln>
-        </p:spPr>
-        <p:style>
-          <a:lnRef idx="1">
-            <a:schemeClr val="accent1"/>
-          </a:lnRef>
-          <a:fillRef idx="0">
-            <a:schemeClr val="accent1"/>
-          </a:fillRef>
-          <a:effectRef idx="0">
-            <a:schemeClr val="accent1"/>
-          </a:effectRef>
-          <a:fontRef idx="minor">
-            <a:schemeClr val="tx1"/>
-          </a:fontRef>
-        </p:style>
-      </p:cxnSp>
-      <p:cxnSp>
-        <p:nvCxnSpPr>
-          <p:cNvPr id="12" name="Straight Connector 11"/>
-          <p:cNvCxnSpPr/>
-          <p:nvPr/>
-        </p:nvCxnSpPr>
-        <p:spPr>
-          <a:xfrm rot="5400000">
-            <a:off x="2678893" y="964389"/>
-            <a:ext cx="357190" cy="0"/>
-          </a:xfrm>
-          <a:prstGeom prst="line">
-            <a:avLst/>
-          </a:prstGeom>
-          <a:ln w="38100">
-            <a:solidFill>
-              <a:srgbClr val="7030A0"/>
-            </a:solidFill>
-            <a:headEnd type="none"/>
-          </a:ln>
-        </p:spPr>
-        <p:style>
-          <a:lnRef idx="1">
-            <a:schemeClr val="accent1"/>
-          </a:lnRef>
-          <a:fillRef idx="0">
-            <a:schemeClr val="accent1"/>
-          </a:fillRef>
-          <a:effectRef idx="0">
-            <a:schemeClr val="accent1"/>
-          </a:effectRef>
-          <a:fontRef idx="minor">
-            <a:schemeClr val="tx1"/>
-          </a:fontRef>
-        </p:style>
-      </p:cxnSp>
-      <p:cxnSp>
-        <p:nvCxnSpPr>
-          <p:cNvPr id="13" name="Straight Connector 12"/>
-          <p:cNvCxnSpPr/>
-          <p:nvPr/>
-        </p:nvCxnSpPr>
-        <p:spPr>
-          <a:xfrm rot="5400000" flipH="1" flipV="1">
-            <a:off x="2821769" y="892951"/>
-            <a:ext cx="500066" cy="0"/>
-          </a:xfrm>
-          <a:prstGeom prst="line">
-            <a:avLst/>
-          </a:prstGeom>
-          <a:ln w="38100">
-            <a:solidFill>
-              <a:srgbClr val="00B050"/>
-            </a:solidFill>
-            <a:headEnd type="none"/>
-          </a:ln>
-        </p:spPr>
-        <p:style>
-          <a:lnRef idx="1">
-            <a:schemeClr val="accent1"/>
-          </a:lnRef>
-          <a:fillRef idx="0">
-            <a:schemeClr val="accent1"/>
-          </a:fillRef>
-          <a:effectRef idx="0">
-            <a:schemeClr val="accent1"/>
-          </a:effectRef>
-          <a:fontRef idx="minor">
-            <a:schemeClr val="tx1"/>
-          </a:fontRef>
-        </p:style>
-      </p:cxnSp>
-      <p:cxnSp>
-        <p:nvCxnSpPr>
-          <p:cNvPr id="14" name="Straight Connector 13"/>
-          <p:cNvCxnSpPr/>
-          <p:nvPr/>
-        </p:nvCxnSpPr>
-        <p:spPr>
-          <a:xfrm rot="10800000">
-            <a:off x="3071802" y="1142984"/>
-            <a:ext cx="357190" cy="0"/>
-          </a:xfrm>
-          <a:prstGeom prst="line">
-            <a:avLst/>
-          </a:prstGeom>
-          <a:ln w="38100">
-            <a:solidFill>
-              <a:srgbClr val="00B050"/>
-            </a:solidFill>
-            <a:headEnd type="none"/>
-          </a:ln>
-        </p:spPr>
-        <p:style>
-          <a:lnRef idx="1">
-            <a:schemeClr val="accent1"/>
-          </a:lnRef>
-          <a:fillRef idx="0">
-            <a:schemeClr val="accent1"/>
-          </a:fillRef>
-          <a:effectRef idx="0">
-            <a:schemeClr val="accent1"/>
-          </a:effectRef>
-          <a:fontRef idx="minor">
-            <a:schemeClr val="tx1"/>
-          </a:fontRef>
-        </p:style>
-      </p:cxnSp>
-      <p:cxnSp>
-        <p:nvCxnSpPr>
-          <p:cNvPr id="15" name="Straight Connector 14"/>
-          <p:cNvCxnSpPr/>
-          <p:nvPr/>
-        </p:nvCxnSpPr>
-        <p:spPr>
-          <a:xfrm>
-            <a:off x="2214546" y="642918"/>
-            <a:ext cx="857256" cy="0"/>
-          </a:xfrm>
-          <a:prstGeom prst="line">
-            <a:avLst/>
-          </a:prstGeom>
-          <a:ln w="38100">
-            <a:solidFill>
-              <a:srgbClr val="00B050"/>
-            </a:solidFill>
-            <a:headEnd type="triangle"/>
-          </a:ln>
-        </p:spPr>
-        <p:style>
-          <a:lnRef idx="1">
-            <a:schemeClr val="accent1"/>
-          </a:lnRef>
-          <a:fillRef idx="0">
-            <a:schemeClr val="accent1"/>
-          </a:fillRef>
-          <a:effectRef idx="0">
-            <a:schemeClr val="accent1"/>
-          </a:effectRef>
-          <a:fontRef idx="minor">
-            <a:schemeClr val="tx1"/>
-          </a:fontRef>
-        </p:style>
-      </p:cxnSp>
-      <p:graphicFrame>
-        <p:nvGraphicFramePr>
-          <p:cNvPr id="19" name="Table 18"/>
-          <p:cNvGraphicFramePr>
-            <a:graphicFrameLocks noGrp="1"/>
-          </p:cNvGraphicFramePr>
-          <p:nvPr/>
-        </p:nvGraphicFramePr>
-        <p:xfrm>
-          <a:off x="6215074" y="2857496"/>
-          <a:ext cx="1928826" cy="1810902"/>
-        </p:xfrm>
-        <a:graphic>
-          <a:graphicData uri="http://schemas.openxmlformats.org/drawingml/2006/table">
-            <a:tbl>
-              <a:tblPr firstRow="1" bandRow="1">
-                <a:tableStyleId>{7E9639D4-E3E2-4D34-9284-5A2195B3D0D7}</a:tableStyleId>
-              </a:tblPr>
-              <a:tblGrid>
-                <a:gridCol w="1928826"/>
-              </a:tblGrid>
-              <a:tr h="151446">
-                <a:tc>
-                  <a:txBody>
-                    <a:bodyPr/>
-                    <a:lstStyle/>
-                    <a:p>
-                      <a:pPr algn="ctr"/>
-                      <a:r>
-                        <a:rPr lang="en-US" dirty="0" err="1" smtClean="0"/>
-                        <a:t>MobilePhone</a:t>
-                      </a:r>
-                      <a:endParaRPr lang="en-US" dirty="0"/>
-                    </a:p>
-                  </a:txBody>
-                  <a:tcPr/>
-                </a:tc>
-              </a:tr>
-              <a:tr h="610806">
-                <a:tc>
-                  <a:txBody>
-                    <a:bodyPr/>
-                    <a:lstStyle/>
-                    <a:p>
-                      <a:r>
-                        <a:rPr lang="en-US" dirty="0" smtClean="0"/>
-                        <a:t>prototype</a:t>
-                      </a:r>
-                    </a:p>
-                    <a:p>
-                      <a:r>
-                        <a:rPr lang="en-US" dirty="0" smtClean="0"/>
-                        <a:t>length</a:t>
-                      </a:r>
-                    </a:p>
-                    <a:p>
-                      <a:r>
-                        <a:rPr lang="en-US" dirty="0" err="1" smtClean="0"/>
-                        <a:t>superclass</a:t>
-                      </a:r>
-                      <a:endParaRPr lang="en-US" dirty="0"/>
-                    </a:p>
-                  </a:txBody>
-                  <a:tcPr/>
-                </a:tc>
-              </a:tr>
-              <a:tr h="530742">
-                <a:tc>
-                  <a:txBody>
-                    <a:bodyPr/>
-                    <a:lstStyle/>
-                    <a:p>
-                      <a:r>
-                        <a:rPr lang="en-US" dirty="0" smtClean="0"/>
-                        <a:t>[[prototype]]</a:t>
-                      </a:r>
-                      <a:endParaRPr lang="en-US" dirty="0"/>
-                    </a:p>
-                  </a:txBody>
-                  <a:tcPr/>
-                </a:tc>
-              </a:tr>
-            </a:tbl>
-          </a:graphicData>
-        </a:graphic>
-      </p:graphicFrame>
-      <p:graphicFrame>
-        <p:nvGraphicFramePr>
-          <p:cNvPr id="21" name="Table 20"/>
-          <p:cNvGraphicFramePr>
-            <a:graphicFrameLocks noGrp="1"/>
-          </p:cNvGraphicFramePr>
-          <p:nvPr>
-            <p:extLst>
-              <p:ext uri="{D42A27DB-BD31-4B8C-83A1-F6EECF244321}">
-                <p14:modId xmlns:p14="http://schemas.microsoft.com/office/powerpoint/2010/main" val="600908766"/>
-              </p:ext>
-            </p:extLst>
-          </p:nvPr>
-        </p:nvGraphicFramePr>
-        <p:xfrm>
-          <a:off x="6000760" y="571480"/>
-          <a:ext cx="2643206" cy="1810902"/>
-        </p:xfrm>
-        <a:graphic>
-          <a:graphicData uri="http://schemas.openxmlformats.org/drawingml/2006/table">
-            <a:tbl>
-              <a:tblPr firstRow="1" bandRow="1">
-                <a:tableStyleId>{7E9639D4-E3E2-4D34-9284-5A2195B3D0D7}</a:tableStyleId>
-              </a:tblPr>
-              <a:tblGrid>
-                <a:gridCol w="2643206"/>
-              </a:tblGrid>
-              <a:tr h="151446">
-                <a:tc>
-                  <a:txBody>
-                    <a:bodyPr/>
-                    <a:lstStyle/>
-                    <a:p>
-                      <a:pPr algn="ctr"/>
-                      <a:r>
-                        <a:rPr lang="en-US" dirty="0" err="1" smtClean="0"/>
-                        <a:t>MobilePhone.prototype</a:t>
-                      </a:r>
-                      <a:endParaRPr lang="en-US" dirty="0"/>
-                    </a:p>
-                  </a:txBody>
-                  <a:tcPr/>
-                </a:tc>
-              </a:tr>
-              <a:tr h="420058">
-                <a:tc>
-                  <a:txBody>
-                    <a:bodyPr/>
-                    <a:lstStyle/>
-                    <a:p>
-                      <a:r>
-                        <a:rPr lang="en-US" dirty="0" err="1" smtClean="0">
-                          <a:solidFill>
-                            <a:srgbClr val="FF0000"/>
-                          </a:solidFill>
-                        </a:rPr>
-                        <a:t>makeCall</a:t>
-                      </a:r>
-                      <a:r>
-                        <a:rPr lang="en-US" dirty="0" smtClean="0"/>
-                        <a:t>()</a:t>
-                      </a:r>
-                    </a:p>
-                    <a:p>
-                      <a:r>
-                        <a:rPr lang="en-US" dirty="0" err="1" smtClean="0"/>
-                        <a:t>sendSMS</a:t>
-                      </a:r>
-                      <a:r>
-                        <a:rPr lang="en-US" dirty="0" smtClean="0"/>
-                        <a:t>()</a:t>
-                      </a:r>
-                    </a:p>
-                    <a:p>
-                      <a:r>
-                        <a:rPr lang="en-US" dirty="0" smtClean="0"/>
-                        <a:t>constructor</a:t>
-                      </a:r>
-                      <a:endParaRPr lang="en-US" dirty="0"/>
-                    </a:p>
-                  </a:txBody>
-                  <a:tcPr/>
-                </a:tc>
-              </a:tr>
-              <a:tr h="530742">
-                <a:tc>
-                  <a:txBody>
-                    <a:bodyPr/>
-                    <a:lstStyle/>
-                    <a:p>
-                      <a:r>
-                        <a:rPr lang="en-US" dirty="0" smtClean="0"/>
-                        <a:t>[[prototype]]</a:t>
-                      </a:r>
-                      <a:endParaRPr lang="en-US" dirty="0"/>
-                    </a:p>
-                  </a:txBody>
-                  <a:tcPr/>
-                </a:tc>
-              </a:tr>
-            </a:tbl>
-          </a:graphicData>
-        </a:graphic>
-      </p:graphicFrame>
-      <p:cxnSp>
-        <p:nvCxnSpPr>
-          <p:cNvPr id="24" name="Straight Connector 23"/>
-          <p:cNvCxnSpPr/>
-          <p:nvPr/>
-        </p:nvCxnSpPr>
-        <p:spPr>
-          <a:xfrm>
-            <a:off x="7286644" y="1714488"/>
-            <a:ext cx="1500198" cy="0"/>
-          </a:xfrm>
-          <a:prstGeom prst="line">
-            <a:avLst/>
-          </a:prstGeom>
-          <a:ln w="38100">
-            <a:solidFill>
-              <a:srgbClr val="FF0000"/>
-            </a:solidFill>
-            <a:headEnd type="none"/>
-          </a:ln>
-        </p:spPr>
-        <p:style>
-          <a:lnRef idx="1">
-            <a:schemeClr val="accent1"/>
-          </a:lnRef>
-          <a:fillRef idx="0">
-            <a:schemeClr val="accent1"/>
-          </a:fillRef>
-          <a:effectRef idx="0">
-            <a:schemeClr val="accent1"/>
-          </a:effectRef>
-          <a:fontRef idx="minor">
-            <a:schemeClr val="tx1"/>
-          </a:fontRef>
-        </p:style>
-      </p:cxnSp>
-      <p:cxnSp>
-        <p:nvCxnSpPr>
-          <p:cNvPr id="25" name="Straight Connector 24"/>
-          <p:cNvCxnSpPr/>
-          <p:nvPr/>
-        </p:nvCxnSpPr>
-        <p:spPr>
-          <a:xfrm>
-            <a:off x="8143900" y="3071810"/>
-            <a:ext cx="642942" cy="0"/>
-          </a:xfrm>
-          <a:prstGeom prst="line">
-            <a:avLst/>
-          </a:prstGeom>
-          <a:ln w="38100">
-            <a:solidFill>
-              <a:srgbClr val="FF0000"/>
-            </a:solidFill>
-            <a:headEnd type="triangle"/>
-          </a:ln>
-        </p:spPr>
-        <p:style>
-          <a:lnRef idx="1">
-            <a:schemeClr val="accent1"/>
-          </a:lnRef>
-          <a:fillRef idx="0">
-            <a:schemeClr val="accent1"/>
-          </a:fillRef>
-          <a:effectRef idx="0">
-            <a:schemeClr val="accent1"/>
-          </a:effectRef>
-          <a:fontRef idx="minor">
-            <a:schemeClr val="tx1"/>
-          </a:fontRef>
-        </p:style>
-      </p:cxnSp>
-      <p:cxnSp>
-        <p:nvCxnSpPr>
-          <p:cNvPr id="26" name="Straight Connector 25"/>
-          <p:cNvCxnSpPr/>
-          <p:nvPr/>
-        </p:nvCxnSpPr>
-        <p:spPr>
-          <a:xfrm rot="5400000" flipH="1" flipV="1">
-            <a:off x="8108181" y="2393149"/>
-            <a:ext cx="1357322" cy="0"/>
-          </a:xfrm>
-          <a:prstGeom prst="line">
-            <a:avLst/>
-          </a:prstGeom>
-          <a:ln w="38100">
-            <a:solidFill>
-              <a:srgbClr val="FF0000"/>
-            </a:solidFill>
-            <a:headEnd type="none"/>
-          </a:ln>
-        </p:spPr>
-        <p:style>
-          <a:lnRef idx="1">
-            <a:schemeClr val="accent1"/>
-          </a:lnRef>
-          <a:fillRef idx="0">
-            <a:schemeClr val="accent1"/>
-          </a:fillRef>
-          <a:effectRef idx="0">
-            <a:schemeClr val="accent1"/>
-          </a:effectRef>
-          <a:fontRef idx="minor">
-            <a:schemeClr val="tx1"/>
-          </a:fontRef>
-        </p:style>
-      </p:cxnSp>
-      <p:cxnSp>
-        <p:nvCxnSpPr>
-          <p:cNvPr id="27" name="Straight Connector 26"/>
-          <p:cNvCxnSpPr/>
-          <p:nvPr/>
-        </p:nvCxnSpPr>
-        <p:spPr>
-          <a:xfrm>
-            <a:off x="5572132" y="4000504"/>
-            <a:ext cx="714380" cy="0"/>
-          </a:xfrm>
-          <a:prstGeom prst="line">
-            <a:avLst/>
-          </a:prstGeom>
-          <a:ln w="38100">
-            <a:solidFill>
-              <a:srgbClr val="0070C0"/>
-            </a:solidFill>
-            <a:headEnd type="none"/>
-          </a:ln>
-        </p:spPr>
-        <p:style>
-          <a:lnRef idx="1">
-            <a:schemeClr val="accent1"/>
-          </a:lnRef>
-          <a:fillRef idx="0">
-            <a:schemeClr val="accent1"/>
-          </a:fillRef>
-          <a:effectRef idx="0">
-            <a:schemeClr val="accent1"/>
-          </a:effectRef>
-          <a:fontRef idx="minor">
-            <a:schemeClr val="tx1"/>
-          </a:fontRef>
-        </p:style>
-      </p:cxnSp>
-      <p:cxnSp>
-        <p:nvCxnSpPr>
-          <p:cNvPr id="28" name="Straight Connector 27"/>
-          <p:cNvCxnSpPr/>
-          <p:nvPr/>
-        </p:nvCxnSpPr>
-        <p:spPr>
-          <a:xfrm>
-            <a:off x="5286380" y="857232"/>
-            <a:ext cx="285752" cy="0"/>
-          </a:xfrm>
-          <a:prstGeom prst="line">
-            <a:avLst/>
-          </a:prstGeom>
-          <a:ln w="38100">
-            <a:solidFill>
-              <a:srgbClr val="0070C0"/>
-            </a:solidFill>
-            <a:headEnd type="triangle"/>
-          </a:ln>
-        </p:spPr>
-        <p:style>
-          <a:lnRef idx="1">
-            <a:schemeClr val="accent1"/>
-          </a:lnRef>
-          <a:fillRef idx="0">
-            <a:schemeClr val="accent1"/>
-          </a:fillRef>
-          <a:effectRef idx="0">
-            <a:schemeClr val="accent1"/>
-          </a:effectRef>
-          <a:fontRef idx="minor">
-            <a:schemeClr val="tx1"/>
-          </a:fontRef>
-        </p:style>
-      </p:cxnSp>
-      <p:cxnSp>
-        <p:nvCxnSpPr>
-          <p:cNvPr id="29" name="Straight Connector 28"/>
-          <p:cNvCxnSpPr/>
-          <p:nvPr/>
-        </p:nvCxnSpPr>
-        <p:spPr>
-          <a:xfrm rot="5400000" flipH="1" flipV="1">
-            <a:off x="4000496" y="2428868"/>
-            <a:ext cx="3143272" cy="0"/>
-          </a:xfrm>
-          <a:prstGeom prst="line">
-            <a:avLst/>
-          </a:prstGeom>
-          <a:ln w="38100">
-            <a:solidFill>
-              <a:srgbClr val="0070C0"/>
-            </a:solidFill>
-            <a:headEnd type="none"/>
-          </a:ln>
-        </p:spPr>
-        <p:style>
-          <a:lnRef idx="1">
-            <a:schemeClr val="accent1"/>
-          </a:lnRef>
-          <a:fillRef idx="0">
-            <a:schemeClr val="accent1"/>
-          </a:fillRef>
-          <a:effectRef idx="0">
-            <a:schemeClr val="accent1"/>
-          </a:effectRef>
-          <a:fontRef idx="minor">
-            <a:schemeClr val="tx1"/>
-          </a:fontRef>
-        </p:style>
-      </p:cxnSp>
-      <p:cxnSp>
-        <p:nvCxnSpPr>
-          <p:cNvPr id="32" name="Straight Connector 31"/>
-          <p:cNvCxnSpPr/>
-          <p:nvPr/>
-        </p:nvCxnSpPr>
-        <p:spPr>
-          <a:xfrm>
-            <a:off x="7358082" y="3429000"/>
-            <a:ext cx="1571636" cy="0"/>
-          </a:xfrm>
-          <a:prstGeom prst="line">
-            <a:avLst/>
-          </a:prstGeom>
-          <a:ln w="38100">
-            <a:solidFill>
-              <a:srgbClr val="00B050"/>
-            </a:solidFill>
-            <a:headEnd type="none"/>
-          </a:ln>
-        </p:spPr>
-        <p:style>
-          <a:lnRef idx="1">
-            <a:schemeClr val="accent1"/>
-          </a:lnRef>
-          <a:fillRef idx="0">
-            <a:schemeClr val="accent1"/>
-          </a:fillRef>
-          <a:effectRef idx="0">
-            <a:schemeClr val="accent1"/>
-          </a:effectRef>
-          <a:fontRef idx="minor">
-            <a:schemeClr val="tx1"/>
-          </a:fontRef>
-        </p:style>
-      </p:cxnSp>
-      <p:cxnSp>
-        <p:nvCxnSpPr>
-          <p:cNvPr id="33" name="Straight Connector 32"/>
-          <p:cNvCxnSpPr/>
-          <p:nvPr/>
-        </p:nvCxnSpPr>
-        <p:spPr>
-          <a:xfrm>
-            <a:off x="8643934" y="785794"/>
-            <a:ext cx="285784" cy="0"/>
-          </a:xfrm>
-          <a:prstGeom prst="line">
-            <a:avLst/>
-          </a:prstGeom>
-          <a:ln w="38100">
-            <a:solidFill>
-              <a:srgbClr val="00B050"/>
-            </a:solidFill>
-            <a:headEnd type="triangle"/>
-          </a:ln>
-        </p:spPr>
-        <p:style>
-          <a:lnRef idx="1">
-            <a:schemeClr val="accent1"/>
-          </a:lnRef>
-          <a:fillRef idx="0">
-            <a:schemeClr val="accent1"/>
-          </a:fillRef>
-          <a:effectRef idx="0">
-            <a:schemeClr val="accent1"/>
-          </a:effectRef>
-          <a:fontRef idx="minor">
-            <a:schemeClr val="tx1"/>
-          </a:fontRef>
-        </p:style>
-      </p:cxnSp>
-      <p:cxnSp>
-        <p:nvCxnSpPr>
-          <p:cNvPr id="34" name="Straight Connector 33"/>
-          <p:cNvCxnSpPr/>
-          <p:nvPr/>
-        </p:nvCxnSpPr>
-        <p:spPr>
-          <a:xfrm rot="5400000" flipH="1" flipV="1">
-            <a:off x="7608115" y="2107397"/>
-            <a:ext cx="2643206" cy="0"/>
-          </a:xfrm>
-          <a:prstGeom prst="line">
-            <a:avLst/>
-          </a:prstGeom>
-          <a:ln w="38100">
-            <a:solidFill>
-              <a:srgbClr val="00B050"/>
-            </a:solidFill>
-            <a:headEnd type="none"/>
-          </a:ln>
-        </p:spPr>
-        <p:style>
-          <a:lnRef idx="1">
-            <a:schemeClr val="accent1"/>
-          </a:lnRef>
-          <a:fillRef idx="0">
-            <a:schemeClr val="accent1"/>
-          </a:fillRef>
-          <a:effectRef idx="0">
-            <a:schemeClr val="accent1"/>
-          </a:effectRef>
-          <a:fontRef idx="minor">
-            <a:schemeClr val="tx1"/>
-          </a:fontRef>
-        </p:style>
-      </p:cxnSp>
-      <p:cxnSp>
-        <p:nvCxnSpPr>
-          <p:cNvPr id="45" name="Straight Connector 44"/>
-          <p:cNvCxnSpPr/>
-          <p:nvPr/>
-        </p:nvCxnSpPr>
-        <p:spPr>
-          <a:xfrm>
-            <a:off x="5715008" y="2071678"/>
-            <a:ext cx="357190" cy="0"/>
-          </a:xfrm>
-          <a:prstGeom prst="line">
-            <a:avLst/>
-          </a:prstGeom>
-          <a:ln w="38100">
-            <a:solidFill>
-              <a:schemeClr val="accent5">
-                <a:lumMod val="75000"/>
-              </a:schemeClr>
-            </a:solidFill>
-            <a:headEnd type="none"/>
-          </a:ln>
-        </p:spPr>
-        <p:style>
-          <a:lnRef idx="1">
-            <a:schemeClr val="accent1"/>
-          </a:lnRef>
-          <a:fillRef idx="0">
-            <a:schemeClr val="accent1"/>
-          </a:fillRef>
-          <a:effectRef idx="0">
-            <a:schemeClr val="accent1"/>
-          </a:effectRef>
-          <a:fontRef idx="minor">
-            <a:schemeClr val="tx1"/>
-          </a:fontRef>
-        </p:style>
-      </p:cxnSp>
-      <p:cxnSp>
-        <p:nvCxnSpPr>
-          <p:cNvPr id="46" name="Straight Connector 45"/>
-          <p:cNvCxnSpPr/>
-          <p:nvPr/>
-        </p:nvCxnSpPr>
-        <p:spPr>
-          <a:xfrm>
-            <a:off x="5286380" y="642918"/>
-            <a:ext cx="428628" cy="0"/>
-          </a:xfrm>
-          <a:prstGeom prst="line">
-            <a:avLst/>
-          </a:prstGeom>
-          <a:ln w="38100">
-            <a:solidFill>
-              <a:schemeClr val="accent5">
-                <a:lumMod val="75000"/>
-              </a:schemeClr>
-            </a:solidFill>
-            <a:headEnd type="triangle"/>
-          </a:ln>
-        </p:spPr>
-        <p:style>
-          <a:lnRef idx="1">
-            <a:schemeClr val="accent1"/>
-          </a:lnRef>
-          <a:fillRef idx="0">
-            <a:schemeClr val="accent1"/>
-          </a:fillRef>
-          <a:effectRef idx="0">
-            <a:schemeClr val="accent1"/>
-          </a:effectRef>
-          <a:fontRef idx="minor">
-            <a:schemeClr val="tx1"/>
-          </a:fontRef>
-        </p:style>
-      </p:cxnSp>
-      <p:cxnSp>
-        <p:nvCxnSpPr>
-          <p:cNvPr id="47" name="Straight Connector 46"/>
-          <p:cNvCxnSpPr/>
-          <p:nvPr/>
-        </p:nvCxnSpPr>
-        <p:spPr>
-          <a:xfrm rot="5400000" flipH="1" flipV="1">
-            <a:off x="5000628" y="1357298"/>
-            <a:ext cx="1428760" cy="0"/>
-          </a:xfrm>
-          <a:prstGeom prst="line">
-            <a:avLst/>
-          </a:prstGeom>
-          <a:ln w="38100">
-            <a:solidFill>
-              <a:schemeClr val="accent5">
-                <a:lumMod val="75000"/>
-              </a:schemeClr>
-            </a:solidFill>
-            <a:headEnd type="none"/>
-          </a:ln>
-        </p:spPr>
-        <p:style>
-          <a:lnRef idx="1">
-            <a:schemeClr val="accent1"/>
-          </a:lnRef>
-          <a:fillRef idx="0">
-            <a:schemeClr val="accent1"/>
-          </a:fillRef>
-          <a:effectRef idx="0">
-            <a:schemeClr val="accent1"/>
-          </a:effectRef>
-          <a:fontRef idx="minor">
-            <a:schemeClr val="tx1"/>
-          </a:fontRef>
-        </p:style>
-      </p:cxnSp>
+        <p:txBody>
+          <a:bodyPr wrap="square">
+            <a:spAutoFit/>
+          </a:bodyPr>
+          <a:lstStyle/>
+          <a:p>
+            <a:r>
+              <a:rPr lang="en-US" sz="2000" b="1" dirty="0" smtClean="0"/>
+              <a:t>function Phone(model, color) {</a:t>
+            </a:r>
+          </a:p>
+          <a:p>
+            <a:r>
+              <a:rPr lang="en-US" sz="2000" b="1" dirty="0" smtClean="0"/>
+              <a:t>	</a:t>
+            </a:r>
+            <a:r>
+              <a:rPr lang="en-US" sz="2000" b="1" dirty="0" err="1" smtClean="0"/>
+              <a:t>this.model</a:t>
+            </a:r>
+            <a:r>
+              <a:rPr lang="en-US" sz="2000" b="1" dirty="0" smtClean="0"/>
+              <a:t> = model;</a:t>
+            </a:r>
+          </a:p>
+          <a:p>
+            <a:r>
+              <a:rPr lang="en-US" sz="2000" b="1" dirty="0" smtClean="0"/>
+              <a:t>	</a:t>
+            </a:r>
+            <a:r>
+              <a:rPr lang="en-US" sz="2000" b="1" dirty="0" err="1" smtClean="0"/>
+              <a:t>this.color</a:t>
+            </a:r>
+            <a:r>
+              <a:rPr lang="en-US" sz="2000" b="1" dirty="0" smtClean="0"/>
+              <a:t> = color;</a:t>
+            </a:r>
+          </a:p>
+          <a:p>
+            <a:r>
+              <a:rPr lang="en-US" sz="2000" b="1" dirty="0" smtClean="0"/>
+              <a:t>	</a:t>
+            </a:r>
+            <a:r>
+              <a:rPr lang="en-US" sz="2000" b="1" dirty="0" err="1" smtClean="0">
+                <a:solidFill>
+                  <a:schemeClr val="accent6">
+                    <a:lumMod val="75000"/>
+                  </a:schemeClr>
+                </a:solidFill>
+              </a:rPr>
+              <a:t>var</a:t>
+            </a:r>
+            <a:r>
+              <a:rPr lang="en-US" sz="2000" b="1" dirty="0" smtClean="0">
+                <a:solidFill>
+                  <a:schemeClr val="accent6">
+                    <a:lumMod val="75000"/>
+                  </a:schemeClr>
+                </a:solidFill>
+              </a:rPr>
+              <a:t>  volume ;</a:t>
+            </a:r>
+          </a:p>
+          <a:p>
+            <a:r>
+              <a:rPr lang="en-US" sz="2000" b="1" dirty="0" smtClean="0">
+                <a:solidFill>
+                  <a:schemeClr val="accent6">
+                    <a:lumMod val="75000"/>
+                  </a:schemeClr>
+                </a:solidFill>
+              </a:rPr>
+              <a:t>	</a:t>
+            </a:r>
+            <a:r>
+              <a:rPr lang="en-US" sz="2000" b="1" dirty="0" err="1" smtClean="0">
+                <a:solidFill>
+                  <a:schemeClr val="accent6">
+                    <a:lumMod val="75000"/>
+                  </a:schemeClr>
+                </a:solidFill>
+              </a:rPr>
+              <a:t>this.getVolume</a:t>
+            </a:r>
+            <a:r>
+              <a:rPr lang="en-US" sz="2000" b="1" dirty="0" smtClean="0">
+                <a:solidFill>
+                  <a:schemeClr val="accent6">
+                    <a:lumMod val="75000"/>
+                  </a:schemeClr>
+                </a:solidFill>
+              </a:rPr>
+              <a:t> = function() {return volume;}</a:t>
+            </a:r>
+          </a:p>
+          <a:p>
+            <a:r>
+              <a:rPr lang="en-US" sz="2000" b="1" dirty="0" smtClean="0">
+                <a:solidFill>
+                  <a:schemeClr val="accent6">
+                    <a:lumMod val="75000"/>
+                  </a:schemeClr>
+                </a:solidFill>
+              </a:rPr>
+              <a:t>	</a:t>
+            </a:r>
+            <a:r>
+              <a:rPr lang="en-US" sz="2000" b="1" dirty="0" err="1" smtClean="0">
+                <a:solidFill>
+                  <a:schemeClr val="accent6">
+                    <a:lumMod val="75000"/>
+                  </a:schemeClr>
+                </a:solidFill>
+              </a:rPr>
+              <a:t>this.setVolume</a:t>
+            </a:r>
+            <a:r>
+              <a:rPr lang="en-US" sz="2000" b="1" dirty="0" smtClean="0">
+                <a:solidFill>
+                  <a:schemeClr val="accent6">
+                    <a:lumMod val="75000"/>
+                  </a:schemeClr>
+                </a:solidFill>
+              </a:rPr>
+              <a:t> = function(v) {volume  = v;}</a:t>
+            </a:r>
+          </a:p>
+          <a:p>
+            <a:r>
+              <a:rPr lang="en-US" sz="2000" b="1" dirty="0" smtClean="0"/>
+              <a:t>}</a:t>
+            </a:r>
+          </a:p>
+          <a:p>
+            <a:endParaRPr lang="en-US" sz="2000" b="1" dirty="0" smtClean="0"/>
+          </a:p>
+        </p:txBody>
+      </p:sp>
     </p:spTree>
   </p:cSld>
   <p:clrMapOvr>
@@ -30245,7 +30351,7 @@
                   </a:schemeClr>
                 </a:solidFill>
               </a:rPr>
-              <a:t>Private members</a:t>
+              <a:t>Extending Without Inheriting</a:t>
             </a:r>
             <a:endParaRPr lang="en-US" b="1" dirty="0">
               <a:solidFill>
@@ -30267,7 +30373,7 @@
         <p:spPr>
           <a:xfrm>
             <a:off x="857224" y="928670"/>
-            <a:ext cx="7715304" cy="2554545"/>
+            <a:ext cx="7715304" cy="3785652"/>
           </a:xfrm>
           <a:prstGeom prst="rect">
             <a:avLst/>
@@ -30294,136 +30400,144 @@
           <a:lstStyle/>
           <a:p>
             <a:r>
-              <a:rPr lang="en-US" sz="2000" b="1" dirty="0" smtClean="0"/>
-              <a:t>function Phone(model, color) {</a:t>
-            </a:r>
-          </a:p>
-          <a:p>
-            <a:r>
-              <a:rPr lang="en-US" sz="2000" b="1" dirty="0" smtClean="0"/>
-              <a:t>	</a:t>
-            </a:r>
-            <a:r>
-              <a:rPr lang="en-US" sz="2000" b="1" dirty="0" err="1" smtClean="0"/>
-              <a:t>this.model</a:t>
-            </a:r>
-            <a:r>
-              <a:rPr lang="en-US" sz="2000" b="1" dirty="0" smtClean="0"/>
-              <a:t> = model;</a:t>
-            </a:r>
-          </a:p>
-          <a:p>
-            <a:r>
-              <a:rPr lang="en-US" sz="2000" b="1" dirty="0" smtClean="0"/>
-              <a:t>	</a:t>
-            </a:r>
-            <a:r>
-              <a:rPr lang="en-US" sz="2000" b="1" dirty="0" err="1" smtClean="0"/>
-              <a:t>this.color</a:t>
-            </a:r>
-            <a:r>
-              <a:rPr lang="en-US" sz="2000" b="1" dirty="0" smtClean="0"/>
-              <a:t> = color;</a:t>
-            </a:r>
-          </a:p>
-          <a:p>
-            <a:r>
-              <a:rPr lang="en-US" sz="2000" b="1" dirty="0" smtClean="0"/>
-              <a:t>	</a:t>
-            </a:r>
-            <a:r>
-              <a:rPr lang="en-US" sz="2000" b="1" dirty="0" err="1" smtClean="0">
-                <a:solidFill>
-                  <a:schemeClr val="accent6">
-                    <a:lumMod val="75000"/>
-                  </a:schemeClr>
-                </a:solidFill>
-              </a:rPr>
+              <a:rPr lang="en-US" sz="2400" b="1" dirty="0" smtClean="0"/>
+              <a:t>function </a:t>
+            </a:r>
+            <a:r>
+              <a:rPr lang="en-US" sz="2400" b="1" dirty="0" err="1" smtClean="0"/>
+              <a:t>borrowMethods</a:t>
+            </a:r>
+            <a:r>
+              <a:rPr lang="en-US" sz="2400" b="1" dirty="0" smtClean="0"/>
+              <a:t>(</a:t>
+            </a:r>
+            <a:r>
+              <a:rPr lang="en-US" sz="2400" b="1" dirty="0" err="1" smtClean="0"/>
+              <a:t>borrowFrom</a:t>
+            </a:r>
+            <a:r>
+              <a:rPr lang="en-US" sz="2400" b="1" dirty="0" smtClean="0"/>
+              <a:t>, </a:t>
+            </a:r>
+            <a:r>
+              <a:rPr lang="en-US" sz="2400" b="1" dirty="0" err="1" smtClean="0"/>
+              <a:t>addTo</a:t>
+            </a:r>
+            <a:r>
+              <a:rPr lang="en-US" sz="2400" b="1" dirty="0" smtClean="0"/>
+              <a:t>) {</a:t>
+            </a:r>
+          </a:p>
+          <a:p>
+            <a:r>
+              <a:rPr lang="en-US" sz="2400" b="1" dirty="0" smtClean="0"/>
+              <a:t>	 </a:t>
+            </a:r>
+            <a:r>
+              <a:rPr lang="en-US" sz="2400" b="1" dirty="0" err="1" smtClean="0"/>
               <a:t>var</a:t>
             </a:r>
             <a:r>
-              <a:rPr lang="en-US" sz="2000" b="1" dirty="0" smtClean="0">
-                <a:solidFill>
-                  <a:schemeClr val="accent6">
-                    <a:lumMod val="75000"/>
-                  </a:schemeClr>
-                </a:solidFill>
-              </a:rPr>
-              <a:t>  volume ;</a:t>
-            </a:r>
-          </a:p>
-          <a:p>
-            <a:r>
-              <a:rPr lang="en-US" sz="2000" b="1" dirty="0" smtClean="0">
-                <a:solidFill>
-                  <a:schemeClr val="accent6">
-                    <a:lumMod val="75000"/>
-                  </a:schemeClr>
-                </a:solidFill>
-              </a:rPr>
-              <a:t>	</a:t>
-            </a:r>
-            <a:r>
-              <a:rPr lang="en-US" sz="2000" b="1" dirty="0" err="1" smtClean="0">
-                <a:solidFill>
-                  <a:schemeClr val="accent6">
-                    <a:lumMod val="75000"/>
-                  </a:schemeClr>
-                </a:solidFill>
-              </a:rPr>
-              <a:t>this.getVolume</a:t>
-            </a:r>
-            <a:r>
-              <a:rPr lang="en-US" sz="2000" b="1" dirty="0" smtClean="0">
-                <a:solidFill>
-                  <a:schemeClr val="accent6">
-                    <a:lumMod val="75000"/>
-                  </a:schemeClr>
-                </a:solidFill>
-              </a:rPr>
-              <a:t> = function() {return volume;}</a:t>
-            </a:r>
-          </a:p>
-          <a:p>
-            <a:r>
-              <a:rPr lang="en-US" sz="2000" b="1" dirty="0" smtClean="0">
-                <a:solidFill>
-                  <a:schemeClr val="accent6">
-                    <a:lumMod val="75000"/>
-                  </a:schemeClr>
-                </a:solidFill>
-              </a:rPr>
-              <a:t>	</a:t>
-            </a:r>
-            <a:r>
-              <a:rPr lang="en-US" sz="2000" b="1" dirty="0" err="1" smtClean="0">
-                <a:solidFill>
-                  <a:schemeClr val="accent6">
-                    <a:lumMod val="75000"/>
-                  </a:schemeClr>
-                </a:solidFill>
-              </a:rPr>
-              <a:t>this.setVolume</a:t>
-            </a:r>
-            <a:r>
-              <a:rPr lang="en-US" sz="2000" b="1" dirty="0" smtClean="0">
-                <a:solidFill>
-                  <a:schemeClr val="accent6">
-                    <a:lumMod val="75000"/>
-                  </a:schemeClr>
-                </a:solidFill>
-              </a:rPr>
-              <a:t> = function(v) {volume  = v;}</a:t>
-            </a:r>
-          </a:p>
-          <a:p>
-            <a:r>
-              <a:rPr lang="en-US" sz="2000" b="1" dirty="0" smtClean="0"/>
-              <a:t>}</a:t>
-            </a:r>
-          </a:p>
-          <a:p>
-            <a:endParaRPr lang="en-US" sz="2000" b="1" dirty="0" smtClean="0"/>
+              <a:rPr lang="en-US" sz="2400" b="1" dirty="0" smtClean="0"/>
+              <a:t> from = </a:t>
+            </a:r>
+            <a:r>
+              <a:rPr lang="en-US" sz="2400" b="1" dirty="0" err="1" smtClean="0"/>
+              <a:t>borrowFrom.prototype</a:t>
+            </a:r>
+            <a:r>
+              <a:rPr lang="en-US" sz="2400" b="1" dirty="0" smtClean="0"/>
+              <a:t>; </a:t>
+            </a:r>
+          </a:p>
+          <a:p>
+            <a:r>
+              <a:rPr lang="en-US" sz="2400" b="1" dirty="0" smtClean="0"/>
+              <a:t>	 </a:t>
+            </a:r>
+            <a:r>
+              <a:rPr lang="en-US" sz="2400" b="1" dirty="0" err="1" smtClean="0"/>
+              <a:t>var</a:t>
+            </a:r>
+            <a:r>
+              <a:rPr lang="en-US" sz="2400" b="1" dirty="0" smtClean="0"/>
+              <a:t> to = </a:t>
+            </a:r>
+            <a:r>
+              <a:rPr lang="en-US" sz="2400" b="1" dirty="0" err="1" smtClean="0"/>
+              <a:t>addTo.prototype</a:t>
+            </a:r>
+            <a:r>
+              <a:rPr lang="en-US" sz="2400" b="1" dirty="0" smtClean="0"/>
+              <a:t>; </a:t>
+            </a:r>
+          </a:p>
+          <a:p>
+            <a:r>
+              <a:rPr lang="en-US" sz="2400" b="1" dirty="0" smtClean="0"/>
+              <a:t>	 for (m in from) {</a:t>
+            </a:r>
+          </a:p>
+          <a:p>
+            <a:r>
+              <a:rPr lang="en-US" sz="2400" b="1" dirty="0" smtClean="0"/>
+              <a:t>	 	if (</a:t>
+            </a:r>
+            <a:r>
+              <a:rPr lang="en-US" sz="2400" b="1" dirty="0" err="1" smtClean="0"/>
+              <a:t>typeof</a:t>
+            </a:r>
+            <a:r>
+              <a:rPr lang="en-US" sz="2400" b="1" dirty="0" smtClean="0"/>
+              <a:t> from[m] != "function") continue; </a:t>
+            </a:r>
+          </a:p>
+          <a:p>
+            <a:r>
+              <a:rPr lang="en-US" sz="2400" b="1" dirty="0" smtClean="0"/>
+              <a:t>	 	to[m] = from[m]; </a:t>
+            </a:r>
+          </a:p>
+          <a:p>
+            <a:r>
+              <a:rPr lang="en-US" sz="2400" b="1" dirty="0" smtClean="0"/>
+              <a:t>	 }</a:t>
+            </a:r>
+          </a:p>
+          <a:p>
+            <a:r>
+              <a:rPr lang="en-US" sz="2400" b="1" dirty="0" smtClean="0"/>
+              <a:t> }</a:t>
+            </a:r>
+          </a:p>
+          <a:p>
+            <a:endParaRPr lang="en-US" sz="2400" b="1" dirty="0"/>
+          </a:p>
+          <a:p>
+            <a:r>
+              <a:rPr lang="en-US" sz="2400" b="1" dirty="0" err="1" smtClean="0"/>
+              <a:t>borrowMethods</a:t>
+            </a:r>
+            <a:r>
+              <a:rPr lang="en-US" sz="2400" b="1" dirty="0" smtClean="0"/>
+              <a:t>(</a:t>
+            </a:r>
+            <a:r>
+              <a:rPr lang="en-US" sz="2400" b="1" dirty="0"/>
+              <a:t>Stopwatch </a:t>
+            </a:r>
+            <a:r>
+              <a:rPr lang="en-US" sz="2400" b="1" dirty="0" smtClean="0"/>
+              <a:t>, </a:t>
+            </a:r>
+            <a:r>
+              <a:rPr lang="en-US" sz="2400" b="1" dirty="0" err="1" smtClean="0"/>
+              <a:t>MobilePhone</a:t>
+            </a:r>
+            <a:r>
+              <a:rPr lang="en-US" sz="2400" b="1" dirty="0" smtClean="0"/>
+              <a:t>);</a:t>
+            </a:r>
           </a:p>
         </p:txBody>
       </p:sp>
@@ -30483,205 +30597,19 @@
           <a:lstStyle/>
           <a:p>
             <a:r>
-              <a:rPr lang="en-US" b="1" dirty="0" smtClean="0">
-                <a:solidFill>
-                  <a:schemeClr val="tx1">
-                    <a:lumMod val="65000"/>
-                    <a:lumOff val="35000"/>
-                  </a:schemeClr>
-                </a:solidFill>
-              </a:rPr>
-              <a:t>Extending Without Inheriting</a:t>
-            </a:r>
-            <a:endParaRPr lang="en-US" b="1" dirty="0">
-              <a:solidFill>
-                <a:schemeClr val="tx1">
-                  <a:lumMod val="65000"/>
-                  <a:lumOff val="35000"/>
-                </a:schemeClr>
-              </a:solidFill>
-            </a:endParaRPr>
-          </a:p>
-        </p:txBody>
-      </p:sp>
-      <p:sp>
-        <p:nvSpPr>
-          <p:cNvPr id="20" name="Rectangle 19"/>
-          <p:cNvSpPr/>
-          <p:nvPr/>
-        </p:nvSpPr>
-        <p:spPr>
-          <a:xfrm>
-            <a:off x="857224" y="928670"/>
-            <a:ext cx="7715304" cy="3785652"/>
-          </a:xfrm>
-          <a:prstGeom prst="rect">
-            <a:avLst/>
-          </a:prstGeom>
-        </p:spPr>
-        <p:style>
-          <a:lnRef idx="1">
-            <a:schemeClr val="dk1"/>
-          </a:lnRef>
-          <a:fillRef idx="1001">
-            <a:schemeClr val="lt2"/>
-          </a:fillRef>
-          <a:effectRef idx="1">
-            <a:schemeClr val="dk1"/>
-          </a:effectRef>
-          <a:fontRef idx="minor">
-            <a:schemeClr val="dk1"/>
-          </a:fontRef>
-        </p:style>
-        <p:txBody>
-          <a:bodyPr wrap="square">
-            <a:spAutoFit/>
-          </a:bodyPr>
-          <a:lstStyle/>
-          <a:p>
-            <a:r>
-              <a:rPr lang="en-US" sz="2400" b="1" dirty="0" smtClean="0"/>
-              <a:t>function </a:t>
-            </a:r>
-            <a:r>
-              <a:rPr lang="en-US" sz="2400" b="1" dirty="0" err="1" smtClean="0"/>
-              <a:t>borrowMethods</a:t>
-            </a:r>
-            <a:r>
-              <a:rPr lang="en-US" sz="2400" b="1" dirty="0" smtClean="0"/>
-              <a:t>(</a:t>
-            </a:r>
-            <a:r>
-              <a:rPr lang="en-US" sz="2400" b="1" dirty="0" err="1" smtClean="0"/>
-              <a:t>borrowFrom</a:t>
-            </a:r>
-            <a:r>
-              <a:rPr lang="en-US" sz="2400" b="1" dirty="0" smtClean="0"/>
-              <a:t>, </a:t>
-            </a:r>
-            <a:r>
-              <a:rPr lang="en-US" sz="2400" b="1" dirty="0" err="1" smtClean="0"/>
-              <a:t>addTo</a:t>
-            </a:r>
-            <a:r>
-              <a:rPr lang="en-US" sz="2400" b="1" dirty="0" smtClean="0"/>
-              <a:t>) {</a:t>
-            </a:r>
-          </a:p>
-          <a:p>
-            <a:r>
-              <a:rPr lang="en-US" sz="2400" b="1" dirty="0" smtClean="0"/>
-              <a:t>	 </a:t>
-            </a:r>
-            <a:r>
-              <a:rPr lang="en-US" sz="2400" b="1" dirty="0" err="1" smtClean="0"/>
-              <a:t>var</a:t>
-            </a:r>
-            <a:r>
-              <a:rPr lang="en-US" sz="2400" b="1" dirty="0" smtClean="0"/>
-              <a:t> from = </a:t>
-            </a:r>
-            <a:r>
-              <a:rPr lang="en-US" sz="2400" b="1" dirty="0" err="1" smtClean="0"/>
-              <a:t>borrowFrom.prototype</a:t>
-            </a:r>
-            <a:r>
-              <a:rPr lang="en-US" sz="2400" b="1" dirty="0" smtClean="0"/>
-              <a:t>; </a:t>
-            </a:r>
-          </a:p>
-          <a:p>
-            <a:r>
-              <a:rPr lang="en-US" sz="2400" b="1" dirty="0" smtClean="0"/>
-              <a:t>	 </a:t>
-            </a:r>
-            <a:r>
-              <a:rPr lang="en-US" sz="2400" b="1" dirty="0" err="1" smtClean="0"/>
-              <a:t>var</a:t>
-            </a:r>
-            <a:r>
-              <a:rPr lang="en-US" sz="2400" b="1" dirty="0" smtClean="0"/>
-              <a:t> to = </a:t>
-            </a:r>
-            <a:r>
-              <a:rPr lang="en-US" sz="2400" b="1" dirty="0" err="1" smtClean="0"/>
-              <a:t>addTo.prototype</a:t>
-            </a:r>
-            <a:r>
-              <a:rPr lang="en-US" sz="2400" b="1" dirty="0" smtClean="0"/>
-              <a:t>; </a:t>
-            </a:r>
-          </a:p>
-          <a:p>
-            <a:r>
-              <a:rPr lang="en-US" sz="2400" b="1" dirty="0" smtClean="0"/>
-              <a:t>	 for (m in from) {</a:t>
-            </a:r>
-          </a:p>
-          <a:p>
-            <a:r>
-              <a:rPr lang="en-US" sz="2400" b="1" dirty="0" smtClean="0"/>
-              <a:t>	 	if (</a:t>
-            </a:r>
-            <a:r>
-              <a:rPr lang="en-US" sz="2400" b="1" dirty="0" err="1" smtClean="0"/>
-              <a:t>typeof</a:t>
-            </a:r>
-            <a:r>
-              <a:rPr lang="en-US" sz="2400" b="1" dirty="0" smtClean="0"/>
-              <a:t> from[m] != "function") continue; </a:t>
-            </a:r>
-          </a:p>
-          <a:p>
-            <a:r>
-              <a:rPr lang="en-US" sz="2400" b="1" dirty="0" smtClean="0"/>
-              <a:t>	 	to[m] = from[m]; </a:t>
-            </a:r>
-          </a:p>
-          <a:p>
-            <a:r>
-              <a:rPr lang="en-US" sz="2400" b="1" dirty="0" smtClean="0"/>
-              <a:t>	 }</a:t>
-            </a:r>
-          </a:p>
-          <a:p>
-            <a:r>
-              <a:rPr lang="en-US" sz="2400" b="1" dirty="0" smtClean="0"/>
-              <a:t> }</a:t>
-            </a:r>
-          </a:p>
-          <a:p>
-            <a:endParaRPr lang="en-US" sz="2400" b="1" dirty="0"/>
-          </a:p>
-          <a:p>
-            <a:r>
-              <a:rPr lang="en-US" sz="2400" b="1" dirty="0" err="1" smtClean="0"/>
-              <a:t>borrowMethods</a:t>
-            </a:r>
-            <a:r>
-              <a:rPr lang="en-US" sz="2400" b="1" dirty="0" smtClean="0"/>
-              <a:t>(</a:t>
-            </a:r>
-            <a:r>
-              <a:rPr lang="en-US" sz="2400" b="1" dirty="0"/>
-              <a:t>Stopwatch </a:t>
-            </a:r>
-            <a:r>
-              <a:rPr lang="en-US" sz="2400" b="1" dirty="0" smtClean="0"/>
-              <a:t>, </a:t>
-            </a:r>
-            <a:r>
-              <a:rPr lang="en-US" sz="2400" b="1" dirty="0" err="1" smtClean="0"/>
-              <a:t>MobilePhone</a:t>
-            </a:r>
-            <a:r>
-              <a:rPr lang="en-US" sz="2400" b="1" dirty="0" smtClean="0"/>
-              <a:t>);</a:t>
-            </a:r>
+              <a:rPr lang="en-US" b="1" dirty="0" err="1" smtClean="0"/>
+              <a:t>Mixins</a:t>
+            </a:r>
+            <a:endParaRPr lang="en-US" b="1" dirty="0"/>
           </a:p>
         </p:txBody>
       </p:sp>
     </p:spTree>
+    <p:extLst>
+      <p:ext uri="{BB962C8B-B14F-4D97-AF65-F5344CB8AC3E}">
+        <p14:creationId xmlns:p14="http://schemas.microsoft.com/office/powerpoint/2010/main" val="1692825431"/>
+      </p:ext>
+    </p:extLst>
   </p:cSld>
   <p:clrMapOvr>
     <a:masterClrMapping/>
@@ -30726,7 +30654,7 @@
         </p:nvSpPr>
         <p:spPr>
           <a:xfrm>
-            <a:off x="642910" y="142852"/>
+            <a:off x="714348" y="3143248"/>
             <a:ext cx="7772400" cy="528640"/>
           </a:xfrm>
         </p:spPr>
@@ -30737,19 +30665,32 @@
           <a:lstStyle/>
           <a:p>
             <a:r>
-              <a:rPr lang="en-US" b="1" dirty="0" err="1" smtClean="0"/>
-              <a:t>Mixins</a:t>
-            </a:r>
+              <a:rPr lang="en-US" b="1" dirty="0" smtClean="0"/>
+              <a:t>Parasitic</a:t>
+            </a:r>
+            <a:r>
+              <a:rPr lang="en-US" dirty="0" smtClean="0"/>
+              <a:t> </a:t>
+            </a:r>
+            <a:r>
+              <a:rPr lang="en-US" b="1" dirty="0" smtClean="0"/>
+              <a:t>inheritance </a:t>
+            </a:r>
+            <a:br>
+              <a:rPr lang="en-US" b="1" dirty="0" smtClean="0"/>
+            </a:br>
+            <a:r>
+              <a:rPr lang="en-US" b="1" dirty="0" smtClean="0"/>
+              <a:t>(functional pattern)</a:t>
+            </a:r>
+            <a:br>
+              <a:rPr lang="en-US" b="1" dirty="0" smtClean="0"/>
+            </a:br>
             <a:endParaRPr lang="en-US" b="1" dirty="0"/>
           </a:p>
         </p:txBody>
       </p:sp>
     </p:spTree>
-    <p:extLst>
-      <p:ext uri="{BB962C8B-B14F-4D97-AF65-F5344CB8AC3E}">
-        <p14:creationId xmlns:p14="http://schemas.microsoft.com/office/powerpoint/2010/main" val="1692825431"/>
-      </p:ext>
-    </p:extLst>
   </p:cSld>
   <p:clrMapOvr>
     <a:masterClrMapping/>
@@ -30794,87 +30735,6 @@
         </p:nvSpPr>
         <p:spPr>
           <a:xfrm>
-            <a:off x="714348" y="3143248"/>
-            <a:ext cx="7772400" cy="528640"/>
-          </a:xfrm>
-        </p:spPr>
-        <p:txBody>
-          <a:bodyPr>
-            <a:normAutofit fontScale="90000"/>
-          </a:bodyPr>
-          <a:lstStyle/>
-          <a:p>
-            <a:r>
-              <a:rPr lang="en-US" b="1" dirty="0" smtClean="0"/>
-              <a:t>Parasitic</a:t>
-            </a:r>
-            <a:r>
-              <a:rPr lang="en-US" dirty="0" smtClean="0"/>
-              <a:t> </a:t>
-            </a:r>
-            <a:r>
-              <a:rPr lang="en-US" b="1" dirty="0" smtClean="0"/>
-              <a:t>inheritance </a:t>
-            </a:r>
-            <a:br>
-              <a:rPr lang="en-US" b="1" dirty="0" smtClean="0"/>
-            </a:br>
-            <a:r>
-              <a:rPr lang="en-US" b="1" dirty="0" smtClean="0"/>
-              <a:t>(functional pattern)</a:t>
-            </a:r>
-            <a:br>
-              <a:rPr lang="en-US" b="1" dirty="0" smtClean="0"/>
-            </a:br>
-            <a:endParaRPr lang="en-US" b="1" dirty="0"/>
-          </a:p>
-        </p:txBody>
-      </p:sp>
-    </p:spTree>
-  </p:cSld>
-  <p:clrMapOvr>
-    <a:masterClrMapping/>
-  </p:clrMapOvr>
-  <p:transition/>
-  <p:timing>
-    <p:tnLst>
-      <p:par>
-        <p:cTn id="1" dur="indefinite" restart="never" nodeType="tmRoot"/>
-      </p:par>
-    </p:tnLst>
-  </p:timing>
-</p:sld>
-</file>
-
-<file path=ppt/slides/slide45.xml><?xml version="1.0" encoding="utf-8"?>
-<p:sld xmlns:a="http://schemas.openxmlformats.org/drawingml/2006/main" xmlns:r="http://schemas.openxmlformats.org/officeDocument/2006/relationships" xmlns:p="http://schemas.openxmlformats.org/presentationml/2006/main">
-  <p:cSld>
-    <p:spTree>
-      <p:nvGrpSpPr>
-        <p:cNvPr id="1" name=""/>
-        <p:cNvGrpSpPr/>
-        <p:nvPr/>
-      </p:nvGrpSpPr>
-      <p:grpSpPr>
-        <a:xfrm>
-          <a:off x="0" y="0"/>
-          <a:ext cx="0" cy="0"/>
-          <a:chOff x="0" y="0"/>
-          <a:chExt cx="0" cy="0"/>
-        </a:xfrm>
-      </p:grpSpPr>
-      <p:sp>
-        <p:nvSpPr>
-          <p:cNvPr id="2" name="Заголовок 1"/>
-          <p:cNvSpPr>
-            <a:spLocks noGrp="1"/>
-          </p:cNvSpPr>
-          <p:nvPr>
-            <p:ph type="ctrTitle"/>
-          </p:nvPr>
-        </p:nvSpPr>
-        <p:spPr>
-          <a:xfrm>
             <a:off x="642910" y="142852"/>
             <a:ext cx="7772400" cy="528640"/>
           </a:xfrm>
@@ -31067,7 +30927,7 @@
 </p:sld>
 </file>
 
-<file path=ppt/slides/slide46.xml><?xml version="1.0" encoding="utf-8"?>
+<file path=ppt/slides/slide45.xml><?xml version="1.0" encoding="utf-8"?>
 <p:sld xmlns:a="http://schemas.openxmlformats.org/drawingml/2006/main" xmlns:r="http://schemas.openxmlformats.org/officeDocument/2006/relationships" xmlns:p="http://schemas.openxmlformats.org/presentationml/2006/main">
   <p:cSld>
     <p:spTree>
@@ -31130,7 +30990,7 @@
 </p:sld>
 </file>
 
-<file path=ppt/slides/slide47.xml><?xml version="1.0" encoding="utf-8"?>
+<file path=ppt/slides/slide46.xml><?xml version="1.0" encoding="utf-8"?>
 <p:sld xmlns:a="http://schemas.openxmlformats.org/drawingml/2006/main" xmlns:r="http://schemas.openxmlformats.org/officeDocument/2006/relationships" xmlns:p="http://schemas.openxmlformats.org/presentationml/2006/main">
   <p:cSld>
     <p:spTree>
@@ -31398,7 +31258,7 @@
 </p:sld>
 </file>
 
-<file path=ppt/slides/slide48.xml><?xml version="1.0" encoding="utf-8"?>
+<file path=ppt/slides/slide47.xml><?xml version="1.0" encoding="utf-8"?>
 <p:sld xmlns:a="http://schemas.openxmlformats.org/drawingml/2006/main" xmlns:r="http://schemas.openxmlformats.org/officeDocument/2006/relationships" xmlns:p="http://schemas.openxmlformats.org/presentationml/2006/main">
   <p:cSld>
     <p:spTree>
@@ -31442,39 +31302,7 @@
                 <a:ea typeface="+mj-ea"/>
                 <a:cs typeface="+mj-cs"/>
               </a:rPr>
-              <a:t>Prefer </a:t>
-            </a:r>
-            <a:r>
-              <a:rPr lang="en-US" sz="2800" b="1" dirty="0">
-                <a:latin typeface="+mj-lt"/>
-                <a:ea typeface="+mj-ea"/>
-                <a:cs typeface="+mj-cs"/>
-              </a:rPr>
-              <a:t>containment (</a:t>
-            </a:r>
-            <a:r>
-              <a:rPr lang="en-US" sz="2800" b="1" dirty="0">
-                <a:latin typeface="+mj-lt"/>
-                <a:ea typeface="+mj-ea"/>
-                <a:cs typeface="+mj-cs"/>
-              </a:rPr>
-              <a:t>composition</a:t>
-            </a:r>
-            <a:r>
-              <a:rPr lang="en-US" sz="2800" b="1" dirty="0">
-                <a:latin typeface="+mj-lt"/>
-                <a:ea typeface="+mj-ea"/>
-                <a:cs typeface="+mj-cs"/>
-              </a:rPr>
-              <a:t>) over </a:t>
-            </a:r>
-            <a:r>
-              <a:rPr lang="en-US" sz="2800" b="1" dirty="0">
-                <a:latin typeface="+mj-lt"/>
-                <a:ea typeface="+mj-ea"/>
-                <a:cs typeface="+mj-cs"/>
-              </a:rPr>
-              <a:t>inheritance? </a:t>
+              <a:t>Prefer containment (composition) over inheritance? </a:t>
             </a:r>
           </a:p>
         </p:txBody>

--- a/inheritance-in-javascript/Inheritance.pptx
+++ b/inheritance-in-javascript/Inheritance.pptx
@@ -255,7 +255,7 @@
             <a:fld id="{83C55866-C109-46F5-A1A5-A583FE70736B}" type="datetimeFigureOut">
               <a:rPr lang="be-BY" smtClean="0"/>
               <a:pPr/>
-              <a:t>30.09.2015</a:t>
+              <a:t>22.10.2015</a:t>
             </a:fld>
             <a:endParaRPr lang="be-BY"/>
           </a:p>
@@ -1394,7 +1394,7 @@
             <a:fld id="{ADF9D30C-D1AE-43D8-9AC8-81DD3F555E58}" type="datetimeFigureOut">
               <a:rPr lang="be-BY" smtClean="0"/>
               <a:pPr/>
-              <a:t>30.09.2015</a:t>
+              <a:t>22.10.2015</a:t>
             </a:fld>
             <a:endParaRPr lang="be-BY"/>
           </a:p>
@@ -1561,7 +1561,7 @@
             <a:fld id="{ADF9D30C-D1AE-43D8-9AC8-81DD3F555E58}" type="datetimeFigureOut">
               <a:rPr lang="be-BY" smtClean="0"/>
               <a:pPr/>
-              <a:t>30.09.2015</a:t>
+              <a:t>22.10.2015</a:t>
             </a:fld>
             <a:endParaRPr lang="be-BY"/>
           </a:p>
@@ -1738,7 +1738,7 @@
             <a:fld id="{ADF9D30C-D1AE-43D8-9AC8-81DD3F555E58}" type="datetimeFigureOut">
               <a:rPr lang="be-BY" smtClean="0"/>
               <a:pPr/>
-              <a:t>30.09.2015</a:t>
+              <a:t>22.10.2015</a:t>
             </a:fld>
             <a:endParaRPr lang="be-BY"/>
           </a:p>
@@ -1905,7 +1905,7 @@
             <a:fld id="{ADF9D30C-D1AE-43D8-9AC8-81DD3F555E58}" type="datetimeFigureOut">
               <a:rPr lang="be-BY" smtClean="0"/>
               <a:pPr/>
-              <a:t>30.09.2015</a:t>
+              <a:t>22.10.2015</a:t>
             </a:fld>
             <a:endParaRPr lang="be-BY"/>
           </a:p>
@@ -2148,7 +2148,7 @@
             <a:fld id="{ADF9D30C-D1AE-43D8-9AC8-81DD3F555E58}" type="datetimeFigureOut">
               <a:rPr lang="be-BY" smtClean="0"/>
               <a:pPr/>
-              <a:t>30.09.2015</a:t>
+              <a:t>22.10.2015</a:t>
             </a:fld>
             <a:endParaRPr lang="be-BY"/>
           </a:p>
@@ -2433,7 +2433,7 @@
             <a:fld id="{ADF9D30C-D1AE-43D8-9AC8-81DD3F555E58}" type="datetimeFigureOut">
               <a:rPr lang="be-BY" smtClean="0"/>
               <a:pPr/>
-              <a:t>30.09.2015</a:t>
+              <a:t>22.10.2015</a:t>
             </a:fld>
             <a:endParaRPr lang="be-BY"/>
           </a:p>
@@ -2852,7 +2852,7 @@
             <a:fld id="{ADF9D30C-D1AE-43D8-9AC8-81DD3F555E58}" type="datetimeFigureOut">
               <a:rPr lang="be-BY" smtClean="0"/>
               <a:pPr/>
-              <a:t>30.09.2015</a:t>
+              <a:t>22.10.2015</a:t>
             </a:fld>
             <a:endParaRPr lang="be-BY"/>
           </a:p>
@@ -2967,7 +2967,7 @@
             <a:fld id="{ADF9D30C-D1AE-43D8-9AC8-81DD3F555E58}" type="datetimeFigureOut">
               <a:rPr lang="be-BY" smtClean="0"/>
               <a:pPr/>
-              <a:t>30.09.2015</a:t>
+              <a:t>22.10.2015</a:t>
             </a:fld>
             <a:endParaRPr lang="be-BY"/>
           </a:p>
@@ -3059,7 +3059,7 @@
             <a:fld id="{ADF9D30C-D1AE-43D8-9AC8-81DD3F555E58}" type="datetimeFigureOut">
               <a:rPr lang="be-BY" smtClean="0"/>
               <a:pPr/>
-              <a:t>30.09.2015</a:t>
+              <a:t>22.10.2015</a:t>
             </a:fld>
             <a:endParaRPr lang="be-BY"/>
           </a:p>
@@ -3333,7 +3333,7 @@
             <a:fld id="{ADF9D30C-D1AE-43D8-9AC8-81DD3F555E58}" type="datetimeFigureOut">
               <a:rPr lang="be-BY" smtClean="0"/>
               <a:pPr/>
-              <a:t>30.09.2015</a:t>
+              <a:t>22.10.2015</a:t>
             </a:fld>
             <a:endParaRPr lang="be-BY"/>
           </a:p>
@@ -3583,7 +3583,7 @@
             <a:fld id="{ADF9D30C-D1AE-43D8-9AC8-81DD3F555E58}" type="datetimeFigureOut">
               <a:rPr lang="be-BY" smtClean="0"/>
               <a:pPr/>
-              <a:t>30.09.2015</a:t>
+              <a:t>22.10.2015</a:t>
             </a:fld>
             <a:endParaRPr lang="be-BY"/>
           </a:p>
@@ -3793,7 +3793,7 @@
             <a:fld id="{ADF9D30C-D1AE-43D8-9AC8-81DD3F555E58}" type="datetimeFigureOut">
               <a:rPr lang="be-BY" smtClean="0"/>
               <a:pPr/>
-              <a:t>30.09.2015</a:t>
+              <a:t>22.10.2015</a:t>
             </a:fld>
             <a:endParaRPr lang="be-BY"/>
           </a:p>
@@ -17300,41 +17300,29 @@
         </p:nvSpPr>
         <p:spPr bwMode="auto">
           <a:xfrm>
-            <a:off x="1835696" y="4228879"/>
-            <a:ext cx="5832648" cy="1731243"/>
+            <a:off x="827584" y="3941148"/>
+            <a:ext cx="5832648" cy="2285241"/>
           </a:xfrm>
           <a:prstGeom prst="rect">
             <a:avLst/>
           </a:prstGeom>
-          <a:solidFill>
-            <a:srgbClr val="2B2B2B"/>
-          </a:solidFill>
-          <a:ln>
-            <a:noFill/>
-          </a:ln>
-          <a:effectLst/>
-          <a:extLst>
-            <a:ext uri="{91240B29-F687-4F45-9708-019B960494DF}">
-              <a14:hiddenLine xmlns:a14="http://schemas.microsoft.com/office/drawing/2010/main" w="9525">
-                <a:solidFill>
-                  <a:schemeClr val="tx1"/>
-                </a:solidFill>
-                <a:miter lim="800000"/>
-                <a:headEnd/>
-                <a:tailEnd/>
-              </a14:hiddenLine>
-            </a:ext>
-            <a:ext uri="{AF507438-7753-43E0-B8FC-AC1667EBCBE1}">
-              <a14:hiddenEffects xmlns:a14="http://schemas.microsoft.com/office/drawing/2010/main">
-                <a:effectLst>
-                  <a:outerShdw dist="35921" dir="2700000" algn="ctr" rotWithShape="0">
-                    <a:schemeClr val="bg2"/>
-                  </a:outerShdw>
-                </a:effectLst>
-              </a14:hiddenEffects>
-            </a:ext>
-          </a:extLst>
+          <a:ln/>
+          <a:extLst/>
         </p:spPr>
+        <p:style>
+          <a:lnRef idx="2">
+            <a:schemeClr val="dk1"/>
+          </a:lnRef>
+          <a:fillRef idx="1">
+            <a:schemeClr val="lt1"/>
+          </a:fillRef>
+          <a:effectRef idx="0">
+            <a:schemeClr val="dk1"/>
+          </a:effectRef>
+          <a:fontRef idx="minor">
+            <a:schemeClr val="dk1"/>
+          </a:fontRef>
+        </p:style>
         <p:txBody>
           <a:bodyPr vert="horz" wrap="square" lIns="68580" tIns="34290" rIns="68580" bIns="34290" numCol="1" anchor="ctr" anchorCtr="0" compatLnSpc="1">
             <a:prstTxWarp prst="textNoShape">
@@ -17353,361 +17341,176 @@
               </a:spcAft>
             </a:pPr>
             <a:r>
-              <a:rPr lang="en-US" altLang="en-US" b="1" dirty="0" err="1">
-                <a:solidFill>
-                  <a:srgbClr val="CC7832"/>
-                </a:solidFill>
+              <a:rPr lang="en-US" altLang="en-US" sz="2400" b="1" dirty="0" err="1">
                 <a:latin typeface="Courier New" panose="02070309020205020404" pitchFamily="49" charset="0"/>
                 <a:cs typeface="Courier New" panose="02070309020205020404" pitchFamily="49" charset="0"/>
               </a:rPr>
               <a:t>var</a:t>
             </a:r>
             <a:r>
-              <a:rPr lang="en-US" altLang="en-US" b="1" dirty="0">
-                <a:solidFill>
-                  <a:srgbClr val="CC7832"/>
-                </a:solidFill>
+              <a:rPr lang="en-US" altLang="en-US" sz="2400" b="1" dirty="0">
                 <a:latin typeface="Courier New" panose="02070309020205020404" pitchFamily="49" charset="0"/>
                 <a:cs typeface="Courier New" panose="02070309020205020404" pitchFamily="49" charset="0"/>
               </a:rPr>
               <a:t> </a:t>
             </a:r>
             <a:r>
-              <a:rPr lang="en-US" altLang="en-US" dirty="0">
-                <a:solidFill>
-                  <a:srgbClr val="FFC66D"/>
-                </a:solidFill>
+              <a:rPr lang="en-US" altLang="en-US" sz="2400" dirty="0">
                 <a:latin typeface="Courier New" panose="02070309020205020404" pitchFamily="49" charset="0"/>
                 <a:cs typeface="Courier New" panose="02070309020205020404" pitchFamily="49" charset="0"/>
               </a:rPr>
-              <a:t>Foo </a:t>
-            </a:r>
-            <a:r>
-              <a:rPr lang="en-US" altLang="en-US" dirty="0">
-                <a:solidFill>
-                  <a:srgbClr val="A9B7C6"/>
-                </a:solidFill>
+              <a:t>Foo = </a:t>
+            </a:r>
+            <a:r>
+              <a:rPr lang="en-US" altLang="en-US" sz="2400" b="1" dirty="0">
                 <a:latin typeface="Courier New" panose="02070309020205020404" pitchFamily="49" charset="0"/>
                 <a:cs typeface="Courier New" panose="02070309020205020404" pitchFamily="49" charset="0"/>
               </a:rPr>
-              <a:t>= </a:t>
-            </a:r>
-            <a:r>
-              <a:rPr lang="en-US" altLang="en-US" b="1" dirty="0">
-                <a:solidFill>
-                  <a:srgbClr val="CC7832"/>
-                </a:solidFill>
+              <a:t>function </a:t>
+            </a:r>
+            <a:r>
+              <a:rPr lang="en-US" altLang="en-US" sz="2400" dirty="0">
                 <a:latin typeface="Courier New" panose="02070309020205020404" pitchFamily="49" charset="0"/>
                 <a:cs typeface="Courier New" panose="02070309020205020404" pitchFamily="49" charset="0"/>
               </a:rPr>
-              <a:t>function </a:t>
-            </a:r>
-            <a:r>
-              <a:rPr lang="en-US" altLang="en-US" dirty="0">
-                <a:solidFill>
-                  <a:srgbClr val="A9B7C6"/>
-                </a:solidFill>
+              <a:t>() {</a:t>
+            </a:r>
+            <a:br>
+              <a:rPr lang="en-US" altLang="en-US" sz="2400" dirty="0">
                 <a:latin typeface="Courier New" panose="02070309020205020404" pitchFamily="49" charset="0"/>
                 <a:cs typeface="Courier New" panose="02070309020205020404" pitchFamily="49" charset="0"/>
               </a:rPr>
-              <a:t>() {</a:t>
-            </a:r>
-            <a:br>
-              <a:rPr lang="en-US" altLang="en-US" dirty="0">
-                <a:solidFill>
-                  <a:srgbClr val="A9B7C6"/>
-                </a:solidFill>
+            </a:br>
+            <a:r>
+              <a:rPr lang="en-US" altLang="en-US" sz="2400" dirty="0">
                 <a:latin typeface="Courier New" panose="02070309020205020404" pitchFamily="49" charset="0"/>
                 <a:cs typeface="Courier New" panose="02070309020205020404" pitchFamily="49" charset="0"/>
               </a:rPr>
-            </a:br>
-            <a:r>
-              <a:rPr lang="en-US" altLang="en-US" dirty="0">
-                <a:solidFill>
-                  <a:srgbClr val="A9B7C6"/>
-                </a:solidFill>
+              <a:t>  </a:t>
+            </a:r>
+            <a:r>
+              <a:rPr lang="en-US" altLang="en-US" sz="2400" b="1" dirty="0" err="1">
                 <a:latin typeface="Courier New" panose="02070309020205020404" pitchFamily="49" charset="0"/>
                 <a:cs typeface="Courier New" panose="02070309020205020404" pitchFamily="49" charset="0"/>
               </a:rPr>
-              <a:t>  </a:t>
-            </a:r>
-            <a:r>
-              <a:rPr lang="en-US" altLang="en-US" b="1" dirty="0" err="1">
-                <a:solidFill>
-                  <a:srgbClr val="CC7832"/>
-                </a:solidFill>
+              <a:t>this</a:t>
+            </a:r>
+            <a:r>
+              <a:rPr lang="en-US" altLang="en-US" sz="2400" dirty="0" err="1">
                 <a:latin typeface="Courier New" panose="02070309020205020404" pitchFamily="49" charset="0"/>
                 <a:cs typeface="Courier New" panose="02070309020205020404" pitchFamily="49" charset="0"/>
               </a:rPr>
-              <a:t>this</a:t>
-            </a:r>
-            <a:r>
-              <a:rPr lang="en-US" altLang="en-US" dirty="0" err="1">
-                <a:solidFill>
-                  <a:srgbClr val="A9B7C6"/>
-                </a:solidFill>
+              <a:t>.prop</a:t>
+            </a:r>
+            <a:r>
+              <a:rPr lang="en-US" altLang="en-US" sz="2400" dirty="0">
                 <a:latin typeface="Courier New" panose="02070309020205020404" pitchFamily="49" charset="0"/>
                 <a:cs typeface="Courier New" panose="02070309020205020404" pitchFamily="49" charset="0"/>
               </a:rPr>
-              <a:t>.</a:t>
-            </a:r>
-            <a:r>
-              <a:rPr lang="en-US" altLang="en-US" dirty="0" err="1">
-                <a:solidFill>
-                  <a:srgbClr val="9876AA"/>
-                </a:solidFill>
+              <a:t> = 10;</a:t>
+            </a:r>
+            <a:br>
+              <a:rPr lang="en-US" altLang="en-US" sz="2400" dirty="0">
                 <a:latin typeface="Courier New" panose="02070309020205020404" pitchFamily="49" charset="0"/>
                 <a:cs typeface="Courier New" panose="02070309020205020404" pitchFamily="49" charset="0"/>
               </a:rPr>
-              <a:t>prop</a:t>
-            </a:r>
-            <a:r>
-              <a:rPr lang="en-US" altLang="en-US" dirty="0">
-                <a:solidFill>
-                  <a:srgbClr val="9876AA"/>
-                </a:solidFill>
+            </a:br>
+            <a:r>
+              <a:rPr lang="en-US" altLang="en-US" sz="2400" dirty="0">
                 <a:latin typeface="Courier New" panose="02070309020205020404" pitchFamily="49" charset="0"/>
                 <a:cs typeface="Courier New" panose="02070309020205020404" pitchFamily="49" charset="0"/>
               </a:rPr>
-              <a:t> </a:t>
-            </a:r>
-            <a:r>
-              <a:rPr lang="en-US" altLang="en-US" dirty="0">
-                <a:solidFill>
-                  <a:srgbClr val="A9B7C6"/>
-                </a:solidFill>
+              <a:t>};</a:t>
+            </a:r>
+            <a:br>
+              <a:rPr lang="en-US" altLang="en-US" sz="2400" dirty="0">
                 <a:latin typeface="Courier New" panose="02070309020205020404" pitchFamily="49" charset="0"/>
                 <a:cs typeface="Courier New" panose="02070309020205020404" pitchFamily="49" charset="0"/>
               </a:rPr>
-              <a:t>= </a:t>
-            </a:r>
-            <a:r>
-              <a:rPr lang="en-US" altLang="en-US" dirty="0">
-                <a:solidFill>
-                  <a:srgbClr val="6897BB"/>
-                </a:solidFill>
+            </a:br>
+            <a:r>
+              <a:rPr lang="en-US" altLang="en-US" sz="2400" dirty="0" err="1">
                 <a:latin typeface="Courier New" panose="02070309020205020404" pitchFamily="49" charset="0"/>
                 <a:cs typeface="Courier New" panose="02070309020205020404" pitchFamily="49" charset="0"/>
               </a:rPr>
-              <a:t>10</a:t>
-            </a:r>
-            <a:r>
-              <a:rPr lang="en-US" altLang="en-US" dirty="0">
-                <a:solidFill>
-                  <a:srgbClr val="CC7832"/>
-                </a:solidFill>
+              <a:t>Foo.method</a:t>
+            </a:r>
+            <a:r>
+              <a:rPr lang="en-US" altLang="en-US" sz="2400" dirty="0">
                 <a:latin typeface="Courier New" panose="02070309020205020404" pitchFamily="49" charset="0"/>
                 <a:cs typeface="Courier New" panose="02070309020205020404" pitchFamily="49" charset="0"/>
               </a:rPr>
-              <a:t>;</a:t>
-            </a:r>
-            <a:br>
-              <a:rPr lang="en-US" altLang="en-US" dirty="0">
-                <a:solidFill>
-                  <a:srgbClr val="CC7832"/>
-                </a:solidFill>
+              <a:t> = </a:t>
+            </a:r>
+            <a:r>
+              <a:rPr lang="en-US" altLang="en-US" sz="2400" b="1" dirty="0">
                 <a:latin typeface="Courier New" panose="02070309020205020404" pitchFamily="49" charset="0"/>
                 <a:cs typeface="Courier New" panose="02070309020205020404" pitchFamily="49" charset="0"/>
               </a:rPr>
-            </a:br>
-            <a:r>
-              <a:rPr lang="en-US" altLang="en-US" dirty="0">
-                <a:solidFill>
-                  <a:srgbClr val="A9B7C6"/>
-                </a:solidFill>
+              <a:t>function </a:t>
+            </a:r>
+            <a:r>
+              <a:rPr lang="en-US" altLang="en-US" sz="2400" dirty="0">
                 <a:latin typeface="Courier New" panose="02070309020205020404" pitchFamily="49" charset="0"/>
                 <a:cs typeface="Courier New" panose="02070309020205020404" pitchFamily="49" charset="0"/>
               </a:rPr>
-              <a:t>}</a:t>
-            </a:r>
-            <a:r>
-              <a:rPr lang="en-US" altLang="en-US" dirty="0">
-                <a:solidFill>
-                  <a:srgbClr val="CC7832"/>
-                </a:solidFill>
+              <a:t>() {</a:t>
+            </a:r>
+            <a:br>
+              <a:rPr lang="en-US" altLang="en-US" sz="2400" dirty="0">
                 <a:latin typeface="Courier New" panose="02070309020205020404" pitchFamily="49" charset="0"/>
                 <a:cs typeface="Courier New" panose="02070309020205020404" pitchFamily="49" charset="0"/>
               </a:rPr>
-              <a:t>;</a:t>
-            </a:r>
-            <a:br>
-              <a:rPr lang="en-US" altLang="en-US" dirty="0">
-                <a:solidFill>
-                  <a:srgbClr val="CC7832"/>
-                </a:solidFill>
+            </a:br>
+            <a:r>
+              <a:rPr lang="en-US" altLang="en-US" sz="2400" dirty="0">
                 <a:latin typeface="Courier New" panose="02070309020205020404" pitchFamily="49" charset="0"/>
                 <a:cs typeface="Courier New" panose="02070309020205020404" pitchFamily="49" charset="0"/>
               </a:rPr>
-            </a:br>
-            <a:r>
-              <a:rPr lang="en-US" altLang="en-US" dirty="0" err="1">
-                <a:solidFill>
-                  <a:srgbClr val="FFC66D"/>
-                </a:solidFill>
+              <a:t>  </a:t>
+            </a:r>
+            <a:r>
+              <a:rPr lang="en-US" altLang="en-US" sz="2400" b="1" dirty="0">
                 <a:latin typeface="Courier New" panose="02070309020205020404" pitchFamily="49" charset="0"/>
                 <a:cs typeface="Courier New" panose="02070309020205020404" pitchFamily="49" charset="0"/>
               </a:rPr>
-              <a:t>Foo</a:t>
-            </a:r>
-            <a:r>
-              <a:rPr lang="en-US" altLang="en-US" dirty="0" err="1">
-                <a:solidFill>
-                  <a:srgbClr val="A9B7C6"/>
-                </a:solidFill>
+              <a:t>return </a:t>
+            </a:r>
+            <a:r>
+              <a:rPr lang="en-US" altLang="en-US" sz="2400" b="1" dirty="0" err="1">
                 <a:latin typeface="Courier New" panose="02070309020205020404" pitchFamily="49" charset="0"/>
                 <a:cs typeface="Courier New" panose="02070309020205020404" pitchFamily="49" charset="0"/>
               </a:rPr>
-              <a:t>.</a:t>
-            </a:r>
-            <a:r>
-              <a:rPr lang="en-US" altLang="en-US" dirty="0" err="1">
-                <a:solidFill>
-                  <a:srgbClr val="FFC66D"/>
-                </a:solidFill>
+              <a:t>this</a:t>
+            </a:r>
+            <a:r>
+              <a:rPr lang="en-US" altLang="en-US" sz="2400" dirty="0" err="1">
                 <a:latin typeface="Courier New" panose="02070309020205020404" pitchFamily="49" charset="0"/>
                 <a:cs typeface="Courier New" panose="02070309020205020404" pitchFamily="49" charset="0"/>
               </a:rPr>
-              <a:t>method</a:t>
-            </a:r>
-            <a:r>
-              <a:rPr lang="en-US" altLang="en-US" dirty="0">
-                <a:solidFill>
-                  <a:srgbClr val="FFC66D"/>
-                </a:solidFill>
+              <a:t>.prop</a:t>
+            </a:r>
+            <a:r>
+              <a:rPr lang="en-US" altLang="en-US" sz="2400" dirty="0">
                 <a:latin typeface="Courier New" panose="02070309020205020404" pitchFamily="49" charset="0"/>
                 <a:cs typeface="Courier New" panose="02070309020205020404" pitchFamily="49" charset="0"/>
               </a:rPr>
-              <a:t> </a:t>
-            </a:r>
-            <a:r>
-              <a:rPr lang="en-US" altLang="en-US" dirty="0">
-                <a:solidFill>
-                  <a:srgbClr val="A9B7C6"/>
-                </a:solidFill>
+              <a:t>;</a:t>
+            </a:r>
+            <a:br>
+              <a:rPr lang="en-US" altLang="en-US" sz="2400" dirty="0">
                 <a:latin typeface="Courier New" panose="02070309020205020404" pitchFamily="49" charset="0"/>
                 <a:cs typeface="Courier New" panose="02070309020205020404" pitchFamily="49" charset="0"/>
               </a:rPr>
-              <a:t>= </a:t>
-            </a:r>
-            <a:r>
-              <a:rPr lang="en-US" altLang="en-US" b="1" dirty="0">
-                <a:solidFill>
-                  <a:srgbClr val="CC7832"/>
-                </a:solidFill>
+            </a:br>
+            <a:r>
+              <a:rPr lang="en-US" altLang="en-US" sz="2400" dirty="0">
                 <a:latin typeface="Courier New" panose="02070309020205020404" pitchFamily="49" charset="0"/>
                 <a:cs typeface="Courier New" panose="02070309020205020404" pitchFamily="49" charset="0"/>
               </a:rPr>
-              <a:t>function </a:t>
-            </a:r>
-            <a:r>
-              <a:rPr lang="en-US" altLang="en-US" dirty="0">
-                <a:solidFill>
-                  <a:srgbClr val="A9B7C6"/>
-                </a:solidFill>
-                <a:latin typeface="Courier New" panose="02070309020205020404" pitchFamily="49" charset="0"/>
-                <a:cs typeface="Courier New" panose="02070309020205020404" pitchFamily="49" charset="0"/>
-              </a:rPr>
-              <a:t>() {</a:t>
-            </a:r>
-            <a:br>
-              <a:rPr lang="en-US" altLang="en-US" dirty="0">
-                <a:solidFill>
-                  <a:srgbClr val="A9B7C6"/>
-                </a:solidFill>
-                <a:latin typeface="Courier New" panose="02070309020205020404" pitchFamily="49" charset="0"/>
-                <a:cs typeface="Courier New" panose="02070309020205020404" pitchFamily="49" charset="0"/>
-              </a:rPr>
-            </a:br>
-            <a:r>
-              <a:rPr lang="en-US" altLang="en-US" dirty="0">
-                <a:solidFill>
-                  <a:srgbClr val="A9B7C6"/>
-                </a:solidFill>
-                <a:latin typeface="Courier New" panose="02070309020205020404" pitchFamily="49" charset="0"/>
-                <a:cs typeface="Courier New" panose="02070309020205020404" pitchFamily="49" charset="0"/>
-              </a:rPr>
-              <a:t>  </a:t>
-            </a:r>
-            <a:r>
-              <a:rPr lang="en-US" altLang="en-US" b="1" dirty="0">
-                <a:solidFill>
-                  <a:srgbClr val="CC7832"/>
-                </a:solidFill>
-                <a:latin typeface="Courier New" panose="02070309020205020404" pitchFamily="49" charset="0"/>
-                <a:cs typeface="Courier New" panose="02070309020205020404" pitchFamily="49" charset="0"/>
-              </a:rPr>
-              <a:t>return </a:t>
-            </a:r>
-            <a:r>
-              <a:rPr lang="en-US" altLang="en-US" b="1" dirty="0" err="1">
-                <a:solidFill>
-                  <a:srgbClr val="CC7832"/>
-                </a:solidFill>
-                <a:latin typeface="Courier New" panose="02070309020205020404" pitchFamily="49" charset="0"/>
-                <a:cs typeface="Courier New" panose="02070309020205020404" pitchFamily="49" charset="0"/>
-              </a:rPr>
-              <a:t>this</a:t>
-            </a:r>
-            <a:r>
-              <a:rPr lang="en-US" altLang="en-US" dirty="0" err="1">
-                <a:solidFill>
-                  <a:srgbClr val="A9B7C6"/>
-                </a:solidFill>
-                <a:latin typeface="Courier New" panose="02070309020205020404" pitchFamily="49" charset="0"/>
-                <a:cs typeface="Courier New" panose="02070309020205020404" pitchFamily="49" charset="0"/>
-              </a:rPr>
-              <a:t>.</a:t>
-            </a:r>
-            <a:r>
-              <a:rPr lang="en-US" altLang="en-US" dirty="0" err="1">
-                <a:solidFill>
-                  <a:srgbClr val="9876AA"/>
-                </a:solidFill>
-                <a:latin typeface="Courier New" panose="02070309020205020404" pitchFamily="49" charset="0"/>
-                <a:cs typeface="Courier New" panose="02070309020205020404" pitchFamily="49" charset="0"/>
-              </a:rPr>
-              <a:t>prop</a:t>
-            </a:r>
-            <a:r>
-              <a:rPr lang="en-US" altLang="en-US" dirty="0">
-                <a:solidFill>
-                  <a:srgbClr val="CC7832"/>
-                </a:solidFill>
-                <a:latin typeface="Courier New" panose="02070309020205020404" pitchFamily="49" charset="0"/>
-                <a:cs typeface="Courier New" panose="02070309020205020404" pitchFamily="49" charset="0"/>
-              </a:rPr>
-              <a:t>;</a:t>
-            </a:r>
-            <a:br>
-              <a:rPr lang="en-US" altLang="en-US" dirty="0">
-                <a:solidFill>
-                  <a:srgbClr val="CC7832"/>
-                </a:solidFill>
-                <a:latin typeface="Courier New" panose="02070309020205020404" pitchFamily="49" charset="0"/>
-                <a:cs typeface="Courier New" panose="02070309020205020404" pitchFamily="49" charset="0"/>
-              </a:rPr>
-            </a:br>
-            <a:r>
-              <a:rPr lang="en-US" altLang="en-US" dirty="0">
-                <a:solidFill>
-                  <a:srgbClr val="A9B7C6"/>
-                </a:solidFill>
-                <a:latin typeface="Courier New" panose="02070309020205020404" pitchFamily="49" charset="0"/>
-                <a:cs typeface="Courier New" panose="02070309020205020404" pitchFamily="49" charset="0"/>
-              </a:rPr>
-              <a:t>}</a:t>
-            </a:r>
-            <a:r>
-              <a:rPr lang="en-US" altLang="en-US" dirty="0">
-                <a:solidFill>
-                  <a:srgbClr val="CC7832"/>
-                </a:solidFill>
-                <a:latin typeface="Courier New" panose="02070309020205020404" pitchFamily="49" charset="0"/>
-                <a:cs typeface="Courier New" panose="02070309020205020404" pitchFamily="49" charset="0"/>
-              </a:rPr>
-              <a:t>;</a:t>
-            </a:r>
-            <a:endParaRPr lang="en-US" altLang="en-US" dirty="0">
+              <a:t>};</a:t>
+            </a:r>
+            <a:endParaRPr lang="en-US" altLang="en-US" sz="2400" dirty="0">
               <a:latin typeface="Arial" panose="020B0604020202020204" pitchFamily="34" charset="0"/>
             </a:endParaRPr>
           </a:p>
@@ -17752,41 +17555,29 @@
         </p:nvSpPr>
         <p:spPr bwMode="auto">
           <a:xfrm>
-            <a:off x="1763688" y="1567207"/>
-            <a:ext cx="5904656" cy="1731243"/>
+            <a:off x="755576" y="1325495"/>
+            <a:ext cx="5904656" cy="2285241"/>
           </a:xfrm>
           <a:prstGeom prst="rect">
             <a:avLst/>
           </a:prstGeom>
-          <a:solidFill>
-            <a:srgbClr val="2B2B2B"/>
-          </a:solidFill>
-          <a:ln>
-            <a:noFill/>
-          </a:ln>
-          <a:effectLst/>
-          <a:extLst>
-            <a:ext uri="{91240B29-F687-4F45-9708-019B960494DF}">
-              <a14:hiddenLine xmlns:a14="http://schemas.microsoft.com/office/drawing/2010/main" w="9525">
-                <a:solidFill>
-                  <a:schemeClr val="tx1"/>
-                </a:solidFill>
-                <a:miter lim="800000"/>
-                <a:headEnd/>
-                <a:tailEnd/>
-              </a14:hiddenLine>
-            </a:ext>
-            <a:ext uri="{AF507438-7753-43E0-B8FC-AC1667EBCBE1}">
-              <a14:hiddenEffects xmlns:a14="http://schemas.microsoft.com/office/drawing/2010/main">
-                <a:effectLst>
-                  <a:outerShdw dist="35921" dir="2700000" algn="ctr" rotWithShape="0">
-                    <a:schemeClr val="bg2"/>
-                  </a:outerShdw>
-                </a:effectLst>
-              </a14:hiddenEffects>
-            </a:ext>
-          </a:extLst>
+          <a:ln/>
+          <a:extLst/>
         </p:spPr>
+        <p:style>
+          <a:lnRef idx="2">
+            <a:schemeClr val="dk1"/>
+          </a:lnRef>
+          <a:fillRef idx="1">
+            <a:schemeClr val="lt1"/>
+          </a:fillRef>
+          <a:effectRef idx="0">
+            <a:schemeClr val="dk1"/>
+          </a:effectRef>
+          <a:fontRef idx="minor">
+            <a:schemeClr val="dk1"/>
+          </a:fontRef>
+        </p:style>
         <p:txBody>
           <a:bodyPr vert="horz" wrap="square" lIns="68580" tIns="34290" rIns="68580" bIns="34290" numCol="1" anchor="ctr" anchorCtr="0" compatLnSpc="1">
             <a:prstTxWarp prst="textNoShape">
@@ -17805,381 +17596,190 @@
               </a:spcAft>
             </a:pPr>
             <a:r>
-              <a:rPr lang="en-US" altLang="en-US" b="1" dirty="0" err="1">
-                <a:solidFill>
-                  <a:srgbClr val="CC7832"/>
-                </a:solidFill>
+              <a:rPr lang="en-US" altLang="en-US" sz="2400" b="1" dirty="0" err="1">
                 <a:latin typeface="Courier New" panose="02070309020205020404" pitchFamily="49" charset="0"/>
                 <a:cs typeface="Courier New" panose="02070309020205020404" pitchFamily="49" charset="0"/>
               </a:rPr>
               <a:t>var</a:t>
             </a:r>
             <a:r>
-              <a:rPr lang="en-US" altLang="en-US" b="1" dirty="0">
-                <a:solidFill>
-                  <a:srgbClr val="CC7832"/>
-                </a:solidFill>
+              <a:rPr lang="en-US" altLang="en-US" sz="2400" b="1" dirty="0">
                 <a:latin typeface="Courier New" panose="02070309020205020404" pitchFamily="49" charset="0"/>
                 <a:cs typeface="Courier New" panose="02070309020205020404" pitchFamily="49" charset="0"/>
               </a:rPr>
               <a:t> </a:t>
             </a:r>
             <a:r>
-              <a:rPr lang="en-US" altLang="en-US" dirty="0">
-                <a:solidFill>
-                  <a:srgbClr val="FFC66D"/>
-                </a:solidFill>
+              <a:rPr lang="en-US" altLang="en-US" sz="2400" dirty="0">
                 <a:latin typeface="Courier New" panose="02070309020205020404" pitchFamily="49" charset="0"/>
                 <a:cs typeface="Courier New" panose="02070309020205020404" pitchFamily="49" charset="0"/>
               </a:rPr>
-              <a:t>Foo </a:t>
-            </a:r>
-            <a:r>
-              <a:rPr lang="en-US" altLang="en-US" dirty="0">
-                <a:solidFill>
-                  <a:srgbClr val="A9B7C6"/>
-                </a:solidFill>
+              <a:t>Foo = </a:t>
+            </a:r>
+            <a:r>
+              <a:rPr lang="en-US" altLang="en-US" sz="2400" b="1" dirty="0">
                 <a:latin typeface="Courier New" panose="02070309020205020404" pitchFamily="49" charset="0"/>
                 <a:cs typeface="Courier New" panose="02070309020205020404" pitchFamily="49" charset="0"/>
               </a:rPr>
-              <a:t>= </a:t>
-            </a:r>
-            <a:r>
-              <a:rPr lang="en-US" altLang="en-US" b="1" dirty="0">
-                <a:solidFill>
-                  <a:srgbClr val="CC7832"/>
-                </a:solidFill>
+              <a:t>function </a:t>
+            </a:r>
+            <a:r>
+              <a:rPr lang="en-US" altLang="en-US" sz="2400" dirty="0">
                 <a:latin typeface="Courier New" panose="02070309020205020404" pitchFamily="49" charset="0"/>
                 <a:cs typeface="Courier New" panose="02070309020205020404" pitchFamily="49" charset="0"/>
               </a:rPr>
-              <a:t>function </a:t>
-            </a:r>
-            <a:r>
-              <a:rPr lang="en-US" altLang="en-US" dirty="0">
-                <a:solidFill>
-                  <a:srgbClr val="A9B7C6"/>
-                </a:solidFill>
+              <a:t>() {</a:t>
+            </a:r>
+            <a:br>
+              <a:rPr lang="en-US" altLang="en-US" sz="2400" dirty="0">
                 <a:latin typeface="Courier New" panose="02070309020205020404" pitchFamily="49" charset="0"/>
                 <a:cs typeface="Courier New" panose="02070309020205020404" pitchFamily="49" charset="0"/>
               </a:rPr>
-              <a:t>() {</a:t>
-            </a:r>
-            <a:br>
-              <a:rPr lang="en-US" altLang="en-US" dirty="0">
-                <a:solidFill>
-                  <a:srgbClr val="A9B7C6"/>
-                </a:solidFill>
+            </a:br>
+            <a:r>
+              <a:rPr lang="en-US" altLang="en-US" sz="2400" dirty="0">
                 <a:latin typeface="Courier New" panose="02070309020205020404" pitchFamily="49" charset="0"/>
                 <a:cs typeface="Courier New" panose="02070309020205020404" pitchFamily="49" charset="0"/>
               </a:rPr>
-            </a:br>
-            <a:r>
-              <a:rPr lang="en-US" altLang="en-US" dirty="0">
-                <a:solidFill>
-                  <a:srgbClr val="A9B7C6"/>
-                </a:solidFill>
+              <a:t>  </a:t>
+            </a:r>
+            <a:r>
+              <a:rPr lang="en-US" altLang="en-US" sz="2400" b="1" dirty="0" err="1">
                 <a:latin typeface="Courier New" panose="02070309020205020404" pitchFamily="49" charset="0"/>
                 <a:cs typeface="Courier New" panose="02070309020205020404" pitchFamily="49" charset="0"/>
               </a:rPr>
-              <a:t>  </a:t>
-            </a:r>
-            <a:r>
-              <a:rPr lang="en-US" altLang="en-US" b="1" dirty="0" err="1">
-                <a:solidFill>
-                  <a:srgbClr val="CC7832"/>
-                </a:solidFill>
+              <a:t>this</a:t>
+            </a:r>
+            <a:r>
+              <a:rPr lang="en-US" altLang="en-US" sz="2400" dirty="0" err="1">
                 <a:latin typeface="Courier New" panose="02070309020205020404" pitchFamily="49" charset="0"/>
                 <a:cs typeface="Courier New" panose="02070309020205020404" pitchFamily="49" charset="0"/>
               </a:rPr>
-              <a:t>this</a:t>
-            </a:r>
-            <a:r>
-              <a:rPr lang="en-US" altLang="en-US" dirty="0" err="1">
-                <a:solidFill>
-                  <a:srgbClr val="A9B7C6"/>
-                </a:solidFill>
+              <a:t>.prop</a:t>
+            </a:r>
+            <a:r>
+              <a:rPr lang="en-US" altLang="en-US" sz="2400" dirty="0">
                 <a:latin typeface="Courier New" panose="02070309020205020404" pitchFamily="49" charset="0"/>
                 <a:cs typeface="Courier New" panose="02070309020205020404" pitchFamily="49" charset="0"/>
               </a:rPr>
-              <a:t>.</a:t>
-            </a:r>
-            <a:r>
-              <a:rPr lang="en-US" altLang="en-US" dirty="0" err="1">
-                <a:solidFill>
-                  <a:srgbClr val="9876AA"/>
-                </a:solidFill>
+              <a:t> = 10;</a:t>
+            </a:r>
+            <a:br>
+              <a:rPr lang="en-US" altLang="en-US" sz="2400" dirty="0">
                 <a:latin typeface="Courier New" panose="02070309020205020404" pitchFamily="49" charset="0"/>
                 <a:cs typeface="Courier New" panose="02070309020205020404" pitchFamily="49" charset="0"/>
               </a:rPr>
-              <a:t>prop</a:t>
-            </a:r>
-            <a:r>
-              <a:rPr lang="en-US" altLang="en-US" dirty="0">
-                <a:solidFill>
-                  <a:srgbClr val="9876AA"/>
-                </a:solidFill>
+            </a:br>
+            <a:r>
+              <a:rPr lang="en-US" altLang="en-US" sz="2400" dirty="0">
                 <a:latin typeface="Courier New" panose="02070309020205020404" pitchFamily="49" charset="0"/>
                 <a:cs typeface="Courier New" panose="02070309020205020404" pitchFamily="49" charset="0"/>
               </a:rPr>
-              <a:t> </a:t>
-            </a:r>
-            <a:r>
-              <a:rPr lang="en-US" altLang="en-US" dirty="0">
-                <a:solidFill>
-                  <a:srgbClr val="A9B7C6"/>
-                </a:solidFill>
+              <a:t>  </a:t>
+            </a:r>
+            <a:r>
+              <a:rPr lang="en-US" altLang="en-US" sz="2400" b="1" dirty="0" err="1">
                 <a:latin typeface="Courier New" panose="02070309020205020404" pitchFamily="49" charset="0"/>
                 <a:cs typeface="Courier New" panose="02070309020205020404" pitchFamily="49" charset="0"/>
               </a:rPr>
-              <a:t>= </a:t>
-            </a:r>
-            <a:r>
-              <a:rPr lang="en-US" altLang="en-US" dirty="0">
-                <a:solidFill>
-                  <a:srgbClr val="6897BB"/>
-                </a:solidFill>
+              <a:t>this</a:t>
+            </a:r>
+            <a:r>
+              <a:rPr lang="en-US" altLang="en-US" sz="2400" dirty="0" err="1">
                 <a:latin typeface="Courier New" panose="02070309020205020404" pitchFamily="49" charset="0"/>
                 <a:cs typeface="Courier New" panose="02070309020205020404" pitchFamily="49" charset="0"/>
               </a:rPr>
-              <a:t>10</a:t>
-            </a:r>
-            <a:r>
-              <a:rPr lang="en-US" altLang="en-US" dirty="0">
-                <a:solidFill>
-                  <a:srgbClr val="CC7832"/>
-                </a:solidFill>
+              <a:t>.method</a:t>
+            </a:r>
+            <a:r>
+              <a:rPr lang="en-US" altLang="en-US" sz="2400" dirty="0">
                 <a:latin typeface="Courier New" panose="02070309020205020404" pitchFamily="49" charset="0"/>
                 <a:cs typeface="Courier New" panose="02070309020205020404" pitchFamily="49" charset="0"/>
               </a:rPr>
-              <a:t>;</a:t>
-            </a:r>
-            <a:br>
-              <a:rPr lang="en-US" altLang="en-US" dirty="0">
-                <a:solidFill>
-                  <a:srgbClr val="CC7832"/>
-                </a:solidFill>
+              <a:t> = </a:t>
+            </a:r>
+            <a:r>
+              <a:rPr lang="en-US" altLang="en-US" sz="2400" b="1" dirty="0">
                 <a:latin typeface="Courier New" panose="02070309020205020404" pitchFamily="49" charset="0"/>
                 <a:cs typeface="Courier New" panose="02070309020205020404" pitchFamily="49" charset="0"/>
               </a:rPr>
-            </a:br>
-            <a:r>
-              <a:rPr lang="en-US" altLang="en-US" dirty="0">
-                <a:solidFill>
-                  <a:srgbClr val="CC7832"/>
-                </a:solidFill>
+              <a:t>function </a:t>
+            </a:r>
+            <a:r>
+              <a:rPr lang="en-US" altLang="en-US" sz="2400" dirty="0">
                 <a:latin typeface="Courier New" panose="02070309020205020404" pitchFamily="49" charset="0"/>
                 <a:cs typeface="Courier New" panose="02070309020205020404" pitchFamily="49" charset="0"/>
               </a:rPr>
-              <a:t>  </a:t>
-            </a:r>
-            <a:r>
-              <a:rPr lang="en-US" altLang="en-US" b="1" dirty="0" err="1">
-                <a:solidFill>
-                  <a:srgbClr val="CC7832"/>
-                </a:solidFill>
+              <a:t>() {</a:t>
+            </a:r>
+            <a:br>
+              <a:rPr lang="en-US" altLang="en-US" sz="2400" dirty="0">
                 <a:latin typeface="Courier New" panose="02070309020205020404" pitchFamily="49" charset="0"/>
                 <a:cs typeface="Courier New" panose="02070309020205020404" pitchFamily="49" charset="0"/>
               </a:rPr>
-              <a:t>this</a:t>
-            </a:r>
-            <a:r>
-              <a:rPr lang="en-US" altLang="en-US" dirty="0" err="1">
-                <a:solidFill>
-                  <a:srgbClr val="A9B7C6"/>
-                </a:solidFill>
+            </a:br>
+            <a:r>
+              <a:rPr lang="en-US" altLang="en-US" sz="2400" dirty="0">
                 <a:latin typeface="Courier New" panose="02070309020205020404" pitchFamily="49" charset="0"/>
                 <a:cs typeface="Courier New" panose="02070309020205020404" pitchFamily="49" charset="0"/>
               </a:rPr>
-              <a:t>.</a:t>
-            </a:r>
-            <a:r>
-              <a:rPr lang="en-US" altLang="en-US" dirty="0" err="1">
-                <a:solidFill>
-                  <a:srgbClr val="FFC66D"/>
-                </a:solidFill>
+              <a:t>    </a:t>
+            </a:r>
+            <a:r>
+              <a:rPr lang="en-US" altLang="en-US" sz="2400" b="1" dirty="0">
                 <a:latin typeface="Courier New" panose="02070309020205020404" pitchFamily="49" charset="0"/>
                 <a:cs typeface="Courier New" panose="02070309020205020404" pitchFamily="49" charset="0"/>
               </a:rPr>
-              <a:t>method</a:t>
-            </a:r>
-            <a:r>
-              <a:rPr lang="en-US" altLang="en-US" dirty="0">
-                <a:solidFill>
-                  <a:srgbClr val="FFC66D"/>
-                </a:solidFill>
+              <a:t>return </a:t>
+            </a:r>
+            <a:r>
+              <a:rPr lang="en-US" altLang="en-US" sz="2400" b="1" dirty="0" err="1">
                 <a:latin typeface="Courier New" panose="02070309020205020404" pitchFamily="49" charset="0"/>
                 <a:cs typeface="Courier New" panose="02070309020205020404" pitchFamily="49" charset="0"/>
               </a:rPr>
-              <a:t> </a:t>
-            </a:r>
-            <a:r>
-              <a:rPr lang="en-US" altLang="en-US" dirty="0">
-                <a:solidFill>
-                  <a:srgbClr val="A9B7C6"/>
-                </a:solidFill>
+              <a:t>this</a:t>
+            </a:r>
+            <a:r>
+              <a:rPr lang="en-US" altLang="en-US" sz="2400" dirty="0" err="1">
                 <a:latin typeface="Courier New" panose="02070309020205020404" pitchFamily="49" charset="0"/>
                 <a:cs typeface="Courier New" panose="02070309020205020404" pitchFamily="49" charset="0"/>
               </a:rPr>
-              <a:t>= </a:t>
-            </a:r>
-            <a:r>
-              <a:rPr lang="en-US" altLang="en-US" b="1" dirty="0">
-                <a:solidFill>
-                  <a:srgbClr val="CC7832"/>
-                </a:solidFill>
+              <a:t>.prop</a:t>
+            </a:r>
+            <a:r>
+              <a:rPr lang="en-US" altLang="en-US" sz="2400" dirty="0">
                 <a:latin typeface="Courier New" panose="02070309020205020404" pitchFamily="49" charset="0"/>
                 <a:cs typeface="Courier New" panose="02070309020205020404" pitchFamily="49" charset="0"/>
               </a:rPr>
-              <a:t>function </a:t>
-            </a:r>
-            <a:r>
-              <a:rPr lang="en-US" altLang="en-US" dirty="0">
-                <a:solidFill>
-                  <a:srgbClr val="A9B7C6"/>
-                </a:solidFill>
+              <a:t>;</a:t>
+            </a:r>
+            <a:br>
+              <a:rPr lang="en-US" altLang="en-US" sz="2400" dirty="0">
                 <a:latin typeface="Courier New" panose="02070309020205020404" pitchFamily="49" charset="0"/>
                 <a:cs typeface="Courier New" panose="02070309020205020404" pitchFamily="49" charset="0"/>
               </a:rPr>
-              <a:t>() {</a:t>
-            </a:r>
-            <a:br>
-              <a:rPr lang="en-US" altLang="en-US" dirty="0">
-                <a:solidFill>
-                  <a:srgbClr val="A9B7C6"/>
-                </a:solidFill>
+            </a:br>
+            <a:r>
+              <a:rPr lang="en-US" altLang="en-US" sz="2400" dirty="0">
                 <a:latin typeface="Courier New" panose="02070309020205020404" pitchFamily="49" charset="0"/>
                 <a:cs typeface="Courier New" panose="02070309020205020404" pitchFamily="49" charset="0"/>
               </a:rPr>
-            </a:br>
-            <a:r>
-              <a:rPr lang="en-US" altLang="en-US" dirty="0">
-                <a:solidFill>
-                  <a:srgbClr val="A9B7C6"/>
-                </a:solidFill>
+              <a:t>  };</a:t>
+            </a:r>
+            <a:br>
+              <a:rPr lang="en-US" altLang="en-US" sz="2400" dirty="0">
                 <a:latin typeface="Courier New" panose="02070309020205020404" pitchFamily="49" charset="0"/>
                 <a:cs typeface="Courier New" panose="02070309020205020404" pitchFamily="49" charset="0"/>
               </a:rPr>
-              <a:t>    </a:t>
-            </a:r>
-            <a:r>
-              <a:rPr lang="en-US" altLang="en-US" b="1" dirty="0">
-                <a:solidFill>
-                  <a:srgbClr val="CC7832"/>
-                </a:solidFill>
+            </a:br>
+            <a:r>
+              <a:rPr lang="en-US" altLang="en-US" sz="2400" dirty="0">
                 <a:latin typeface="Courier New" panose="02070309020205020404" pitchFamily="49" charset="0"/>
                 <a:cs typeface="Courier New" panose="02070309020205020404" pitchFamily="49" charset="0"/>
               </a:rPr>
-              <a:t>return </a:t>
-            </a:r>
-            <a:r>
-              <a:rPr lang="en-US" altLang="en-US" b="1" dirty="0" err="1">
-                <a:solidFill>
-                  <a:srgbClr val="CC7832"/>
-                </a:solidFill>
-                <a:latin typeface="Courier New" panose="02070309020205020404" pitchFamily="49" charset="0"/>
-                <a:cs typeface="Courier New" panose="02070309020205020404" pitchFamily="49" charset="0"/>
-              </a:rPr>
-              <a:t>this</a:t>
-            </a:r>
-            <a:r>
-              <a:rPr lang="en-US" altLang="en-US" dirty="0" err="1">
-                <a:solidFill>
-                  <a:srgbClr val="A9B7C6"/>
-                </a:solidFill>
-                <a:latin typeface="Courier New" panose="02070309020205020404" pitchFamily="49" charset="0"/>
-                <a:cs typeface="Courier New" panose="02070309020205020404" pitchFamily="49" charset="0"/>
-              </a:rPr>
-              <a:t>.</a:t>
-            </a:r>
-            <a:r>
-              <a:rPr lang="en-US" altLang="en-US" dirty="0" err="1">
-                <a:solidFill>
-                  <a:srgbClr val="9876AA"/>
-                </a:solidFill>
-                <a:latin typeface="Courier New" panose="02070309020205020404" pitchFamily="49" charset="0"/>
-                <a:cs typeface="Courier New" panose="02070309020205020404" pitchFamily="49" charset="0"/>
-              </a:rPr>
-              <a:t>prop</a:t>
-            </a:r>
-            <a:r>
-              <a:rPr lang="en-US" altLang="en-US" dirty="0">
-                <a:solidFill>
-                  <a:srgbClr val="CC7832"/>
-                </a:solidFill>
-                <a:latin typeface="Courier New" panose="02070309020205020404" pitchFamily="49" charset="0"/>
-                <a:cs typeface="Courier New" panose="02070309020205020404" pitchFamily="49" charset="0"/>
-              </a:rPr>
-              <a:t>;</a:t>
-            </a:r>
-            <a:br>
-              <a:rPr lang="en-US" altLang="en-US" dirty="0">
-                <a:solidFill>
-                  <a:srgbClr val="CC7832"/>
-                </a:solidFill>
-                <a:latin typeface="Courier New" panose="02070309020205020404" pitchFamily="49" charset="0"/>
-                <a:cs typeface="Courier New" panose="02070309020205020404" pitchFamily="49" charset="0"/>
-              </a:rPr>
-            </a:br>
-            <a:r>
-              <a:rPr lang="en-US" altLang="en-US" dirty="0">
-                <a:solidFill>
-                  <a:srgbClr val="CC7832"/>
-                </a:solidFill>
-                <a:latin typeface="Courier New" panose="02070309020205020404" pitchFamily="49" charset="0"/>
-                <a:cs typeface="Courier New" panose="02070309020205020404" pitchFamily="49" charset="0"/>
-              </a:rPr>
-              <a:t>  </a:t>
-            </a:r>
-            <a:r>
-              <a:rPr lang="en-US" altLang="en-US" dirty="0">
-                <a:solidFill>
-                  <a:srgbClr val="A9B7C6"/>
-                </a:solidFill>
-                <a:latin typeface="Courier New" panose="02070309020205020404" pitchFamily="49" charset="0"/>
-                <a:cs typeface="Courier New" panose="02070309020205020404" pitchFamily="49" charset="0"/>
-              </a:rPr>
-              <a:t>}</a:t>
-            </a:r>
-            <a:r>
-              <a:rPr lang="en-US" altLang="en-US" dirty="0">
-                <a:solidFill>
-                  <a:srgbClr val="CC7832"/>
-                </a:solidFill>
-                <a:latin typeface="Courier New" panose="02070309020205020404" pitchFamily="49" charset="0"/>
-                <a:cs typeface="Courier New" panose="02070309020205020404" pitchFamily="49" charset="0"/>
-              </a:rPr>
-              <a:t>;</a:t>
-            </a:r>
-            <a:br>
-              <a:rPr lang="en-US" altLang="en-US" dirty="0">
-                <a:solidFill>
-                  <a:srgbClr val="CC7832"/>
-                </a:solidFill>
-                <a:latin typeface="Courier New" panose="02070309020205020404" pitchFamily="49" charset="0"/>
-                <a:cs typeface="Courier New" panose="02070309020205020404" pitchFamily="49" charset="0"/>
-              </a:rPr>
-            </a:br>
-            <a:r>
-              <a:rPr lang="en-US" altLang="en-US" dirty="0">
-                <a:solidFill>
-                  <a:srgbClr val="A9B7C6"/>
-                </a:solidFill>
-                <a:latin typeface="Courier New" panose="02070309020205020404" pitchFamily="49" charset="0"/>
-                <a:cs typeface="Courier New" panose="02070309020205020404" pitchFamily="49" charset="0"/>
-              </a:rPr>
-              <a:t>}</a:t>
-            </a:r>
-            <a:r>
-              <a:rPr lang="en-US" altLang="en-US" dirty="0">
-                <a:solidFill>
-                  <a:srgbClr val="CC7832"/>
-                </a:solidFill>
-                <a:latin typeface="Courier New" panose="02070309020205020404" pitchFamily="49" charset="0"/>
-                <a:cs typeface="Courier New" panose="02070309020205020404" pitchFamily="49" charset="0"/>
-              </a:rPr>
-              <a:t>;</a:t>
-            </a:r>
-            <a:endParaRPr lang="en-US" altLang="en-US" dirty="0">
+              <a:t>};</a:t>
+            </a:r>
+            <a:endParaRPr lang="en-US" altLang="en-US" sz="2400" dirty="0">
               <a:latin typeface="Arial" panose="020B0604020202020204" pitchFamily="34" charset="0"/>
             </a:endParaRPr>
           </a:p>
@@ -18242,7 +17842,7 @@
         </p:nvSpPr>
         <p:spPr>
           <a:xfrm>
-            <a:off x="2055294" y="719254"/>
+            <a:off x="2055294" y="284827"/>
             <a:ext cx="5095755" cy="415498"/>
           </a:xfrm>
           <a:prstGeom prst="rect">
@@ -18332,41 +17932,29 @@
         </p:nvSpPr>
         <p:spPr bwMode="auto">
           <a:xfrm>
-            <a:off x="2195736" y="1326097"/>
-            <a:ext cx="5544616" cy="1731243"/>
+            <a:off x="866575" y="711427"/>
+            <a:ext cx="5544616" cy="2223686"/>
           </a:xfrm>
           <a:prstGeom prst="rect">
             <a:avLst/>
           </a:prstGeom>
-          <a:solidFill>
-            <a:srgbClr val="2B2B2B"/>
-          </a:solidFill>
-          <a:ln>
-            <a:noFill/>
-          </a:ln>
-          <a:effectLst/>
-          <a:extLst>
-            <a:ext uri="{91240B29-F687-4F45-9708-019B960494DF}">
-              <a14:hiddenLine xmlns:a14="http://schemas.microsoft.com/office/drawing/2010/main" w="9525">
-                <a:solidFill>
-                  <a:schemeClr val="tx1"/>
-                </a:solidFill>
-                <a:miter lim="800000"/>
-                <a:headEnd/>
-                <a:tailEnd/>
-              </a14:hiddenLine>
-            </a:ext>
-            <a:ext uri="{AF507438-7753-43E0-B8FC-AC1667EBCBE1}">
-              <a14:hiddenEffects xmlns:a14="http://schemas.microsoft.com/office/drawing/2010/main">
-                <a:effectLst>
-                  <a:outerShdw dist="35921" dir="2700000" algn="ctr" rotWithShape="0">
-                    <a:schemeClr val="bg2"/>
-                  </a:outerShdw>
-                </a:effectLst>
-              </a14:hiddenEffects>
-            </a:ext>
-          </a:extLst>
+          <a:ln/>
+          <a:extLst/>
         </p:spPr>
+        <p:style>
+          <a:lnRef idx="2">
+            <a:schemeClr val="dk1"/>
+          </a:lnRef>
+          <a:fillRef idx="1">
+            <a:schemeClr val="lt1"/>
+          </a:fillRef>
+          <a:effectRef idx="0">
+            <a:schemeClr val="dk1"/>
+          </a:effectRef>
+          <a:fontRef idx="minor">
+            <a:schemeClr val="dk1"/>
+          </a:fontRef>
+        </p:style>
         <p:txBody>
           <a:bodyPr vert="horz" wrap="square" lIns="68580" tIns="34290" rIns="68580" bIns="34290" numCol="1" anchor="ctr" anchorCtr="0" compatLnSpc="1">
             <a:prstTxWarp prst="textNoShape">
@@ -18385,381 +17973,176 @@
               </a:spcAft>
             </a:pPr>
             <a:r>
-              <a:rPr lang="en-US" altLang="en-US" b="1" dirty="0" err="1">
-                <a:solidFill>
-                  <a:srgbClr val="CC7832"/>
-                </a:solidFill>
+              <a:rPr lang="en-US" altLang="en-US" sz="2000" b="1" dirty="0" err="1">
                 <a:latin typeface="Courier New" panose="02070309020205020404" pitchFamily="49" charset="0"/>
                 <a:cs typeface="Courier New" panose="02070309020205020404" pitchFamily="49" charset="0"/>
               </a:rPr>
               <a:t>var</a:t>
             </a:r>
             <a:r>
-              <a:rPr lang="en-US" altLang="en-US" b="1" dirty="0">
-                <a:solidFill>
-                  <a:srgbClr val="CC7832"/>
-                </a:solidFill>
+              <a:rPr lang="en-US" altLang="en-US" sz="2000" b="1" dirty="0">
                 <a:latin typeface="Courier New" panose="02070309020205020404" pitchFamily="49" charset="0"/>
                 <a:cs typeface="Courier New" panose="02070309020205020404" pitchFamily="49" charset="0"/>
               </a:rPr>
               <a:t> </a:t>
             </a:r>
             <a:r>
-              <a:rPr lang="en-US" altLang="en-US" dirty="0">
-                <a:solidFill>
-                  <a:srgbClr val="FFC66D"/>
-                </a:solidFill>
+              <a:rPr lang="en-US" altLang="en-US" sz="2000" dirty="0">
                 <a:latin typeface="Courier New" panose="02070309020205020404" pitchFamily="49" charset="0"/>
                 <a:cs typeface="Courier New" panose="02070309020205020404" pitchFamily="49" charset="0"/>
               </a:rPr>
-              <a:t>Foo </a:t>
-            </a:r>
-            <a:r>
-              <a:rPr lang="en-US" altLang="en-US" dirty="0">
-                <a:solidFill>
-                  <a:srgbClr val="A9B7C6"/>
-                </a:solidFill>
+              <a:t>Foo = </a:t>
+            </a:r>
+            <a:r>
+              <a:rPr lang="en-US" altLang="en-US" sz="2000" b="1" dirty="0">
                 <a:latin typeface="Courier New" panose="02070309020205020404" pitchFamily="49" charset="0"/>
                 <a:cs typeface="Courier New" panose="02070309020205020404" pitchFamily="49" charset="0"/>
               </a:rPr>
-              <a:t>= </a:t>
-            </a:r>
-            <a:r>
-              <a:rPr lang="en-US" altLang="en-US" b="1" dirty="0">
-                <a:solidFill>
-                  <a:srgbClr val="CC7832"/>
-                </a:solidFill>
+              <a:t>function </a:t>
+            </a:r>
+            <a:r>
+              <a:rPr lang="en-US" altLang="en-US" sz="2000" dirty="0">
                 <a:latin typeface="Courier New" panose="02070309020205020404" pitchFamily="49" charset="0"/>
                 <a:cs typeface="Courier New" panose="02070309020205020404" pitchFamily="49" charset="0"/>
               </a:rPr>
-              <a:t>function </a:t>
-            </a:r>
-            <a:r>
-              <a:rPr lang="en-US" altLang="en-US" dirty="0">
-                <a:solidFill>
-                  <a:srgbClr val="A9B7C6"/>
-                </a:solidFill>
+              <a:t>() {</a:t>
+            </a:r>
+            <a:br>
+              <a:rPr lang="en-US" altLang="en-US" sz="2000" dirty="0">
                 <a:latin typeface="Courier New" panose="02070309020205020404" pitchFamily="49" charset="0"/>
                 <a:cs typeface="Courier New" panose="02070309020205020404" pitchFamily="49" charset="0"/>
               </a:rPr>
-              <a:t>() {</a:t>
-            </a:r>
-            <a:br>
-              <a:rPr lang="en-US" altLang="en-US" dirty="0">
-                <a:solidFill>
-                  <a:srgbClr val="A9B7C6"/>
-                </a:solidFill>
+            </a:br>
+            <a:r>
+              <a:rPr lang="en-US" altLang="en-US" sz="2000" dirty="0">
                 <a:latin typeface="Courier New" panose="02070309020205020404" pitchFamily="49" charset="0"/>
                 <a:cs typeface="Courier New" panose="02070309020205020404" pitchFamily="49" charset="0"/>
               </a:rPr>
-            </a:br>
-            <a:r>
-              <a:rPr lang="en-US" altLang="en-US" dirty="0">
-                <a:solidFill>
-                  <a:srgbClr val="A9B7C6"/>
-                </a:solidFill>
+              <a:t>  </a:t>
+            </a:r>
+            <a:r>
+              <a:rPr lang="en-US" altLang="en-US" sz="2000" b="1" dirty="0" err="1">
                 <a:latin typeface="Courier New" panose="02070309020205020404" pitchFamily="49" charset="0"/>
                 <a:cs typeface="Courier New" panose="02070309020205020404" pitchFamily="49" charset="0"/>
               </a:rPr>
-              <a:t>  </a:t>
-            </a:r>
-            <a:r>
-              <a:rPr lang="en-US" altLang="en-US" b="1" dirty="0" err="1">
-                <a:solidFill>
-                  <a:srgbClr val="CC7832"/>
-                </a:solidFill>
+              <a:t>this</a:t>
+            </a:r>
+            <a:r>
+              <a:rPr lang="en-US" altLang="en-US" sz="2000" dirty="0" err="1">
                 <a:latin typeface="Courier New" panose="02070309020205020404" pitchFamily="49" charset="0"/>
                 <a:cs typeface="Courier New" panose="02070309020205020404" pitchFamily="49" charset="0"/>
               </a:rPr>
-              <a:t>this</a:t>
-            </a:r>
-            <a:r>
-              <a:rPr lang="en-US" altLang="en-US" dirty="0" err="1">
-                <a:solidFill>
-                  <a:srgbClr val="A9B7C6"/>
-                </a:solidFill>
+              <a:t>.prop</a:t>
+            </a:r>
+            <a:r>
+              <a:rPr lang="en-US" altLang="en-US" sz="2000" dirty="0">
                 <a:latin typeface="Courier New" panose="02070309020205020404" pitchFamily="49" charset="0"/>
                 <a:cs typeface="Courier New" panose="02070309020205020404" pitchFamily="49" charset="0"/>
               </a:rPr>
-              <a:t>.</a:t>
-            </a:r>
-            <a:r>
-              <a:rPr lang="en-US" altLang="en-US" dirty="0" err="1">
-                <a:solidFill>
-                  <a:srgbClr val="9876AA"/>
-                </a:solidFill>
+              <a:t> = 10;</a:t>
+            </a:r>
+            <a:br>
+              <a:rPr lang="en-US" altLang="en-US" sz="2000" dirty="0">
                 <a:latin typeface="Courier New" panose="02070309020205020404" pitchFamily="49" charset="0"/>
                 <a:cs typeface="Courier New" panose="02070309020205020404" pitchFamily="49" charset="0"/>
               </a:rPr>
-              <a:t>prop</a:t>
-            </a:r>
-            <a:r>
-              <a:rPr lang="en-US" altLang="en-US" dirty="0">
-                <a:solidFill>
-                  <a:srgbClr val="9876AA"/>
-                </a:solidFill>
+            </a:br>
+            <a:r>
+              <a:rPr lang="en-US" altLang="en-US" sz="2000" dirty="0">
                 <a:latin typeface="Courier New" panose="02070309020205020404" pitchFamily="49" charset="0"/>
                 <a:cs typeface="Courier New" panose="02070309020205020404" pitchFamily="49" charset="0"/>
               </a:rPr>
-              <a:t> </a:t>
-            </a:r>
-            <a:r>
-              <a:rPr lang="en-US" altLang="en-US" dirty="0">
-                <a:solidFill>
-                  <a:srgbClr val="A9B7C6"/>
-                </a:solidFill>
+              <a:t>};</a:t>
+            </a:r>
+            <a:br>
+              <a:rPr lang="en-US" altLang="en-US" sz="2000" dirty="0">
                 <a:latin typeface="Courier New" panose="02070309020205020404" pitchFamily="49" charset="0"/>
                 <a:cs typeface="Courier New" panose="02070309020205020404" pitchFamily="49" charset="0"/>
               </a:rPr>
-              <a:t>= </a:t>
-            </a:r>
-            <a:r>
-              <a:rPr lang="en-US" altLang="en-US" dirty="0">
-                <a:solidFill>
-                  <a:srgbClr val="6897BB"/>
-                </a:solidFill>
+            </a:br>
+            <a:r>
+              <a:rPr lang="en-US" altLang="en-US" sz="2000" dirty="0" err="1">
                 <a:latin typeface="Courier New" panose="02070309020205020404" pitchFamily="49" charset="0"/>
                 <a:cs typeface="Courier New" panose="02070309020205020404" pitchFamily="49" charset="0"/>
               </a:rPr>
-              <a:t>10</a:t>
-            </a:r>
-            <a:r>
-              <a:rPr lang="en-US" altLang="en-US" dirty="0">
-                <a:solidFill>
-                  <a:srgbClr val="CC7832"/>
-                </a:solidFill>
+              <a:t>Foo.prototype.method</a:t>
+            </a:r>
+            <a:r>
+              <a:rPr lang="en-US" altLang="en-US" sz="2000" dirty="0">
                 <a:latin typeface="Courier New" panose="02070309020205020404" pitchFamily="49" charset="0"/>
                 <a:cs typeface="Courier New" panose="02070309020205020404" pitchFamily="49" charset="0"/>
               </a:rPr>
-              <a:t>;</a:t>
-            </a:r>
-            <a:br>
-              <a:rPr lang="en-US" altLang="en-US" dirty="0">
-                <a:solidFill>
-                  <a:srgbClr val="CC7832"/>
-                </a:solidFill>
+              <a:t> = </a:t>
+            </a:r>
+            <a:r>
+              <a:rPr lang="en-US" altLang="en-US" sz="2000" b="1" dirty="0">
                 <a:latin typeface="Courier New" panose="02070309020205020404" pitchFamily="49" charset="0"/>
                 <a:cs typeface="Courier New" panose="02070309020205020404" pitchFamily="49" charset="0"/>
               </a:rPr>
-            </a:br>
-            <a:r>
-              <a:rPr lang="en-US" altLang="en-US" dirty="0">
-                <a:solidFill>
-                  <a:srgbClr val="A9B7C6"/>
-                </a:solidFill>
+              <a:t>function </a:t>
+            </a:r>
+            <a:r>
+              <a:rPr lang="en-US" altLang="en-US" sz="2000" dirty="0">
                 <a:latin typeface="Courier New" panose="02070309020205020404" pitchFamily="49" charset="0"/>
                 <a:cs typeface="Courier New" panose="02070309020205020404" pitchFamily="49" charset="0"/>
               </a:rPr>
-              <a:t>}</a:t>
-            </a:r>
-            <a:r>
-              <a:rPr lang="en-US" altLang="en-US" dirty="0">
-                <a:solidFill>
-                  <a:srgbClr val="CC7832"/>
-                </a:solidFill>
+              <a:t>() {</a:t>
+            </a:r>
+            <a:br>
+              <a:rPr lang="en-US" altLang="en-US" sz="2000" dirty="0">
                 <a:latin typeface="Courier New" panose="02070309020205020404" pitchFamily="49" charset="0"/>
                 <a:cs typeface="Courier New" panose="02070309020205020404" pitchFamily="49" charset="0"/>
               </a:rPr>
-              <a:t>;</a:t>
-            </a:r>
-            <a:br>
-              <a:rPr lang="en-US" altLang="en-US" dirty="0">
-                <a:solidFill>
-                  <a:srgbClr val="CC7832"/>
-                </a:solidFill>
+            </a:br>
+            <a:r>
+              <a:rPr lang="en-US" altLang="en-US" sz="2000" dirty="0">
                 <a:latin typeface="Courier New" panose="02070309020205020404" pitchFamily="49" charset="0"/>
                 <a:cs typeface="Courier New" panose="02070309020205020404" pitchFamily="49" charset="0"/>
               </a:rPr>
-            </a:br>
-            <a:r>
-              <a:rPr lang="en-US" altLang="en-US" dirty="0" err="1">
-                <a:solidFill>
-                  <a:srgbClr val="FFC66D"/>
-                </a:solidFill>
+              <a:t>  </a:t>
+            </a:r>
+            <a:r>
+              <a:rPr lang="en-US" altLang="en-US" sz="2000" b="1" dirty="0">
                 <a:latin typeface="Courier New" panose="02070309020205020404" pitchFamily="49" charset="0"/>
                 <a:cs typeface="Courier New" panose="02070309020205020404" pitchFamily="49" charset="0"/>
               </a:rPr>
-              <a:t>Foo</a:t>
-            </a:r>
-            <a:r>
-              <a:rPr lang="en-US" altLang="en-US" dirty="0" err="1">
-                <a:solidFill>
-                  <a:srgbClr val="A9B7C6"/>
-                </a:solidFill>
+              <a:t>return </a:t>
+            </a:r>
+            <a:r>
+              <a:rPr lang="en-US" altLang="en-US" sz="2000" b="1" dirty="0" err="1">
                 <a:latin typeface="Courier New" panose="02070309020205020404" pitchFamily="49" charset="0"/>
                 <a:cs typeface="Courier New" panose="02070309020205020404" pitchFamily="49" charset="0"/>
               </a:rPr>
-              <a:t>.</a:t>
-            </a:r>
-            <a:r>
-              <a:rPr lang="en-US" altLang="en-US" dirty="0" err="1">
-                <a:solidFill>
-                  <a:srgbClr val="9876AA"/>
-                </a:solidFill>
+              <a:t>this</a:t>
+            </a:r>
+            <a:r>
+              <a:rPr lang="en-US" altLang="en-US" sz="2000" dirty="0" err="1">
                 <a:latin typeface="Courier New" panose="02070309020205020404" pitchFamily="49" charset="0"/>
                 <a:cs typeface="Courier New" panose="02070309020205020404" pitchFamily="49" charset="0"/>
               </a:rPr>
-              <a:t>prototype</a:t>
-            </a:r>
-            <a:r>
-              <a:rPr lang="en-US" altLang="en-US" dirty="0" err="1">
-                <a:solidFill>
-                  <a:srgbClr val="A9B7C6"/>
-                </a:solidFill>
+              <a:t>.prop</a:t>
+            </a:r>
+            <a:r>
+              <a:rPr lang="en-US" altLang="en-US" sz="2000" dirty="0">
                 <a:latin typeface="Courier New" panose="02070309020205020404" pitchFamily="49" charset="0"/>
                 <a:cs typeface="Courier New" panose="02070309020205020404" pitchFamily="49" charset="0"/>
               </a:rPr>
-              <a:t>.</a:t>
-            </a:r>
-            <a:r>
-              <a:rPr lang="en-US" altLang="en-US" dirty="0" err="1">
-                <a:solidFill>
-                  <a:srgbClr val="FFC66D"/>
-                </a:solidFill>
+              <a:t>;</a:t>
+            </a:r>
+            <a:br>
+              <a:rPr lang="en-US" altLang="en-US" sz="2000" dirty="0">
                 <a:latin typeface="Courier New" panose="02070309020205020404" pitchFamily="49" charset="0"/>
                 <a:cs typeface="Courier New" panose="02070309020205020404" pitchFamily="49" charset="0"/>
               </a:rPr>
-              <a:t>method</a:t>
-            </a:r>
-            <a:r>
-              <a:rPr lang="en-US" altLang="en-US" dirty="0">
-                <a:solidFill>
-                  <a:srgbClr val="FFC66D"/>
-                </a:solidFill>
+            </a:br>
+            <a:r>
+              <a:rPr lang="en-US" altLang="en-US" sz="2000" dirty="0">
                 <a:latin typeface="Courier New" panose="02070309020205020404" pitchFamily="49" charset="0"/>
                 <a:cs typeface="Courier New" panose="02070309020205020404" pitchFamily="49" charset="0"/>
               </a:rPr>
-              <a:t> </a:t>
-            </a:r>
-            <a:r>
-              <a:rPr lang="en-US" altLang="en-US" dirty="0">
-                <a:solidFill>
-                  <a:srgbClr val="A9B7C6"/>
-                </a:solidFill>
-                <a:latin typeface="Courier New" panose="02070309020205020404" pitchFamily="49" charset="0"/>
-                <a:cs typeface="Courier New" panose="02070309020205020404" pitchFamily="49" charset="0"/>
-              </a:rPr>
-              <a:t>= </a:t>
-            </a:r>
-            <a:r>
-              <a:rPr lang="en-US" altLang="en-US" b="1" dirty="0">
-                <a:solidFill>
-                  <a:srgbClr val="CC7832"/>
-                </a:solidFill>
-                <a:latin typeface="Courier New" panose="02070309020205020404" pitchFamily="49" charset="0"/>
-                <a:cs typeface="Courier New" panose="02070309020205020404" pitchFamily="49" charset="0"/>
-              </a:rPr>
-              <a:t>function </a:t>
-            </a:r>
-            <a:r>
-              <a:rPr lang="en-US" altLang="en-US" dirty="0">
-                <a:solidFill>
-                  <a:srgbClr val="A9B7C6"/>
-                </a:solidFill>
-                <a:latin typeface="Courier New" panose="02070309020205020404" pitchFamily="49" charset="0"/>
-                <a:cs typeface="Courier New" panose="02070309020205020404" pitchFamily="49" charset="0"/>
-              </a:rPr>
-              <a:t>() {</a:t>
-            </a:r>
-            <a:br>
-              <a:rPr lang="en-US" altLang="en-US" dirty="0">
-                <a:solidFill>
-                  <a:srgbClr val="A9B7C6"/>
-                </a:solidFill>
-                <a:latin typeface="Courier New" panose="02070309020205020404" pitchFamily="49" charset="0"/>
-                <a:cs typeface="Courier New" panose="02070309020205020404" pitchFamily="49" charset="0"/>
-              </a:rPr>
-            </a:br>
-            <a:r>
-              <a:rPr lang="en-US" altLang="en-US" dirty="0">
-                <a:solidFill>
-                  <a:srgbClr val="A9B7C6"/>
-                </a:solidFill>
-                <a:latin typeface="Courier New" panose="02070309020205020404" pitchFamily="49" charset="0"/>
-                <a:cs typeface="Courier New" panose="02070309020205020404" pitchFamily="49" charset="0"/>
-              </a:rPr>
-              <a:t>  </a:t>
-            </a:r>
-            <a:r>
-              <a:rPr lang="en-US" altLang="en-US" b="1" dirty="0">
-                <a:solidFill>
-                  <a:srgbClr val="CC7832"/>
-                </a:solidFill>
-                <a:latin typeface="Courier New" panose="02070309020205020404" pitchFamily="49" charset="0"/>
-                <a:cs typeface="Courier New" panose="02070309020205020404" pitchFamily="49" charset="0"/>
-              </a:rPr>
-              <a:t>return </a:t>
-            </a:r>
-            <a:r>
-              <a:rPr lang="en-US" altLang="en-US" b="1" dirty="0" err="1">
-                <a:solidFill>
-                  <a:srgbClr val="CC7832"/>
-                </a:solidFill>
-                <a:latin typeface="Courier New" panose="02070309020205020404" pitchFamily="49" charset="0"/>
-                <a:cs typeface="Courier New" panose="02070309020205020404" pitchFamily="49" charset="0"/>
-              </a:rPr>
-              <a:t>this</a:t>
-            </a:r>
-            <a:r>
-              <a:rPr lang="en-US" altLang="en-US" dirty="0" err="1">
-                <a:solidFill>
-                  <a:srgbClr val="A9B7C6"/>
-                </a:solidFill>
-                <a:latin typeface="Courier New" panose="02070309020205020404" pitchFamily="49" charset="0"/>
-                <a:cs typeface="Courier New" panose="02070309020205020404" pitchFamily="49" charset="0"/>
-              </a:rPr>
-              <a:t>.</a:t>
-            </a:r>
-            <a:r>
-              <a:rPr lang="en-US" altLang="en-US" dirty="0" err="1">
-                <a:solidFill>
-                  <a:srgbClr val="9876AA"/>
-                </a:solidFill>
-                <a:latin typeface="Courier New" panose="02070309020205020404" pitchFamily="49" charset="0"/>
-                <a:cs typeface="Courier New" panose="02070309020205020404" pitchFamily="49" charset="0"/>
-              </a:rPr>
-              <a:t>prop</a:t>
-            </a:r>
-            <a:r>
-              <a:rPr lang="en-US" altLang="en-US" dirty="0">
-                <a:solidFill>
-                  <a:srgbClr val="CC7832"/>
-                </a:solidFill>
-                <a:latin typeface="Courier New" panose="02070309020205020404" pitchFamily="49" charset="0"/>
-                <a:cs typeface="Courier New" panose="02070309020205020404" pitchFamily="49" charset="0"/>
-              </a:rPr>
-              <a:t>;</a:t>
-            </a:r>
-            <a:br>
-              <a:rPr lang="en-US" altLang="en-US" dirty="0">
-                <a:solidFill>
-                  <a:srgbClr val="CC7832"/>
-                </a:solidFill>
-                <a:latin typeface="Courier New" panose="02070309020205020404" pitchFamily="49" charset="0"/>
-                <a:cs typeface="Courier New" panose="02070309020205020404" pitchFamily="49" charset="0"/>
-              </a:rPr>
-            </a:br>
-            <a:r>
-              <a:rPr lang="en-US" altLang="en-US" dirty="0">
-                <a:solidFill>
-                  <a:srgbClr val="A9B7C6"/>
-                </a:solidFill>
-                <a:latin typeface="Courier New" panose="02070309020205020404" pitchFamily="49" charset="0"/>
-                <a:cs typeface="Courier New" panose="02070309020205020404" pitchFamily="49" charset="0"/>
-              </a:rPr>
-              <a:t>}</a:t>
-            </a:r>
-            <a:r>
-              <a:rPr lang="en-US" altLang="en-US" dirty="0">
-                <a:solidFill>
-                  <a:srgbClr val="CC7832"/>
-                </a:solidFill>
-                <a:latin typeface="Courier New" panose="02070309020205020404" pitchFamily="49" charset="0"/>
-                <a:cs typeface="Courier New" panose="02070309020205020404" pitchFamily="49" charset="0"/>
-              </a:rPr>
-              <a:t>;</a:t>
-            </a:r>
-            <a:endParaRPr lang="en-US" altLang="en-US" dirty="0">
+              <a:t>};</a:t>
+            </a:r>
+            <a:endParaRPr lang="en-US" altLang="en-US" sz="2000" dirty="0">
               <a:latin typeface="Arial" panose="020B0604020202020204" pitchFamily="34" charset="0"/>
             </a:endParaRPr>
           </a:p>
@@ -18775,41 +18158,29 @@
         </p:nvSpPr>
         <p:spPr bwMode="auto">
           <a:xfrm>
-            <a:off x="2206399" y="3557913"/>
-            <a:ext cx="3616037" cy="346249"/>
+            <a:off x="2206399" y="3511747"/>
+            <a:ext cx="3616037" cy="438582"/>
           </a:xfrm>
           <a:prstGeom prst="rect">
             <a:avLst/>
           </a:prstGeom>
-          <a:solidFill>
-            <a:srgbClr val="2B2B2B"/>
-          </a:solidFill>
-          <a:ln>
-            <a:noFill/>
-          </a:ln>
-          <a:effectLst/>
-          <a:extLst>
-            <a:ext uri="{91240B29-F687-4F45-9708-019B960494DF}">
-              <a14:hiddenLine xmlns:a14="http://schemas.microsoft.com/office/drawing/2010/main" w="9525">
-                <a:solidFill>
-                  <a:schemeClr val="tx1"/>
-                </a:solidFill>
-                <a:miter lim="800000"/>
-                <a:headEnd/>
-                <a:tailEnd/>
-              </a14:hiddenLine>
-            </a:ext>
-            <a:ext uri="{AF507438-7753-43E0-B8FC-AC1667EBCBE1}">
-              <a14:hiddenEffects xmlns:a14="http://schemas.microsoft.com/office/drawing/2010/main">
-                <a:effectLst>
-                  <a:outerShdw dist="35921" dir="2700000" algn="ctr" rotWithShape="0">
-                    <a:schemeClr val="bg2"/>
-                  </a:outerShdw>
-                </a:effectLst>
-              </a14:hiddenEffects>
-            </a:ext>
-          </a:extLst>
+          <a:ln/>
+          <a:extLst/>
         </p:spPr>
+        <p:style>
+          <a:lnRef idx="2">
+            <a:schemeClr val="dk1"/>
+          </a:lnRef>
+          <a:fillRef idx="1">
+            <a:schemeClr val="lt1"/>
+          </a:fillRef>
+          <a:effectRef idx="0">
+            <a:schemeClr val="dk1"/>
+          </a:effectRef>
+          <a:fontRef idx="minor">
+            <a:schemeClr val="dk1"/>
+          </a:fontRef>
+        </p:style>
         <p:txBody>
           <a:bodyPr vert="horz" wrap="square" lIns="68580" tIns="34290" rIns="68580" bIns="34290" numCol="1" anchor="ctr" anchorCtr="0" compatLnSpc="1">
             <a:prstTxWarp prst="textNoShape">
@@ -18828,9 +18199,9 @@
               </a:spcAft>
             </a:pPr>
             <a:r>
-              <a:rPr lang="en-US" altLang="en-US" b="1">
-                <a:solidFill>
-                  <a:srgbClr val="CC7832"/>
+              <a:rPr lang="en-US" altLang="en-US" sz="2400" b="1">
+                <a:solidFill>
+                  <a:schemeClr val="tx1"/>
                 </a:solidFill>
                 <a:latin typeface="Courier New" panose="02070309020205020404" pitchFamily="49" charset="0"/>
                 <a:cs typeface="Courier New" panose="02070309020205020404" pitchFamily="49" charset="0"/>
@@ -18838,46 +18209,19 @@
               <a:t>var </a:t>
             </a:r>
             <a:r>
-              <a:rPr lang="en-US" altLang="en-US">
-                <a:solidFill>
-                  <a:srgbClr val="A9B7C6"/>
+              <a:rPr lang="en-US" altLang="en-US" sz="2400">
+                <a:solidFill>
+                  <a:schemeClr val="tx1"/>
                 </a:solidFill>
                 <a:latin typeface="Courier New" panose="02070309020205020404" pitchFamily="49" charset="0"/>
                 <a:cs typeface="Courier New" panose="02070309020205020404" pitchFamily="49" charset="0"/>
               </a:rPr>
-              <a:t>foo = </a:t>
-            </a:r>
-            <a:r>
-              <a:rPr lang="en-US" altLang="en-US">
-                <a:solidFill>
-                  <a:srgbClr val="FFC66D"/>
-                </a:solidFill>
-                <a:latin typeface="Courier New" panose="02070309020205020404" pitchFamily="49" charset="0"/>
-                <a:cs typeface="Courier New" panose="02070309020205020404" pitchFamily="49" charset="0"/>
-              </a:rPr>
-              <a:t>Foo </a:t>
-            </a:r>
-            <a:r>
-              <a:rPr lang="en-US" altLang="en-US">
-                <a:solidFill>
-                  <a:srgbClr val="A9B7C6"/>
-                </a:solidFill>
-                <a:latin typeface="Courier New" panose="02070309020205020404" pitchFamily="49" charset="0"/>
-                <a:cs typeface="Courier New" panose="02070309020205020404" pitchFamily="49" charset="0"/>
-              </a:rPr>
-              <a:t>()</a:t>
-            </a:r>
-            <a:r>
-              <a:rPr lang="en-US" altLang="en-US">
-                <a:solidFill>
-                  <a:srgbClr val="CC7832"/>
-                </a:solidFill>
-                <a:latin typeface="Courier New" panose="02070309020205020404" pitchFamily="49" charset="0"/>
-                <a:cs typeface="Courier New" panose="02070309020205020404" pitchFamily="49" charset="0"/>
-              </a:rPr>
-              <a:t>;</a:t>
-            </a:r>
-            <a:endParaRPr lang="en-US" altLang="en-US">
+              <a:t>foo = Foo ();</a:t>
+            </a:r>
+            <a:endParaRPr lang="en-US" altLang="en-US" sz="2400">
+              <a:solidFill>
+                <a:schemeClr val="tx1"/>
+              </a:solidFill>
               <a:latin typeface="Arial" panose="020B0604020202020204" pitchFamily="34" charset="0"/>
             </a:endParaRPr>
           </a:p>
@@ -18893,41 +18237,29 @@
         </p:nvSpPr>
         <p:spPr bwMode="auto">
           <a:xfrm>
-            <a:off x="2242971" y="4750986"/>
-            <a:ext cx="3616037" cy="346249"/>
+            <a:off x="2242971" y="4735598"/>
+            <a:ext cx="3616037" cy="377026"/>
           </a:xfrm>
           <a:prstGeom prst="rect">
             <a:avLst/>
           </a:prstGeom>
-          <a:solidFill>
-            <a:srgbClr val="2B2B2B"/>
-          </a:solidFill>
-          <a:ln>
-            <a:noFill/>
-          </a:ln>
-          <a:effectLst/>
-          <a:extLst>
-            <a:ext uri="{91240B29-F687-4F45-9708-019B960494DF}">
-              <a14:hiddenLine xmlns:a14="http://schemas.microsoft.com/office/drawing/2010/main" w="9525">
-                <a:solidFill>
-                  <a:schemeClr val="tx1"/>
-                </a:solidFill>
-                <a:miter lim="800000"/>
-                <a:headEnd/>
-                <a:tailEnd/>
-              </a14:hiddenLine>
-            </a:ext>
-            <a:ext uri="{AF507438-7753-43E0-B8FC-AC1667EBCBE1}">
-              <a14:hiddenEffects xmlns:a14="http://schemas.microsoft.com/office/drawing/2010/main">
-                <a:effectLst>
-                  <a:outerShdw dist="35921" dir="2700000" algn="ctr" rotWithShape="0">
-                    <a:schemeClr val="bg2"/>
-                  </a:outerShdw>
-                </a:effectLst>
-              </a14:hiddenEffects>
-            </a:ext>
-          </a:extLst>
+          <a:ln/>
+          <a:extLst/>
         </p:spPr>
+        <p:style>
+          <a:lnRef idx="2">
+            <a:schemeClr val="dk1"/>
+          </a:lnRef>
+          <a:fillRef idx="1">
+            <a:schemeClr val="lt1"/>
+          </a:fillRef>
+          <a:effectRef idx="0">
+            <a:schemeClr val="dk1"/>
+          </a:effectRef>
+          <a:fontRef idx="minor">
+            <a:schemeClr val="dk1"/>
+          </a:fontRef>
+        </p:style>
         <p:txBody>
           <a:bodyPr vert="horz" wrap="square" lIns="68580" tIns="34290" rIns="68580" bIns="34290" numCol="1" anchor="ctr" anchorCtr="0" compatLnSpc="1">
             <a:prstTxWarp prst="textNoShape">
@@ -18946,9 +18278,9 @@
               </a:spcAft>
             </a:pPr>
             <a:r>
-              <a:rPr lang="en-US" altLang="en-US" b="1">
-                <a:solidFill>
-                  <a:srgbClr val="CC7832"/>
+              <a:rPr lang="en-US" altLang="en-US" sz="2000" b="1">
+                <a:solidFill>
+                  <a:schemeClr val="tx1"/>
                 </a:solidFill>
                 <a:latin typeface="Courier New" panose="02070309020205020404" pitchFamily="49" charset="0"/>
                 <a:cs typeface="Courier New" panose="02070309020205020404" pitchFamily="49" charset="0"/>
@@ -18956,9 +18288,9 @@
               <a:t>var </a:t>
             </a:r>
             <a:r>
-              <a:rPr lang="en-US" altLang="en-US">
-                <a:solidFill>
-                  <a:srgbClr val="A9B7C6"/>
+              <a:rPr lang="en-US" altLang="en-US" sz="2000">
+                <a:solidFill>
+                  <a:schemeClr val="tx1"/>
                 </a:solidFill>
                 <a:latin typeface="Courier New" panose="02070309020205020404" pitchFamily="49" charset="0"/>
                 <a:cs typeface="Courier New" panose="02070309020205020404" pitchFamily="49" charset="0"/>
@@ -18966,9 +18298,9 @@
               <a:t>foo = </a:t>
             </a:r>
             <a:r>
-              <a:rPr lang="en-US" altLang="en-US" b="1">
-                <a:solidFill>
-                  <a:srgbClr val="CC7832"/>
+              <a:rPr lang="en-US" altLang="en-US" sz="2000" b="1">
+                <a:solidFill>
+                  <a:schemeClr val="tx1"/>
                 </a:solidFill>
                 <a:latin typeface="Courier New" panose="02070309020205020404" pitchFamily="49" charset="0"/>
                 <a:cs typeface="Courier New" panose="02070309020205020404" pitchFamily="49" charset="0"/>
@@ -18976,36 +18308,19 @@
               <a:t>new </a:t>
             </a:r>
             <a:r>
-              <a:rPr lang="en-US" altLang="en-US">
-                <a:solidFill>
-                  <a:srgbClr val="FFC66D"/>
+              <a:rPr lang="en-US" altLang="en-US" sz="2000">
+                <a:solidFill>
+                  <a:schemeClr val="tx1"/>
                 </a:solidFill>
                 <a:latin typeface="Courier New" panose="02070309020205020404" pitchFamily="49" charset="0"/>
                 <a:cs typeface="Courier New" panose="02070309020205020404" pitchFamily="49" charset="0"/>
               </a:rPr>
-              <a:t>Foo </a:t>
-            </a:r>
-            <a:r>
-              <a:rPr lang="en-US" altLang="en-US">
-                <a:solidFill>
-                  <a:srgbClr val="A9B7C6"/>
-                </a:solidFill>
-                <a:latin typeface="Courier New" panose="02070309020205020404" pitchFamily="49" charset="0"/>
-                <a:cs typeface="Courier New" panose="02070309020205020404" pitchFamily="49" charset="0"/>
-              </a:rPr>
-              <a:t>()</a:t>
-            </a:r>
-            <a:r>
-              <a:rPr lang="en-US" altLang="en-US">
-                <a:solidFill>
-                  <a:srgbClr val="CC7832"/>
-                </a:solidFill>
-                <a:latin typeface="Courier New" panose="02070309020205020404" pitchFamily="49" charset="0"/>
-                <a:cs typeface="Courier New" panose="02070309020205020404" pitchFamily="49" charset="0"/>
-              </a:rPr>
-              <a:t>;</a:t>
-            </a:r>
-            <a:endParaRPr lang="en-US" altLang="en-US">
+              <a:t>Foo ();</a:t>
+            </a:r>
+            <a:endParaRPr lang="en-US" altLang="en-US" sz="2000">
+              <a:solidFill>
+                <a:schemeClr val="tx1"/>
+              </a:solidFill>
               <a:latin typeface="Arial" panose="020B0604020202020204" pitchFamily="34" charset="0"/>
             </a:endParaRPr>
           </a:p>
@@ -19164,35 +18479,23 @@
           <a:prstGeom prst="rect">
             <a:avLst/>
           </a:prstGeom>
-          <a:solidFill>
-            <a:srgbClr val="2B2B2B"/>
-          </a:solidFill>
-          <a:ln>
-            <a:noFill/>
-          </a:ln>
-          <a:effectLst/>
-          <a:extLst>
-            <a:ext uri="{91240B29-F687-4F45-9708-019B960494DF}">
-              <a14:hiddenLine xmlns:a14="http://schemas.microsoft.com/office/drawing/2010/main" w="9525">
-                <a:solidFill>
-                  <a:schemeClr val="tx1"/>
-                </a:solidFill>
-                <a:miter lim="800000"/>
-                <a:headEnd/>
-                <a:tailEnd/>
-              </a14:hiddenLine>
-            </a:ext>
-            <a:ext uri="{AF507438-7753-43E0-B8FC-AC1667EBCBE1}">
-              <a14:hiddenEffects xmlns:a14="http://schemas.microsoft.com/office/drawing/2010/main">
-                <a:effectLst>
-                  <a:outerShdw dist="35921" dir="2700000" algn="ctr" rotWithShape="0">
-                    <a:schemeClr val="bg2"/>
-                  </a:outerShdw>
-                </a:effectLst>
-              </a14:hiddenEffects>
-            </a:ext>
-          </a:extLst>
+          <a:ln/>
+          <a:extLst/>
         </p:spPr>
+        <p:style>
+          <a:lnRef idx="2">
+            <a:schemeClr val="dk1"/>
+          </a:lnRef>
+          <a:fillRef idx="1">
+            <a:schemeClr val="lt1"/>
+          </a:fillRef>
+          <a:effectRef idx="0">
+            <a:schemeClr val="dk1"/>
+          </a:effectRef>
+          <a:fontRef idx="minor">
+            <a:schemeClr val="dk1"/>
+          </a:fontRef>
+        </p:style>
         <p:txBody>
           <a:bodyPr vert="horz" wrap="square" lIns="68580" tIns="34290" rIns="68580" bIns="34290" numCol="1" anchor="ctr" anchorCtr="0" compatLnSpc="1">
             <a:prstTxWarp prst="textNoShape">
@@ -19282,35 +18585,23 @@
           <a:prstGeom prst="rect">
             <a:avLst/>
           </a:prstGeom>
-          <a:solidFill>
-            <a:srgbClr val="2B2B2B"/>
-          </a:solidFill>
-          <a:ln>
-            <a:noFill/>
-          </a:ln>
-          <a:effectLst/>
-          <a:extLst>
-            <a:ext uri="{91240B29-F687-4F45-9708-019B960494DF}">
-              <a14:hiddenLine xmlns:a14="http://schemas.microsoft.com/office/drawing/2010/main" w="9525">
-                <a:solidFill>
-                  <a:schemeClr val="tx1"/>
-                </a:solidFill>
-                <a:miter lim="800000"/>
-                <a:headEnd/>
-                <a:tailEnd/>
-              </a14:hiddenLine>
-            </a:ext>
-            <a:ext uri="{AF507438-7753-43E0-B8FC-AC1667EBCBE1}">
-              <a14:hiddenEffects xmlns:a14="http://schemas.microsoft.com/office/drawing/2010/main">
-                <a:effectLst>
-                  <a:outerShdw dist="35921" dir="2700000" algn="ctr" rotWithShape="0">
-                    <a:schemeClr val="bg2"/>
-                  </a:outerShdw>
-                </a:effectLst>
-              </a14:hiddenEffects>
-            </a:ext>
-          </a:extLst>
+          <a:ln/>
+          <a:extLst/>
         </p:spPr>
+        <p:style>
+          <a:lnRef idx="2">
+            <a:schemeClr val="dk1"/>
+          </a:lnRef>
+          <a:fillRef idx="1">
+            <a:schemeClr val="lt1"/>
+          </a:fillRef>
+          <a:effectRef idx="0">
+            <a:schemeClr val="dk1"/>
+          </a:effectRef>
+          <a:fontRef idx="minor">
+            <a:schemeClr val="dk1"/>
+          </a:fontRef>
+        </p:style>
         <p:txBody>
           <a:bodyPr vert="horz" wrap="square" lIns="68580" tIns="34290" rIns="68580" bIns="34290" numCol="1" anchor="ctr" anchorCtr="0" compatLnSpc="1">
             <a:prstTxWarp prst="textNoShape">
@@ -19410,35 +18701,23 @@
           <a:prstGeom prst="rect">
             <a:avLst/>
           </a:prstGeom>
-          <a:solidFill>
-            <a:srgbClr val="2B2B2B"/>
-          </a:solidFill>
-          <a:ln>
-            <a:noFill/>
-          </a:ln>
-          <a:effectLst/>
-          <a:extLst>
-            <a:ext uri="{91240B29-F687-4F45-9708-019B960494DF}">
-              <a14:hiddenLine xmlns:a14="http://schemas.microsoft.com/office/drawing/2010/main" w="9525">
-                <a:solidFill>
-                  <a:schemeClr val="tx1"/>
-                </a:solidFill>
-                <a:miter lim="800000"/>
-                <a:headEnd/>
-                <a:tailEnd/>
-              </a14:hiddenLine>
-            </a:ext>
-            <a:ext uri="{AF507438-7753-43E0-B8FC-AC1667EBCBE1}">
-              <a14:hiddenEffects xmlns:a14="http://schemas.microsoft.com/office/drawing/2010/main">
-                <a:effectLst>
-                  <a:outerShdw dist="35921" dir="2700000" algn="ctr" rotWithShape="0">
-                    <a:schemeClr val="bg2"/>
-                  </a:outerShdw>
-                </a:effectLst>
-              </a14:hiddenEffects>
-            </a:ext>
-          </a:extLst>
+          <a:ln/>
+          <a:extLst/>
         </p:spPr>
+        <p:style>
+          <a:lnRef idx="2">
+            <a:schemeClr val="dk1"/>
+          </a:lnRef>
+          <a:fillRef idx="1">
+            <a:schemeClr val="lt1"/>
+          </a:fillRef>
+          <a:effectRef idx="0">
+            <a:schemeClr val="dk1"/>
+          </a:effectRef>
+          <a:fontRef idx="minor">
+            <a:schemeClr val="dk1"/>
+          </a:fontRef>
+        </p:style>
         <p:txBody>
           <a:bodyPr vert="horz" wrap="square" lIns="68580" tIns="34290" rIns="68580" bIns="34290" numCol="1" anchor="ctr" anchorCtr="0" compatLnSpc="1">
             <a:prstTxWarp prst="textNoShape">
@@ -19459,7 +18738,7 @@
             <a:r>
               <a:rPr lang="en-US" altLang="en-US" b="1" dirty="0" err="1">
                 <a:solidFill>
-                  <a:srgbClr val="CC7832"/>
+                  <a:schemeClr val="tx1"/>
                 </a:solidFill>
                 <a:latin typeface="Courier New" panose="02070309020205020404" pitchFamily="49" charset="0"/>
                 <a:cs typeface="Courier New" panose="02070309020205020404" pitchFamily="49" charset="0"/>
@@ -19469,7 +18748,7 @@
             <a:r>
               <a:rPr lang="en-US" altLang="en-US" b="1" dirty="0">
                 <a:solidFill>
-                  <a:srgbClr val="CC7832"/>
+                  <a:schemeClr val="tx1"/>
                 </a:solidFill>
                 <a:latin typeface="Courier New" panose="02070309020205020404" pitchFamily="49" charset="0"/>
                 <a:cs typeface="Courier New" panose="02070309020205020404" pitchFamily="49" charset="0"/>
@@ -19479,47 +18758,86 @@
             <a:r>
               <a:rPr lang="en-US" altLang="en-US" dirty="0">
                 <a:solidFill>
-                  <a:srgbClr val="FFC66D"/>
+                  <a:schemeClr val="tx1"/>
                 </a:solidFill>
                 <a:latin typeface="Courier New" panose="02070309020205020404" pitchFamily="49" charset="0"/>
                 <a:cs typeface="Courier New" panose="02070309020205020404" pitchFamily="49" charset="0"/>
               </a:rPr>
-              <a:t>Foo </a:t>
-            </a:r>
-            <a:r>
-              <a:rPr lang="en-US" altLang="en-US" dirty="0">
-                <a:solidFill>
-                  <a:srgbClr val="A9B7C6"/>
+              <a:t>Foo = </a:t>
+            </a:r>
+            <a:r>
+              <a:rPr lang="en-US" altLang="en-US" b="1" dirty="0">
+                <a:solidFill>
+                  <a:schemeClr val="tx1"/>
                 </a:solidFill>
                 <a:latin typeface="Courier New" panose="02070309020205020404" pitchFamily="49" charset="0"/>
                 <a:cs typeface="Courier New" panose="02070309020205020404" pitchFamily="49" charset="0"/>
               </a:rPr>
-              <a:t>= </a:t>
-            </a:r>
-            <a:r>
-              <a:rPr lang="en-US" altLang="en-US" b="1" dirty="0">
-                <a:solidFill>
-                  <a:srgbClr val="CC7832"/>
+              <a:t>function </a:t>
+            </a:r>
+            <a:r>
+              <a:rPr lang="en-US" altLang="en-US" dirty="0">
+                <a:solidFill>
+                  <a:schemeClr val="tx1"/>
                 </a:solidFill>
                 <a:latin typeface="Courier New" panose="02070309020205020404" pitchFamily="49" charset="0"/>
                 <a:cs typeface="Courier New" panose="02070309020205020404" pitchFamily="49" charset="0"/>
               </a:rPr>
-              <a:t>function </a:t>
-            </a:r>
-            <a:r>
+              <a:t>() {</a:t>
+            </a:r>
+            <a:br>
               <a:rPr lang="en-US" altLang="en-US" dirty="0">
                 <a:solidFill>
-                  <a:srgbClr val="A9B7C6"/>
+                  <a:schemeClr val="tx1"/>
                 </a:solidFill>
                 <a:latin typeface="Courier New" panose="02070309020205020404" pitchFamily="49" charset="0"/>
                 <a:cs typeface="Courier New" panose="02070309020205020404" pitchFamily="49" charset="0"/>
               </a:rPr>
-              <a:t>() {</a:t>
+            </a:br>
+            <a:r>
+              <a:rPr lang="en-US" altLang="en-US" dirty="0">
+                <a:solidFill>
+                  <a:schemeClr val="tx1"/>
+                </a:solidFill>
+                <a:latin typeface="Courier New" panose="02070309020205020404" pitchFamily="49" charset="0"/>
+                <a:cs typeface="Courier New" panose="02070309020205020404" pitchFamily="49" charset="0"/>
+              </a:rPr>
+              <a:t>  </a:t>
+            </a:r>
+            <a:r>
+              <a:rPr lang="en-US" altLang="en-US" b="1" dirty="0" err="1">
+                <a:solidFill>
+                  <a:schemeClr val="tx1"/>
+                </a:solidFill>
+                <a:latin typeface="Courier New" panose="02070309020205020404" pitchFamily="49" charset="0"/>
+                <a:cs typeface="Courier New" panose="02070309020205020404" pitchFamily="49" charset="0"/>
+              </a:rPr>
+              <a:t>var</a:t>
+            </a:r>
+            <a:r>
+              <a:rPr lang="en-US" altLang="en-US" b="1" dirty="0">
+                <a:solidFill>
+                  <a:schemeClr val="tx1"/>
+                </a:solidFill>
+                <a:latin typeface="Courier New" panose="02070309020205020404" pitchFamily="49" charset="0"/>
+                <a:cs typeface="Courier New" panose="02070309020205020404" pitchFamily="49" charset="0"/>
+              </a:rPr>
+              <a:t> </a:t>
+            </a:r>
+            <a:r>
+              <a:rPr lang="en-US" altLang="en-US" dirty="0">
+                <a:solidFill>
+                  <a:schemeClr val="tx1"/>
+                </a:solidFill>
+                <a:latin typeface="Courier New" panose="02070309020205020404" pitchFamily="49" charset="0"/>
+                <a:cs typeface="Courier New" panose="02070309020205020404" pitchFamily="49" charset="0"/>
+              </a:rPr>
+              <a:t>prop = 10;</a:t>
             </a:r>
             <a:br>
               <a:rPr lang="en-US" altLang="en-US" dirty="0">
                 <a:solidFill>
-                  <a:srgbClr val="A9B7C6"/>
+                  <a:schemeClr val="tx1"/>
                 </a:solidFill>
                 <a:latin typeface="Courier New" panose="02070309020205020404" pitchFamily="49" charset="0"/>
                 <a:cs typeface="Courier New" panose="02070309020205020404" pitchFamily="49" charset="0"/>
@@ -19528,7 +18846,7 @@
             <a:r>
               <a:rPr lang="en-US" altLang="en-US" dirty="0">
                 <a:solidFill>
-                  <a:srgbClr val="A9B7C6"/>
+                  <a:schemeClr val="tx1"/>
                 </a:solidFill>
                 <a:latin typeface="Courier New" panose="02070309020205020404" pitchFamily="49" charset="0"/>
                 <a:cs typeface="Courier New" panose="02070309020205020404" pitchFamily="49" charset="0"/>
@@ -19536,69 +18854,67 @@
               <a:t>  </a:t>
             </a:r>
             <a:r>
-              <a:rPr lang="en-US" altLang="en-US" b="1" dirty="0" err="1">
-                <a:solidFill>
-                  <a:srgbClr val="CC7832"/>
+              <a:rPr lang="en-US" altLang="en-US" b="1" dirty="0">
+                <a:solidFill>
+                  <a:schemeClr val="tx1"/>
                 </a:solidFill>
                 <a:latin typeface="Courier New" panose="02070309020205020404" pitchFamily="49" charset="0"/>
                 <a:cs typeface="Courier New" panose="02070309020205020404" pitchFamily="49" charset="0"/>
               </a:rPr>
-              <a:t>var</a:t>
-            </a:r>
-            <a:r>
-              <a:rPr lang="en-US" altLang="en-US" b="1" dirty="0">
-                <a:solidFill>
-                  <a:srgbClr val="CC7832"/>
+              <a:t>return </a:t>
+            </a:r>
+            <a:r>
+              <a:rPr lang="en-US" altLang="en-US" dirty="0">
+                <a:solidFill>
+                  <a:schemeClr val="tx1"/>
                 </a:solidFill>
                 <a:latin typeface="Courier New" panose="02070309020205020404" pitchFamily="49" charset="0"/>
                 <a:cs typeface="Courier New" panose="02070309020205020404" pitchFamily="49" charset="0"/>
               </a:rPr>
-              <a:t> </a:t>
-            </a:r>
-            <a:r>
+              <a:t>{</a:t>
+            </a:r>
+            <a:br>
               <a:rPr lang="en-US" altLang="en-US" dirty="0">
                 <a:solidFill>
-                  <a:srgbClr val="9876AA"/>
+                  <a:schemeClr val="tx1"/>
                 </a:solidFill>
                 <a:latin typeface="Courier New" panose="02070309020205020404" pitchFamily="49" charset="0"/>
                 <a:cs typeface="Courier New" panose="02070309020205020404" pitchFamily="49" charset="0"/>
               </a:rPr>
-              <a:t>prop </a:t>
-            </a:r>
+            </a:br>
             <a:r>
               <a:rPr lang="en-US" altLang="en-US" dirty="0">
                 <a:solidFill>
-                  <a:srgbClr val="A9B7C6"/>
+                  <a:schemeClr val="tx1"/>
                 </a:solidFill>
                 <a:latin typeface="Courier New" panose="02070309020205020404" pitchFamily="49" charset="0"/>
                 <a:cs typeface="Courier New" panose="02070309020205020404" pitchFamily="49" charset="0"/>
               </a:rPr>
-              <a:t>= </a:t>
-            </a:r>
-            <a:r>
+              <a:t>    prop: 10</a:t>
+            </a:r>
+            <a:br>
               <a:rPr lang="en-US" altLang="en-US" dirty="0">
                 <a:solidFill>
-                  <a:srgbClr val="6897BB"/>
+                  <a:schemeClr val="tx1"/>
                 </a:solidFill>
                 <a:latin typeface="Courier New" panose="02070309020205020404" pitchFamily="49" charset="0"/>
                 <a:cs typeface="Courier New" panose="02070309020205020404" pitchFamily="49" charset="0"/>
               </a:rPr>
-              <a:t>10</a:t>
-            </a:r>
+            </a:br>
             <a:r>
               <a:rPr lang="en-US" altLang="en-US" dirty="0">
                 <a:solidFill>
-                  <a:srgbClr val="CC7832"/>
+                  <a:schemeClr val="tx1"/>
                 </a:solidFill>
                 <a:latin typeface="Courier New" panose="02070309020205020404" pitchFamily="49" charset="0"/>
                 <a:cs typeface="Courier New" panose="02070309020205020404" pitchFamily="49" charset="0"/>
               </a:rPr>
-              <a:t>;</a:t>
+              <a:t>  };</a:t>
             </a:r>
             <a:br>
               <a:rPr lang="en-US" altLang="en-US" dirty="0">
                 <a:solidFill>
-                  <a:srgbClr val="CC7832"/>
+                  <a:schemeClr val="tx1"/>
                 </a:solidFill>
                 <a:latin typeface="Courier New" panose="02070309020205020404" pitchFamily="49" charset="0"/>
                 <a:cs typeface="Courier New" panose="02070309020205020404" pitchFamily="49" charset="0"/>
@@ -19607,37 +18923,66 @@
             <a:r>
               <a:rPr lang="en-US" altLang="en-US" dirty="0">
                 <a:solidFill>
-                  <a:srgbClr val="CC7832"/>
+                  <a:schemeClr val="tx1"/>
                 </a:solidFill>
                 <a:latin typeface="Courier New" panose="02070309020205020404" pitchFamily="49" charset="0"/>
                 <a:cs typeface="Courier New" panose="02070309020205020404" pitchFamily="49" charset="0"/>
               </a:rPr>
-              <a:t>  </a:t>
-            </a:r>
-            <a:r>
-              <a:rPr lang="en-US" altLang="en-US" b="1" dirty="0">
-                <a:solidFill>
-                  <a:srgbClr val="CC7832"/>
+              <a:t>};</a:t>
+            </a:r>
+            <a:br>
+              <a:rPr lang="en-US" altLang="en-US" dirty="0">
+                <a:solidFill>
+                  <a:schemeClr val="tx1"/>
                 </a:solidFill>
                 <a:latin typeface="Courier New" panose="02070309020205020404" pitchFamily="49" charset="0"/>
                 <a:cs typeface="Courier New" panose="02070309020205020404" pitchFamily="49" charset="0"/>
               </a:rPr>
-              <a:t>return </a:t>
-            </a:r>
-            <a:r>
-              <a:rPr lang="en-US" altLang="en-US" dirty="0">
-                <a:solidFill>
-                  <a:srgbClr val="A9B7C6"/>
+            </a:br>
+            <a:r>
+              <a:rPr lang="en-US" altLang="en-US" dirty="0" err="1">
+                <a:solidFill>
+                  <a:schemeClr val="tx1"/>
                 </a:solidFill>
                 <a:latin typeface="Courier New" panose="02070309020205020404" pitchFamily="49" charset="0"/>
                 <a:cs typeface="Courier New" panose="02070309020205020404" pitchFamily="49" charset="0"/>
               </a:rPr>
-              <a:t>{</a:t>
+              <a:t>Foo.prototype.method</a:t>
+            </a:r>
+            <a:r>
+              <a:rPr lang="en-US" altLang="en-US" dirty="0">
+                <a:solidFill>
+                  <a:schemeClr val="tx1"/>
+                </a:solidFill>
+                <a:latin typeface="Courier New" panose="02070309020205020404" pitchFamily="49" charset="0"/>
+                <a:cs typeface="Courier New" panose="02070309020205020404" pitchFamily="49" charset="0"/>
+              </a:rPr>
+              <a:t> = </a:t>
+            </a:r>
+            <a:r>
+              <a:rPr lang="en-US" altLang="en-US" b="1" dirty="0">
+                <a:solidFill>
+                  <a:schemeClr val="tx1"/>
+                </a:solidFill>
+                <a:latin typeface="Courier New" panose="02070309020205020404" pitchFamily="49" charset="0"/>
+                <a:cs typeface="Courier New" panose="02070309020205020404" pitchFamily="49" charset="0"/>
+              </a:rPr>
+              <a:t>function </a:t>
+            </a:r>
+            <a:r>
+              <a:rPr lang="en-US" altLang="en-US" dirty="0">
+                <a:solidFill>
+                  <a:schemeClr val="tx1"/>
+                </a:solidFill>
+                <a:latin typeface="Courier New" panose="02070309020205020404" pitchFamily="49" charset="0"/>
+                <a:cs typeface="Courier New" panose="02070309020205020404" pitchFamily="49" charset="0"/>
+              </a:rPr>
+              <a:t>() {</a:t>
             </a:r>
             <a:br>
               <a:rPr lang="en-US" altLang="en-US" dirty="0">
                 <a:solidFill>
-                  <a:srgbClr val="A9B7C6"/>
+                  <a:schemeClr val="tx1"/>
                 </a:solidFill>
                 <a:latin typeface="Courier New" panose="02070309020205020404" pitchFamily="49" charset="0"/>
                 <a:cs typeface="Courier New" panose="02070309020205020404" pitchFamily="49" charset="0"/>
@@ -19646,271 +18991,36 @@
             <a:r>
               <a:rPr lang="en-US" altLang="en-US" dirty="0">
                 <a:solidFill>
-                  <a:srgbClr val="A9B7C6"/>
+                  <a:schemeClr val="tx1"/>
                 </a:solidFill>
                 <a:latin typeface="Courier New" panose="02070309020205020404" pitchFamily="49" charset="0"/>
                 <a:cs typeface="Courier New" panose="02070309020205020404" pitchFamily="49" charset="0"/>
               </a:rPr>
-              <a:t>    </a:t>
-            </a:r>
-            <a:r>
+              <a:t> // do something</a:t>
+            </a:r>
+            <a:br>
               <a:rPr lang="en-US" altLang="en-US" dirty="0">
                 <a:solidFill>
-                  <a:srgbClr val="9876AA"/>
+                  <a:schemeClr val="tx1"/>
                 </a:solidFill>
                 <a:latin typeface="Courier New" panose="02070309020205020404" pitchFamily="49" charset="0"/>
                 <a:cs typeface="Courier New" panose="02070309020205020404" pitchFamily="49" charset="0"/>
               </a:rPr>
-              <a:t>prop</a:t>
-            </a:r>
+            </a:br>
             <a:r>
               <a:rPr lang="en-US" altLang="en-US" dirty="0">
                 <a:solidFill>
-                  <a:srgbClr val="A9B7C6"/>
+                  <a:schemeClr val="tx1"/>
                 </a:solidFill>
                 <a:latin typeface="Courier New" panose="02070309020205020404" pitchFamily="49" charset="0"/>
                 <a:cs typeface="Courier New" panose="02070309020205020404" pitchFamily="49" charset="0"/>
               </a:rPr>
-              <a:t>: </a:t>
-            </a:r>
-            <a:r>
-              <a:rPr lang="en-US" altLang="en-US" dirty="0">
-                <a:solidFill>
-                  <a:srgbClr val="6897BB"/>
-                </a:solidFill>
-                <a:latin typeface="Courier New" panose="02070309020205020404" pitchFamily="49" charset="0"/>
-                <a:cs typeface="Courier New" panose="02070309020205020404" pitchFamily="49" charset="0"/>
-              </a:rPr>
-              <a:t>10</a:t>
-            </a:r>
-            <a:br>
-              <a:rPr lang="en-US" altLang="en-US" dirty="0">
-                <a:solidFill>
-                  <a:srgbClr val="6897BB"/>
-                </a:solidFill>
-                <a:latin typeface="Courier New" panose="02070309020205020404" pitchFamily="49" charset="0"/>
-                <a:cs typeface="Courier New" panose="02070309020205020404" pitchFamily="49" charset="0"/>
-              </a:rPr>
-            </a:br>
-            <a:r>
-              <a:rPr lang="en-US" altLang="en-US" dirty="0">
-                <a:solidFill>
-                  <a:srgbClr val="6897BB"/>
-                </a:solidFill>
-                <a:latin typeface="Courier New" panose="02070309020205020404" pitchFamily="49" charset="0"/>
-                <a:cs typeface="Courier New" panose="02070309020205020404" pitchFamily="49" charset="0"/>
-              </a:rPr>
-              <a:t>  </a:t>
-            </a:r>
-            <a:r>
-              <a:rPr lang="en-US" altLang="en-US" dirty="0">
-                <a:solidFill>
-                  <a:srgbClr val="A9B7C6"/>
-                </a:solidFill>
-                <a:latin typeface="Courier New" panose="02070309020205020404" pitchFamily="49" charset="0"/>
-                <a:cs typeface="Courier New" panose="02070309020205020404" pitchFamily="49" charset="0"/>
-              </a:rPr>
-              <a:t>}</a:t>
-            </a:r>
-            <a:r>
-              <a:rPr lang="en-US" altLang="en-US" dirty="0">
-                <a:solidFill>
-                  <a:srgbClr val="CC7832"/>
-                </a:solidFill>
-                <a:latin typeface="Courier New" panose="02070309020205020404" pitchFamily="49" charset="0"/>
-                <a:cs typeface="Courier New" panose="02070309020205020404" pitchFamily="49" charset="0"/>
-              </a:rPr>
-              <a:t>;</a:t>
-            </a:r>
-            <a:br>
-              <a:rPr lang="en-US" altLang="en-US" dirty="0">
-                <a:solidFill>
-                  <a:srgbClr val="CC7832"/>
-                </a:solidFill>
-                <a:latin typeface="Courier New" panose="02070309020205020404" pitchFamily="49" charset="0"/>
-                <a:cs typeface="Courier New" panose="02070309020205020404" pitchFamily="49" charset="0"/>
-              </a:rPr>
-            </a:br>
-            <a:r>
-              <a:rPr lang="en-US" altLang="en-US" dirty="0">
-                <a:solidFill>
-                  <a:srgbClr val="A9B7C6"/>
-                </a:solidFill>
-                <a:latin typeface="Courier New" panose="02070309020205020404" pitchFamily="49" charset="0"/>
-                <a:cs typeface="Courier New" panose="02070309020205020404" pitchFamily="49" charset="0"/>
-              </a:rPr>
-              <a:t>}</a:t>
-            </a:r>
-            <a:r>
-              <a:rPr lang="en-US" altLang="en-US" dirty="0">
-                <a:solidFill>
-                  <a:srgbClr val="CC7832"/>
-                </a:solidFill>
-                <a:latin typeface="Courier New" panose="02070309020205020404" pitchFamily="49" charset="0"/>
-                <a:cs typeface="Courier New" panose="02070309020205020404" pitchFamily="49" charset="0"/>
-              </a:rPr>
-              <a:t>;</a:t>
-            </a:r>
-            <a:br>
-              <a:rPr lang="en-US" altLang="en-US" dirty="0">
-                <a:solidFill>
-                  <a:srgbClr val="CC7832"/>
-                </a:solidFill>
-                <a:latin typeface="Courier New" panose="02070309020205020404" pitchFamily="49" charset="0"/>
-                <a:cs typeface="Courier New" panose="02070309020205020404" pitchFamily="49" charset="0"/>
-              </a:rPr>
-            </a:br>
-            <a:r>
-              <a:rPr lang="en-US" altLang="en-US" dirty="0" err="1">
-                <a:solidFill>
-                  <a:srgbClr val="FFC66D"/>
-                </a:solidFill>
-                <a:latin typeface="Courier New" panose="02070309020205020404" pitchFamily="49" charset="0"/>
-                <a:cs typeface="Courier New" panose="02070309020205020404" pitchFamily="49" charset="0"/>
-              </a:rPr>
-              <a:t>Foo</a:t>
-            </a:r>
-            <a:r>
-              <a:rPr lang="en-US" altLang="en-US" dirty="0" err="1">
-                <a:solidFill>
-                  <a:srgbClr val="A9B7C6"/>
-                </a:solidFill>
-                <a:latin typeface="Courier New" panose="02070309020205020404" pitchFamily="49" charset="0"/>
-                <a:cs typeface="Courier New" panose="02070309020205020404" pitchFamily="49" charset="0"/>
-              </a:rPr>
-              <a:t>.</a:t>
-            </a:r>
-            <a:r>
-              <a:rPr lang="en-US" altLang="en-US" dirty="0" err="1">
-                <a:solidFill>
-                  <a:srgbClr val="9876AA"/>
-                </a:solidFill>
-                <a:latin typeface="Courier New" panose="02070309020205020404" pitchFamily="49" charset="0"/>
-                <a:cs typeface="Courier New" panose="02070309020205020404" pitchFamily="49" charset="0"/>
-              </a:rPr>
-              <a:t>prototype</a:t>
-            </a:r>
-            <a:r>
-              <a:rPr lang="en-US" altLang="en-US" dirty="0" err="1">
-                <a:solidFill>
-                  <a:srgbClr val="A9B7C6"/>
-                </a:solidFill>
-                <a:latin typeface="Courier New" panose="02070309020205020404" pitchFamily="49" charset="0"/>
-                <a:cs typeface="Courier New" panose="02070309020205020404" pitchFamily="49" charset="0"/>
-              </a:rPr>
-              <a:t>.</a:t>
-            </a:r>
-            <a:r>
-              <a:rPr lang="en-US" altLang="en-US" dirty="0" err="1">
-                <a:solidFill>
-                  <a:srgbClr val="FFC66D"/>
-                </a:solidFill>
-                <a:latin typeface="Courier New" panose="02070309020205020404" pitchFamily="49" charset="0"/>
-                <a:cs typeface="Courier New" panose="02070309020205020404" pitchFamily="49" charset="0"/>
-              </a:rPr>
-              <a:t>method</a:t>
-            </a:r>
-            <a:r>
-              <a:rPr lang="en-US" altLang="en-US" dirty="0">
-                <a:solidFill>
-                  <a:srgbClr val="FFC66D"/>
-                </a:solidFill>
-                <a:latin typeface="Courier New" panose="02070309020205020404" pitchFamily="49" charset="0"/>
-                <a:cs typeface="Courier New" panose="02070309020205020404" pitchFamily="49" charset="0"/>
-              </a:rPr>
-              <a:t> </a:t>
-            </a:r>
-            <a:r>
-              <a:rPr lang="en-US" altLang="en-US" dirty="0">
-                <a:solidFill>
-                  <a:srgbClr val="A9B7C6"/>
-                </a:solidFill>
-                <a:latin typeface="Courier New" panose="02070309020205020404" pitchFamily="49" charset="0"/>
-                <a:cs typeface="Courier New" panose="02070309020205020404" pitchFamily="49" charset="0"/>
-              </a:rPr>
-              <a:t>= </a:t>
-            </a:r>
-            <a:r>
-              <a:rPr lang="en-US" altLang="en-US" b="1" dirty="0">
-                <a:solidFill>
-                  <a:srgbClr val="CC7832"/>
-                </a:solidFill>
-                <a:latin typeface="Courier New" panose="02070309020205020404" pitchFamily="49" charset="0"/>
-                <a:cs typeface="Courier New" panose="02070309020205020404" pitchFamily="49" charset="0"/>
-              </a:rPr>
-              <a:t>function </a:t>
-            </a:r>
-            <a:r>
-              <a:rPr lang="en-US" altLang="en-US" dirty="0">
-                <a:solidFill>
-                  <a:srgbClr val="A9B7C6"/>
-                </a:solidFill>
-                <a:latin typeface="Courier New" panose="02070309020205020404" pitchFamily="49" charset="0"/>
-                <a:cs typeface="Courier New" panose="02070309020205020404" pitchFamily="49" charset="0"/>
-              </a:rPr>
-              <a:t>() {</a:t>
-            </a:r>
-            <a:br>
-              <a:rPr lang="en-US" altLang="en-US" dirty="0">
-                <a:solidFill>
-                  <a:srgbClr val="A9B7C6"/>
-                </a:solidFill>
-                <a:latin typeface="Courier New" panose="02070309020205020404" pitchFamily="49" charset="0"/>
-                <a:cs typeface="Courier New" panose="02070309020205020404" pitchFamily="49" charset="0"/>
-              </a:rPr>
-            </a:br>
-            <a:r>
-              <a:rPr lang="en-US" altLang="en-US" dirty="0">
-                <a:solidFill>
-                  <a:schemeClr val="bg2">
-                    <a:lumMod val="50000"/>
-                  </a:schemeClr>
-                </a:solidFill>
-                <a:latin typeface="Courier New" panose="02070309020205020404" pitchFamily="49" charset="0"/>
-                <a:cs typeface="Courier New" panose="02070309020205020404" pitchFamily="49" charset="0"/>
-              </a:rPr>
-              <a:t> // do something</a:t>
-            </a:r>
-            <a:r>
-              <a:rPr lang="en-US" altLang="en-US" dirty="0">
-                <a:solidFill>
-                  <a:srgbClr val="CC7832"/>
-                </a:solidFill>
-                <a:latin typeface="Courier New" panose="02070309020205020404" pitchFamily="49" charset="0"/>
-                <a:cs typeface="Courier New" panose="02070309020205020404" pitchFamily="49" charset="0"/>
-              </a:rPr>
-              <a:t/>
-            </a:r>
-            <a:br>
-              <a:rPr lang="en-US" altLang="en-US" dirty="0">
-                <a:solidFill>
-                  <a:srgbClr val="CC7832"/>
-                </a:solidFill>
-                <a:latin typeface="Courier New" panose="02070309020205020404" pitchFamily="49" charset="0"/>
-                <a:cs typeface="Courier New" panose="02070309020205020404" pitchFamily="49" charset="0"/>
-              </a:rPr>
-            </a:br>
-            <a:r>
-              <a:rPr lang="en-US" altLang="en-US" dirty="0">
-                <a:solidFill>
-                  <a:srgbClr val="A9B7C6"/>
-                </a:solidFill>
-                <a:latin typeface="Courier New" panose="02070309020205020404" pitchFamily="49" charset="0"/>
-                <a:cs typeface="Courier New" panose="02070309020205020404" pitchFamily="49" charset="0"/>
-              </a:rPr>
-              <a:t>}</a:t>
-            </a:r>
-            <a:r>
-              <a:rPr lang="en-US" altLang="en-US" dirty="0">
-                <a:solidFill>
-                  <a:srgbClr val="CC7832"/>
-                </a:solidFill>
-                <a:latin typeface="Courier New" panose="02070309020205020404" pitchFamily="49" charset="0"/>
-                <a:cs typeface="Courier New" panose="02070309020205020404" pitchFamily="49" charset="0"/>
-              </a:rPr>
-              <a:t>;</a:t>
+              <a:t>};</a:t>
             </a:r>
             <a:endParaRPr lang="en-US" altLang="en-US" dirty="0">
+              <a:solidFill>
+                <a:schemeClr val="tx1"/>
+              </a:solidFill>
               <a:latin typeface="Arial" panose="020B0604020202020204" pitchFamily="34" charset="0"/>
             </a:endParaRPr>
           </a:p>
@@ -24327,7 +23437,7 @@
           <p:nvPr>
             <p:extLst>
               <p:ext uri="{D42A27DB-BD31-4B8C-83A1-F6EECF244321}">
-                <p14:modId xmlns:p14="http://schemas.microsoft.com/office/powerpoint/2010/main" val="2342696617"/>
+                <p14:modId xmlns:p14="http://schemas.microsoft.com/office/powerpoint/2010/main" val="2709365972"/>
               </p:ext>
             </p:extLst>
           </p:nvPr>
@@ -24354,7 +23464,7 @@
                       <a:pPr algn="ctr"/>
                       <a:r>
                         <a:rPr lang="en-US" dirty="0" err="1" smtClean="0"/>
-                        <a:t>MPhone.prototype</a:t>
+                        <a:t>MPhone</a:t>
                       </a:r>
                       <a:endParaRPr lang="en-US" dirty="0"/>
                     </a:p>
@@ -35183,8 +34293,26 @@
             </a:r>
             <a:r>
               <a:rPr lang="en-US" sz="2000" dirty="0"/>
-              <a:t>) {</a:t>
-            </a:r>
+              <a:t>) </a:t>
+            </a:r>
+            <a:r>
+              <a:rPr lang="en-US" sz="2000" dirty="0" smtClean="0"/>
+              <a:t>{</a:t>
+            </a:r>
+          </a:p>
+          <a:p>
+            <a:pPr marL="0" indent="0">
+              <a:buNone/>
+            </a:pPr>
+            <a:r>
+              <a:rPr lang="en-US" sz="2000" dirty="0"/>
+              <a:t>d</a:t>
+            </a:r>
+            <a:r>
+              <a:rPr lang="en-US" sz="2000" dirty="0" smtClean="0"/>
+              <a:t>ebugger;</a:t>
+            </a:r>
+            <a:endParaRPr lang="en-US" sz="2000" dirty="0"/>
           </a:p>
           <a:p>
             <a:pPr marL="0" indent="0">

--- a/inheritance-in-javascript/Inheritance.pptx
+++ b/inheritance-in-javascript/Inheritance.pptx
@@ -255,7 +255,7 @@
             <a:fld id="{83C55866-C109-46F5-A1A5-A583FE70736B}" type="datetimeFigureOut">
               <a:rPr lang="be-BY" smtClean="0"/>
               <a:pPr/>
-              <a:t>22.10.2015</a:t>
+              <a:t>08.06.2016</a:t>
             </a:fld>
             <a:endParaRPr lang="be-BY"/>
           </a:p>
@@ -1394,7 +1394,7 @@
             <a:fld id="{ADF9D30C-D1AE-43D8-9AC8-81DD3F555E58}" type="datetimeFigureOut">
               <a:rPr lang="be-BY" smtClean="0"/>
               <a:pPr/>
-              <a:t>22.10.2015</a:t>
+              <a:t>08.06.2016</a:t>
             </a:fld>
             <a:endParaRPr lang="be-BY"/>
           </a:p>
@@ -1561,7 +1561,7 @@
             <a:fld id="{ADF9D30C-D1AE-43D8-9AC8-81DD3F555E58}" type="datetimeFigureOut">
               <a:rPr lang="be-BY" smtClean="0"/>
               <a:pPr/>
-              <a:t>22.10.2015</a:t>
+              <a:t>08.06.2016</a:t>
             </a:fld>
             <a:endParaRPr lang="be-BY"/>
           </a:p>
@@ -1738,7 +1738,7 @@
             <a:fld id="{ADF9D30C-D1AE-43D8-9AC8-81DD3F555E58}" type="datetimeFigureOut">
               <a:rPr lang="be-BY" smtClean="0"/>
               <a:pPr/>
-              <a:t>22.10.2015</a:t>
+              <a:t>08.06.2016</a:t>
             </a:fld>
             <a:endParaRPr lang="be-BY"/>
           </a:p>
@@ -1905,7 +1905,7 @@
             <a:fld id="{ADF9D30C-D1AE-43D8-9AC8-81DD3F555E58}" type="datetimeFigureOut">
               <a:rPr lang="be-BY" smtClean="0"/>
               <a:pPr/>
-              <a:t>22.10.2015</a:t>
+              <a:t>08.06.2016</a:t>
             </a:fld>
             <a:endParaRPr lang="be-BY"/>
           </a:p>
@@ -2148,7 +2148,7 @@
             <a:fld id="{ADF9D30C-D1AE-43D8-9AC8-81DD3F555E58}" type="datetimeFigureOut">
               <a:rPr lang="be-BY" smtClean="0"/>
               <a:pPr/>
-              <a:t>22.10.2015</a:t>
+              <a:t>08.06.2016</a:t>
             </a:fld>
             <a:endParaRPr lang="be-BY"/>
           </a:p>
@@ -2433,7 +2433,7 @@
             <a:fld id="{ADF9D30C-D1AE-43D8-9AC8-81DD3F555E58}" type="datetimeFigureOut">
               <a:rPr lang="be-BY" smtClean="0"/>
               <a:pPr/>
-              <a:t>22.10.2015</a:t>
+              <a:t>08.06.2016</a:t>
             </a:fld>
             <a:endParaRPr lang="be-BY"/>
           </a:p>
@@ -2852,7 +2852,7 @@
             <a:fld id="{ADF9D30C-D1AE-43D8-9AC8-81DD3F555E58}" type="datetimeFigureOut">
               <a:rPr lang="be-BY" smtClean="0"/>
               <a:pPr/>
-              <a:t>22.10.2015</a:t>
+              <a:t>08.06.2016</a:t>
             </a:fld>
             <a:endParaRPr lang="be-BY"/>
           </a:p>
@@ -2967,7 +2967,7 @@
             <a:fld id="{ADF9D30C-D1AE-43D8-9AC8-81DD3F555E58}" type="datetimeFigureOut">
               <a:rPr lang="be-BY" smtClean="0"/>
               <a:pPr/>
-              <a:t>22.10.2015</a:t>
+              <a:t>08.06.2016</a:t>
             </a:fld>
             <a:endParaRPr lang="be-BY"/>
           </a:p>
@@ -3059,7 +3059,7 @@
             <a:fld id="{ADF9D30C-D1AE-43D8-9AC8-81DD3F555E58}" type="datetimeFigureOut">
               <a:rPr lang="be-BY" smtClean="0"/>
               <a:pPr/>
-              <a:t>22.10.2015</a:t>
+              <a:t>08.06.2016</a:t>
             </a:fld>
             <a:endParaRPr lang="be-BY"/>
           </a:p>
@@ -3333,7 +3333,7 @@
             <a:fld id="{ADF9D30C-D1AE-43D8-9AC8-81DD3F555E58}" type="datetimeFigureOut">
               <a:rPr lang="be-BY" smtClean="0"/>
               <a:pPr/>
-              <a:t>22.10.2015</a:t>
+              <a:t>08.06.2016</a:t>
             </a:fld>
             <a:endParaRPr lang="be-BY"/>
           </a:p>
@@ -3583,7 +3583,7 @@
             <a:fld id="{ADF9D30C-D1AE-43D8-9AC8-81DD3F555E58}" type="datetimeFigureOut">
               <a:rPr lang="be-BY" smtClean="0"/>
               <a:pPr/>
-              <a:t>22.10.2015</a:t>
+              <a:t>08.06.2016</a:t>
             </a:fld>
             <a:endParaRPr lang="be-BY"/>
           </a:p>
@@ -3793,7 +3793,7 @@
             <a:fld id="{ADF9D30C-D1AE-43D8-9AC8-81DD3F555E58}" type="datetimeFigureOut">
               <a:rPr lang="be-BY" smtClean="0"/>
               <a:pPr/>
-              <a:t>22.10.2015</a:t>
+              <a:t>08.06.2016</a:t>
             </a:fld>
             <a:endParaRPr lang="be-BY"/>
           </a:p>
@@ -19309,7 +19309,7 @@
               <a:t>Prototype </a:t>
             </a:r>
             <a:r>
-              <a:rPr lang="en-US" b="1" dirty="0" err="1" smtClean="0">
+              <a:rPr lang="en-US" b="1" dirty="0" smtClean="0">
                 <a:solidFill>
                   <a:schemeClr val="tx1">
                     <a:lumMod val="65000"/>
@@ -19317,18 +19317,7 @@
                   </a:schemeClr>
                 </a:solidFill>
               </a:rPr>
-              <a:t>vs</a:t>
-            </a:r>
-            <a:r>
-              <a:rPr lang="en-US" b="1" dirty="0" smtClean="0">
-                <a:solidFill>
-                  <a:schemeClr val="tx1">
-                    <a:lumMod val="65000"/>
-                    <a:lumOff val="35000"/>
-                  </a:schemeClr>
-                </a:solidFill>
-              </a:rPr>
-              <a:t> [[Prototype]]</a:t>
+              <a:t>vs __proto__</a:t>
             </a:r>
             <a:endParaRPr lang="en-US" b="1" dirty="0">
               <a:solidFill>
@@ -19350,7 +19339,7 @@
         <p:spPr>
           <a:xfrm>
             <a:off x="500034" y="1357298"/>
-            <a:ext cx="8215370" cy="1964512"/>
+            <a:ext cx="8215370" cy="2031325"/>
           </a:xfrm>
           <a:prstGeom prst="rect">
             <a:avLst/>
@@ -19398,7 +19387,15 @@
                   <a:schemeClr val="accent2"/>
                 </a:solidFill>
               </a:rPr>
-              <a:t>[[Prototype]] </a:t>
+              <a:t>[[Prototype</a:t>
+            </a:r>
+            <a:r>
+              <a:rPr lang="en-US" sz="2800" b="1" dirty="0" smtClean="0">
+                <a:solidFill>
+                  <a:schemeClr val="accent2"/>
+                </a:solidFill>
+              </a:rPr>
+              <a:t>]] (or __proto__) </a:t>
             </a:r>
             <a:r>
               <a:rPr lang="en-US" sz="2800" b="1" dirty="0" smtClean="0"/>
